--- a/ПРЕЗЕНТАЦИЯ Бычков Евгений.pptx
+++ b/ПРЕЗЕНТАЦИЯ Бычков Евгений.pptx
@@ -1,29 +1,31 @@
 
 <file path=ppt/presentation.xml><?xml version="1.0" encoding="utf-8"?>
-<p:presentation xmlns:a="http://schemas.openxmlformats.org/drawingml/2006/main" xmlns:r="http://schemas.openxmlformats.org/officeDocument/2006/relationships" xmlns:p="http://schemas.openxmlformats.org/presentationml/2006/main" saveSubsetFonts="1">
+<p:presentation xmlns:a="http://schemas.openxmlformats.org/drawingml/2006/main" xmlns:r="http://schemas.openxmlformats.org/officeDocument/2006/relationships" xmlns:p="http://schemas.openxmlformats.org/presentationml/2006/main" showSpecialPlsOnTitleSld="0" saveSubsetFonts="1">
   <p:sldMasterIdLst>
-    <p:sldMasterId id="2147483701" r:id="rId1"/>
+    <p:sldMasterId id="2147483718" r:id="rId1"/>
   </p:sldMasterIdLst>
+  <p:notesMasterIdLst>
+    <p:notesMasterId r:id="rId12"/>
+  </p:notesMasterIdLst>
   <p:sldIdLst>
     <p:sldId id="256" r:id="rId2"/>
-    <p:sldId id="257" r:id="rId3"/>
-    <p:sldId id="258" r:id="rId4"/>
-    <p:sldId id="259" r:id="rId5"/>
-    <p:sldId id="264" r:id="rId6"/>
-    <p:sldId id="260" r:id="rId7"/>
-    <p:sldId id="263" r:id="rId8"/>
-    <p:sldId id="261" r:id="rId9"/>
-    <p:sldId id="262" r:id="rId10"/>
-    <p:sldId id="265" r:id="rId11"/>
-    <p:sldId id="266" r:id="rId12"/>
+    <p:sldId id="258" r:id="rId3"/>
+    <p:sldId id="259" r:id="rId4"/>
+    <p:sldId id="264" r:id="rId5"/>
+    <p:sldId id="260" r:id="rId6"/>
+    <p:sldId id="263" r:id="rId7"/>
+    <p:sldId id="261" r:id="rId8"/>
+    <p:sldId id="262" r:id="rId9"/>
+    <p:sldId id="265" r:id="rId10"/>
+    <p:sldId id="266" r:id="rId11"/>
   </p:sldIdLst>
   <p:sldSz cx="12192000" cy="6858000"/>
   <p:notesSz cx="6858000" cy="9144000"/>
   <p:defaultTextStyle>
     <a:defPPr>
-      <a:defRPr lang="ru-RU"/>
+      <a:defRPr lang="en-US"/>
     </a:defPPr>
-    <a:lvl1pPr marL="0" algn="l" defTabSz="914400" rtl="0" eaLnBrk="1" latinLnBrk="0" hangingPunct="1">
+    <a:lvl1pPr marL="0" algn="l" defTabSz="457200" rtl="0" eaLnBrk="1" latinLnBrk="0" hangingPunct="1">
       <a:defRPr sz="1800" kern="1200">
         <a:solidFill>
           <a:schemeClr val="tx1"/>
@@ -33,7 +35,7 @@
         <a:cs typeface="+mn-cs"/>
       </a:defRPr>
     </a:lvl1pPr>
-    <a:lvl2pPr marL="457200" algn="l" defTabSz="914400" rtl="0" eaLnBrk="1" latinLnBrk="0" hangingPunct="1">
+    <a:lvl2pPr marL="457200" algn="l" defTabSz="457200" rtl="0" eaLnBrk="1" latinLnBrk="0" hangingPunct="1">
       <a:defRPr sz="1800" kern="1200">
         <a:solidFill>
           <a:schemeClr val="tx1"/>
@@ -43,7 +45,7 @@
         <a:cs typeface="+mn-cs"/>
       </a:defRPr>
     </a:lvl2pPr>
-    <a:lvl3pPr marL="914400" algn="l" defTabSz="914400" rtl="0" eaLnBrk="1" latinLnBrk="0" hangingPunct="1">
+    <a:lvl3pPr marL="914400" algn="l" defTabSz="457200" rtl="0" eaLnBrk="1" latinLnBrk="0" hangingPunct="1">
       <a:defRPr sz="1800" kern="1200">
         <a:solidFill>
           <a:schemeClr val="tx1"/>
@@ -53,7 +55,7 @@
         <a:cs typeface="+mn-cs"/>
       </a:defRPr>
     </a:lvl3pPr>
-    <a:lvl4pPr marL="1371600" algn="l" defTabSz="914400" rtl="0" eaLnBrk="1" latinLnBrk="0" hangingPunct="1">
+    <a:lvl4pPr marL="1371600" algn="l" defTabSz="457200" rtl="0" eaLnBrk="1" latinLnBrk="0" hangingPunct="1">
       <a:defRPr sz="1800" kern="1200">
         <a:solidFill>
           <a:schemeClr val="tx1"/>
@@ -63,7 +65,7 @@
         <a:cs typeface="+mn-cs"/>
       </a:defRPr>
     </a:lvl4pPr>
-    <a:lvl5pPr marL="1828800" algn="l" defTabSz="914400" rtl="0" eaLnBrk="1" latinLnBrk="0" hangingPunct="1">
+    <a:lvl5pPr marL="1828800" algn="l" defTabSz="457200" rtl="0" eaLnBrk="1" latinLnBrk="0" hangingPunct="1">
       <a:defRPr sz="1800" kern="1200">
         <a:solidFill>
           <a:schemeClr val="tx1"/>
@@ -73,7 +75,7 @@
         <a:cs typeface="+mn-cs"/>
       </a:defRPr>
     </a:lvl5pPr>
-    <a:lvl6pPr marL="2286000" algn="l" defTabSz="914400" rtl="0" eaLnBrk="1" latinLnBrk="0" hangingPunct="1">
+    <a:lvl6pPr marL="2286000" algn="l" defTabSz="457200" rtl="0" eaLnBrk="1" latinLnBrk="0" hangingPunct="1">
       <a:defRPr sz="1800" kern="1200">
         <a:solidFill>
           <a:schemeClr val="tx1"/>
@@ -83,7 +85,7 @@
         <a:cs typeface="+mn-cs"/>
       </a:defRPr>
     </a:lvl6pPr>
-    <a:lvl7pPr marL="2743200" algn="l" defTabSz="914400" rtl="0" eaLnBrk="1" latinLnBrk="0" hangingPunct="1">
+    <a:lvl7pPr marL="2743200" algn="l" defTabSz="457200" rtl="0" eaLnBrk="1" latinLnBrk="0" hangingPunct="1">
       <a:defRPr sz="1800" kern="1200">
         <a:solidFill>
           <a:schemeClr val="tx1"/>
@@ -93,7 +95,7 @@
         <a:cs typeface="+mn-cs"/>
       </a:defRPr>
     </a:lvl7pPr>
-    <a:lvl8pPr marL="3200400" algn="l" defTabSz="914400" rtl="0" eaLnBrk="1" latinLnBrk="0" hangingPunct="1">
+    <a:lvl8pPr marL="3200400" algn="l" defTabSz="457200" rtl="0" eaLnBrk="1" latinLnBrk="0" hangingPunct="1">
       <a:defRPr sz="1800" kern="1200">
         <a:solidFill>
           <a:schemeClr val="tx1"/>
@@ -103,7 +105,7 @@
         <a:cs typeface="+mn-cs"/>
       </a:defRPr>
     </a:lvl8pPr>
-    <a:lvl9pPr marL="3657600" algn="l" defTabSz="914400" rtl="0" eaLnBrk="1" latinLnBrk="0" hangingPunct="1">
+    <a:lvl9pPr marL="3657600" algn="l" defTabSz="457200" rtl="0" eaLnBrk="1" latinLnBrk="0" hangingPunct="1">
       <a:defRPr sz="1800" kern="1200">
         <a:solidFill>
           <a:schemeClr val="tx1"/>
@@ -114,7 +116,361 @@
       </a:defRPr>
     </a:lvl9pPr>
   </p:defaultTextStyle>
+  <p:extLst>
+    <p:ext uri="{EFAFB233-063F-42B5-8137-9DF3F51BA10A}">
+      <p15:sldGuideLst xmlns:p15="http://schemas.microsoft.com/office/powerpoint/2012/main"/>
+    </p:ext>
+  </p:extLst>
 </p:presentation>
+</file>
+
+<file path=ppt/notesMasters/notesMaster1.xml><?xml version="1.0" encoding="utf-8"?>
+<p:notesMaster xmlns:a="http://schemas.openxmlformats.org/drawingml/2006/main" xmlns:r="http://schemas.openxmlformats.org/officeDocument/2006/relationships" xmlns:p="http://schemas.openxmlformats.org/presentationml/2006/main">
+  <p:cSld>
+    <p:bg>
+      <p:bgRef idx="1001">
+        <a:schemeClr val="bg1"/>
+      </p:bgRef>
+    </p:bg>
+    <p:spTree>
+      <p:nvGrpSpPr>
+        <p:cNvPr id="1" name=""/>
+        <p:cNvGrpSpPr/>
+        <p:nvPr/>
+      </p:nvGrpSpPr>
+      <p:grpSpPr>
+        <a:xfrm>
+          <a:off x="0" y="0"/>
+          <a:ext cx="0" cy="0"/>
+          <a:chOff x="0" y="0"/>
+          <a:chExt cx="0" cy="0"/>
+        </a:xfrm>
+      </p:grpSpPr>
+      <p:sp>
+        <p:nvSpPr>
+          <p:cNvPr id="2" name="Верхний колонтитул 1"/>
+          <p:cNvSpPr>
+            <a:spLocks noGrp="1"/>
+          </p:cNvSpPr>
+          <p:nvPr>
+            <p:ph type="hdr" sz="quarter"/>
+          </p:nvPr>
+        </p:nvSpPr>
+        <p:spPr>
+          <a:xfrm>
+            <a:off x="0" y="0"/>
+            <a:ext cx="2971800" cy="458788"/>
+          </a:xfrm>
+          <a:prstGeom prst="rect">
+            <a:avLst/>
+          </a:prstGeom>
+        </p:spPr>
+        <p:txBody>
+          <a:bodyPr vert="horz" lIns="91440" tIns="45720" rIns="91440" bIns="45720" rtlCol="0"/>
+          <a:lstStyle>
+            <a:lvl1pPr algn="l">
+              <a:defRPr sz="1200"/>
+            </a:lvl1pPr>
+          </a:lstStyle>
+          <a:p>
+            <a:endParaRPr lang="ru-RU"/>
+          </a:p>
+        </p:txBody>
+      </p:sp>
+      <p:sp>
+        <p:nvSpPr>
+          <p:cNvPr id="3" name="Дата 2"/>
+          <p:cNvSpPr>
+            <a:spLocks noGrp="1"/>
+          </p:cNvSpPr>
+          <p:nvPr>
+            <p:ph type="dt" idx="1"/>
+          </p:nvPr>
+        </p:nvSpPr>
+        <p:spPr>
+          <a:xfrm>
+            <a:off x="3884613" y="0"/>
+            <a:ext cx="2971800" cy="458788"/>
+          </a:xfrm>
+          <a:prstGeom prst="rect">
+            <a:avLst/>
+          </a:prstGeom>
+        </p:spPr>
+        <p:txBody>
+          <a:bodyPr vert="horz" lIns="91440" tIns="45720" rIns="91440" bIns="45720" rtlCol="0"/>
+          <a:lstStyle>
+            <a:lvl1pPr algn="r">
+              <a:defRPr sz="1200"/>
+            </a:lvl1pPr>
+          </a:lstStyle>
+          <a:p>
+            <a:fld id="{16910FF9-75DE-4855-BC40-54CB26238E1E}" type="datetimeFigureOut">
+              <a:rPr lang="ru-RU" smtClean="0"/>
+              <a:t>19.06.2018</a:t>
+            </a:fld>
+            <a:endParaRPr lang="ru-RU"/>
+          </a:p>
+        </p:txBody>
+      </p:sp>
+      <p:sp>
+        <p:nvSpPr>
+          <p:cNvPr id="4" name="Образ слайда 3"/>
+          <p:cNvSpPr>
+            <a:spLocks noGrp="1" noRot="1" noChangeAspect="1"/>
+          </p:cNvSpPr>
+          <p:nvPr>
+            <p:ph type="sldImg" idx="2"/>
+          </p:nvPr>
+        </p:nvSpPr>
+        <p:spPr>
+          <a:xfrm>
+            <a:off x="685800" y="1143000"/>
+            <a:ext cx="5486400" cy="3086100"/>
+          </a:xfrm>
+          <a:prstGeom prst="rect">
+            <a:avLst/>
+          </a:prstGeom>
+          <a:noFill/>
+          <a:ln w="12700">
+            <a:solidFill>
+              <a:prstClr val="black"/>
+            </a:solidFill>
+          </a:ln>
+        </p:spPr>
+        <p:txBody>
+          <a:bodyPr vert="horz" lIns="91440" tIns="45720" rIns="91440" bIns="45720" rtlCol="0" anchor="ctr"/>
+          <a:lstStyle/>
+          <a:p>
+            <a:endParaRPr lang="ru-RU"/>
+          </a:p>
+        </p:txBody>
+      </p:sp>
+      <p:sp>
+        <p:nvSpPr>
+          <p:cNvPr id="5" name="Заметки 4"/>
+          <p:cNvSpPr>
+            <a:spLocks noGrp="1"/>
+          </p:cNvSpPr>
+          <p:nvPr>
+            <p:ph type="body" sz="quarter" idx="3"/>
+          </p:nvPr>
+        </p:nvSpPr>
+        <p:spPr>
+          <a:xfrm>
+            <a:off x="685800" y="4400550"/>
+            <a:ext cx="5486400" cy="3600450"/>
+          </a:xfrm>
+          <a:prstGeom prst="rect">
+            <a:avLst/>
+          </a:prstGeom>
+        </p:spPr>
+        <p:txBody>
+          <a:bodyPr vert="horz" lIns="91440" tIns="45720" rIns="91440" bIns="45720" rtlCol="0"/>
+          <a:lstStyle/>
+          <a:p>
+            <a:pPr lvl="0"/>
+            <a:r>
+              <a:rPr lang="ru-RU"/>
+              <a:t>Образец текста</a:t>
+            </a:r>
+          </a:p>
+          <a:p>
+            <a:pPr lvl="1"/>
+            <a:r>
+              <a:rPr lang="ru-RU"/>
+              <a:t>Второй уровень</a:t>
+            </a:r>
+          </a:p>
+          <a:p>
+            <a:pPr lvl="2"/>
+            <a:r>
+              <a:rPr lang="ru-RU"/>
+              <a:t>Третий уровень</a:t>
+            </a:r>
+          </a:p>
+          <a:p>
+            <a:pPr lvl="3"/>
+            <a:r>
+              <a:rPr lang="ru-RU"/>
+              <a:t>Четвертый уровень</a:t>
+            </a:r>
+          </a:p>
+          <a:p>
+            <a:pPr lvl="4"/>
+            <a:r>
+              <a:rPr lang="ru-RU"/>
+              <a:t>Пятый уровень</a:t>
+            </a:r>
+          </a:p>
+        </p:txBody>
+      </p:sp>
+      <p:sp>
+        <p:nvSpPr>
+          <p:cNvPr id="6" name="Нижний колонтитул 5"/>
+          <p:cNvSpPr>
+            <a:spLocks noGrp="1"/>
+          </p:cNvSpPr>
+          <p:nvPr>
+            <p:ph type="ftr" sz="quarter" idx="4"/>
+          </p:nvPr>
+        </p:nvSpPr>
+        <p:spPr>
+          <a:xfrm>
+            <a:off x="0" y="8685213"/>
+            <a:ext cx="2971800" cy="458787"/>
+          </a:xfrm>
+          <a:prstGeom prst="rect">
+            <a:avLst/>
+          </a:prstGeom>
+        </p:spPr>
+        <p:txBody>
+          <a:bodyPr vert="horz" lIns="91440" tIns="45720" rIns="91440" bIns="45720" rtlCol="0" anchor="b"/>
+          <a:lstStyle>
+            <a:lvl1pPr algn="l">
+              <a:defRPr sz="1200"/>
+            </a:lvl1pPr>
+          </a:lstStyle>
+          <a:p>
+            <a:endParaRPr lang="ru-RU"/>
+          </a:p>
+        </p:txBody>
+      </p:sp>
+      <p:sp>
+        <p:nvSpPr>
+          <p:cNvPr id="7" name="Номер слайда 6"/>
+          <p:cNvSpPr>
+            <a:spLocks noGrp="1"/>
+          </p:cNvSpPr>
+          <p:nvPr>
+            <p:ph type="sldNum" sz="quarter" idx="5"/>
+          </p:nvPr>
+        </p:nvSpPr>
+        <p:spPr>
+          <a:xfrm>
+            <a:off x="3884613" y="8685213"/>
+            <a:ext cx="2971800" cy="458787"/>
+          </a:xfrm>
+          <a:prstGeom prst="rect">
+            <a:avLst/>
+          </a:prstGeom>
+        </p:spPr>
+        <p:txBody>
+          <a:bodyPr vert="horz" lIns="91440" tIns="45720" rIns="91440" bIns="45720" rtlCol="0" anchor="b"/>
+          <a:lstStyle>
+            <a:lvl1pPr algn="r">
+              <a:defRPr sz="1200"/>
+            </a:lvl1pPr>
+          </a:lstStyle>
+          <a:p>
+            <a:fld id="{49C7356F-FBCF-455E-9FD1-BF1B1929D7B5}" type="slidenum">
+              <a:rPr lang="ru-RU" smtClean="0"/>
+              <a:t>‹#›</a:t>
+            </a:fld>
+            <a:endParaRPr lang="ru-RU"/>
+          </a:p>
+        </p:txBody>
+      </p:sp>
+    </p:spTree>
+    <p:extLst>
+      <p:ext uri="{BB962C8B-B14F-4D97-AF65-F5344CB8AC3E}">
+        <p14:creationId xmlns:p14="http://schemas.microsoft.com/office/powerpoint/2010/main" val="407720248"/>
+      </p:ext>
+    </p:extLst>
+  </p:cSld>
+  <p:clrMap bg1="lt1" tx1="dk1" bg2="lt2" tx2="dk2" accent1="accent1" accent2="accent2" accent3="accent3" accent4="accent4" accent5="accent5" accent6="accent6" hlink="hlink" folHlink="folHlink"/>
+  <p:notesStyle>
+    <a:lvl1pPr marL="0" algn="l" defTabSz="914400" rtl="0" eaLnBrk="1" latinLnBrk="0" hangingPunct="1">
+      <a:defRPr sz="1200" kern="1200">
+        <a:solidFill>
+          <a:schemeClr val="tx1"/>
+        </a:solidFill>
+        <a:latin typeface="+mn-lt"/>
+        <a:ea typeface="+mn-ea"/>
+        <a:cs typeface="+mn-cs"/>
+      </a:defRPr>
+    </a:lvl1pPr>
+    <a:lvl2pPr marL="457200" algn="l" defTabSz="914400" rtl="0" eaLnBrk="1" latinLnBrk="0" hangingPunct="1">
+      <a:defRPr sz="1200" kern="1200">
+        <a:solidFill>
+          <a:schemeClr val="tx1"/>
+        </a:solidFill>
+        <a:latin typeface="+mn-lt"/>
+        <a:ea typeface="+mn-ea"/>
+        <a:cs typeface="+mn-cs"/>
+      </a:defRPr>
+    </a:lvl2pPr>
+    <a:lvl3pPr marL="914400" algn="l" defTabSz="914400" rtl="0" eaLnBrk="1" latinLnBrk="0" hangingPunct="1">
+      <a:defRPr sz="1200" kern="1200">
+        <a:solidFill>
+          <a:schemeClr val="tx1"/>
+        </a:solidFill>
+        <a:latin typeface="+mn-lt"/>
+        <a:ea typeface="+mn-ea"/>
+        <a:cs typeface="+mn-cs"/>
+      </a:defRPr>
+    </a:lvl3pPr>
+    <a:lvl4pPr marL="1371600" algn="l" defTabSz="914400" rtl="0" eaLnBrk="1" latinLnBrk="0" hangingPunct="1">
+      <a:defRPr sz="1200" kern="1200">
+        <a:solidFill>
+          <a:schemeClr val="tx1"/>
+        </a:solidFill>
+        <a:latin typeface="+mn-lt"/>
+        <a:ea typeface="+mn-ea"/>
+        <a:cs typeface="+mn-cs"/>
+      </a:defRPr>
+    </a:lvl4pPr>
+    <a:lvl5pPr marL="1828800" algn="l" defTabSz="914400" rtl="0" eaLnBrk="1" latinLnBrk="0" hangingPunct="1">
+      <a:defRPr sz="1200" kern="1200">
+        <a:solidFill>
+          <a:schemeClr val="tx1"/>
+        </a:solidFill>
+        <a:latin typeface="+mn-lt"/>
+        <a:ea typeface="+mn-ea"/>
+        <a:cs typeface="+mn-cs"/>
+      </a:defRPr>
+    </a:lvl5pPr>
+    <a:lvl6pPr marL="2286000" algn="l" defTabSz="914400" rtl="0" eaLnBrk="1" latinLnBrk="0" hangingPunct="1">
+      <a:defRPr sz="1200" kern="1200">
+        <a:solidFill>
+          <a:schemeClr val="tx1"/>
+        </a:solidFill>
+        <a:latin typeface="+mn-lt"/>
+        <a:ea typeface="+mn-ea"/>
+        <a:cs typeface="+mn-cs"/>
+      </a:defRPr>
+    </a:lvl6pPr>
+    <a:lvl7pPr marL="2743200" algn="l" defTabSz="914400" rtl="0" eaLnBrk="1" latinLnBrk="0" hangingPunct="1">
+      <a:defRPr sz="1200" kern="1200">
+        <a:solidFill>
+          <a:schemeClr val="tx1"/>
+        </a:solidFill>
+        <a:latin typeface="+mn-lt"/>
+        <a:ea typeface="+mn-ea"/>
+        <a:cs typeface="+mn-cs"/>
+      </a:defRPr>
+    </a:lvl7pPr>
+    <a:lvl8pPr marL="3200400" algn="l" defTabSz="914400" rtl="0" eaLnBrk="1" latinLnBrk="0" hangingPunct="1">
+      <a:defRPr sz="1200" kern="1200">
+        <a:solidFill>
+          <a:schemeClr val="tx1"/>
+        </a:solidFill>
+        <a:latin typeface="+mn-lt"/>
+        <a:ea typeface="+mn-ea"/>
+        <a:cs typeface="+mn-cs"/>
+      </a:defRPr>
+    </a:lvl8pPr>
+    <a:lvl9pPr marL="3657600" algn="l" defTabSz="914400" rtl="0" eaLnBrk="1" latinLnBrk="0" hangingPunct="1">
+      <a:defRPr sz="1200" kern="1200">
+        <a:solidFill>
+          <a:schemeClr val="tx1"/>
+        </a:solidFill>
+        <a:latin typeface="+mn-lt"/>
+        <a:ea typeface="+mn-ea"/>
+        <a:cs typeface="+mn-cs"/>
+      </a:defRPr>
+    </a:lvl9pPr>
+  </p:notesStyle>
+</p:notesMaster>
 </file>
 
 <file path=ppt/slideLayouts/slideLayout1.xml><?xml version="1.0" encoding="utf-8"?>
@@ -148,6 +504,69 @@
             <a:chExt cx="12192000" cy="6866467"/>
           </a:xfrm>
         </p:grpSpPr>
+        <p:sp>
+          <p:nvSpPr>
+            <p:cNvPr id="15" name="Freeform 14"/>
+            <p:cNvSpPr/>
+            <p:nvPr/>
+          </p:nvSpPr>
+          <p:spPr>
+            <a:xfrm>
+              <a:off x="0" y="-7862"/>
+              <a:ext cx="863600" cy="5698067"/>
+            </a:xfrm>
+            <a:custGeom>
+              <a:avLst/>
+              <a:gdLst/>
+              <a:ahLst/>
+              <a:cxnLst/>
+              <a:rect l="l" t="t" r="r" b="b"/>
+              <a:pathLst>
+                <a:path w="863600" h="5698067">
+                  <a:moveTo>
+                    <a:pt x="0" y="8467"/>
+                  </a:moveTo>
+                  <a:lnTo>
+                    <a:pt x="863600" y="0"/>
+                  </a:lnTo>
+                  <a:lnTo>
+                    <a:pt x="863600" y="16934"/>
+                  </a:lnTo>
+                  <a:lnTo>
+                    <a:pt x="0" y="5698067"/>
+                  </a:lnTo>
+                  <a:lnTo>
+                    <a:pt x="0" y="8467"/>
+                  </a:lnTo>
+                  <a:close/>
+                </a:path>
+              </a:pathLst>
+            </a:custGeom>
+            <a:solidFill>
+              <a:schemeClr val="accent1">
+                <a:alpha val="70000"/>
+              </a:schemeClr>
+            </a:solidFill>
+            <a:ln>
+              <a:noFill/>
+            </a:ln>
+            <a:effectLst/>
+          </p:spPr>
+          <p:style>
+            <a:lnRef idx="1">
+              <a:schemeClr val="accent1"/>
+            </a:lnRef>
+            <a:fillRef idx="3">
+              <a:schemeClr val="accent1"/>
+            </a:fillRef>
+            <a:effectRef idx="2">
+              <a:schemeClr val="accent1"/>
+            </a:effectRef>
+            <a:fontRef idx="minor">
+              <a:schemeClr val="lt1"/>
+            </a:fontRef>
+          </p:style>
+        </p:sp>
         <p:cxnSp>
           <p:nvCxnSpPr>
             <p:cNvPr id="19" name="Straight Connector 18"/>
@@ -366,7 +785,8 @@
             </a:prstGeom>
             <a:solidFill>
               <a:schemeClr val="accent1">
-                <a:alpha val="72000"/>
+                <a:lumMod val="75000"/>
+                <a:alpha val="66000"/>
               </a:schemeClr>
             </a:solidFill>
             <a:ln>
@@ -492,8 +912,7 @@
               </a:pathLst>
             </a:custGeom>
             <a:solidFill>
-              <a:schemeClr val="accent1">
-                <a:lumMod val="75000"/>
+              <a:schemeClr val="accent2">
                 <a:alpha val="70000"/>
               </a:schemeClr>
             </a:solidFill>
@@ -556,8 +975,8 @@
               </a:pathLst>
             </a:custGeom>
             <a:solidFill>
-              <a:schemeClr val="accent1">
-                <a:lumMod val="50000"/>
+              <a:schemeClr val="accent2">
+                <a:lumMod val="75000"/>
                 <a:alpha val="80000"/>
               </a:schemeClr>
             </a:solidFill>
@@ -599,7 +1018,7 @@
             </a:prstGeom>
             <a:solidFill>
               <a:schemeClr val="accent1">
-                <a:lumMod val="50000"/>
+                <a:lumMod val="75000"/>
                 <a:alpha val="66000"/>
               </a:schemeClr>
             </a:solidFill>
@@ -623,48 +1042,6 @@
             </a:fontRef>
           </p:style>
         </p:sp>
-        <p:sp>
-          <p:nvSpPr>
-            <p:cNvPr id="29" name="Isosceles Triangle 28"/>
-            <p:cNvSpPr/>
-            <p:nvPr/>
-          </p:nvSpPr>
-          <p:spPr>
-            <a:xfrm rot="10800000">
-              <a:off x="0" y="0"/>
-              <a:ext cx="842596" cy="5666154"/>
-            </a:xfrm>
-            <a:prstGeom prst="triangle">
-              <a:avLst>
-                <a:gd name="adj" fmla="val 100000"/>
-              </a:avLst>
-            </a:prstGeom>
-            <a:solidFill>
-              <a:schemeClr val="accent1">
-                <a:lumMod val="75000"/>
-                <a:alpha val="70000"/>
-              </a:schemeClr>
-            </a:solidFill>
-            <a:ln>
-              <a:noFill/>
-            </a:ln>
-            <a:effectLst/>
-          </p:spPr>
-          <p:style>
-            <a:lnRef idx="1">
-              <a:schemeClr val="accent1"/>
-            </a:lnRef>
-            <a:fillRef idx="3">
-              <a:schemeClr val="accent1"/>
-            </a:fillRef>
-            <a:effectRef idx="2">
-              <a:schemeClr val="accent1"/>
-            </a:effectRef>
-            <a:fontRef idx="minor">
-              <a:schemeClr val="lt1"/>
-            </a:fontRef>
-          </p:style>
-        </p:sp>
       </p:grpSp>
       <p:sp>
         <p:nvSpPr>
@@ -690,16 +1067,14 @@
             <a:lvl1pPr algn="r">
               <a:defRPr sz="5400">
                 <a:solidFill>
-                  <a:schemeClr val="accent1">
-                    <a:lumMod val="75000"/>
-                  </a:schemeClr>
+                  <a:schemeClr val="accent1"/>
                 </a:solidFill>
               </a:defRPr>
             </a:lvl1pPr>
           </a:lstStyle>
           <a:p>
             <a:r>
-              <a:rPr lang="ru-RU" smtClean="0"/>
+              <a:rPr lang="ru-RU"/>
               <a:t>Образец заголовка</a:t>
             </a:r>
             <a:endParaRPr lang="en-US" dirty="0"/>
@@ -819,31 +1194,31 @@
           </a:lstStyle>
           <a:p>
             <a:r>
+              <a:rPr lang="ru-RU"/>
+              <a:t>Образец подзаголовка</a:t>
+            </a:r>
+            <a:endParaRPr lang="en-US" dirty="0"/>
+          </a:p>
+        </p:txBody>
+      </p:sp>
+      <p:sp>
+        <p:nvSpPr>
+          <p:cNvPr id="4" name="Date Placeholder 3"/>
+          <p:cNvSpPr>
+            <a:spLocks noGrp="1"/>
+          </p:cNvSpPr>
+          <p:nvPr>
+            <p:ph type="dt" sz="half" idx="10"/>
+          </p:nvPr>
+        </p:nvSpPr>
+        <p:spPr/>
+        <p:txBody>
+          <a:bodyPr/>
+          <a:lstStyle/>
+          <a:p>
+            <a:fld id="{C5D8EFDC-E196-46B9-9202-D699A3976D6A}" type="datetime1">
               <a:rPr lang="ru-RU" smtClean="0"/>
-              <a:t>Образец подзаголовка</a:t>
-            </a:r>
-            <a:endParaRPr lang="en-US" dirty="0"/>
-          </a:p>
-        </p:txBody>
-      </p:sp>
-      <p:sp>
-        <p:nvSpPr>
-          <p:cNvPr id="4" name="Date Placeholder 3"/>
-          <p:cNvSpPr>
-            <a:spLocks noGrp="1"/>
-          </p:cNvSpPr>
-          <p:nvPr>
-            <p:ph type="dt" sz="half" idx="10"/>
-          </p:nvPr>
-        </p:nvSpPr>
-        <p:spPr/>
-        <p:txBody>
-          <a:bodyPr/>
-          <a:lstStyle/>
-          <a:p>
-            <a:fld id="{1B041A43-3E7E-4AFE-A791-9CED81FFD4D8}" type="datetimeFigureOut">
-              <a:rPr lang="ru-RU" smtClean="0"/>
-              <a:t>08.06.2018</a:t>
+              <a:t>19.06.2018</a:t>
             </a:fld>
             <a:endParaRPr lang="ru-RU"/>
           </a:p>
@@ -894,7 +1269,7 @@
     </p:spTree>
     <p:extLst>
       <p:ext uri="{BB962C8B-B14F-4D97-AF65-F5344CB8AC3E}">
-        <p14:creationId xmlns:p14="http://schemas.microsoft.com/office/powerpoint/2010/main" val="2964777672"/>
+        <p14:creationId xmlns:p14="http://schemas.microsoft.com/office/powerpoint/2010/main" val="462413589"/>
       </p:ext>
     </p:extLst>
   </p:cSld>
@@ -948,7 +1323,7 @@
           </a:lstStyle>
           <a:p>
             <a:r>
-              <a:rPr lang="ru-RU" smtClean="0"/>
+              <a:rPr lang="ru-RU"/>
               <a:t>Образец заголовка</a:t>
             </a:r>
             <a:endParaRPr lang="en-US" dirty="0"/>
@@ -1071,30 +1446,30 @@
           <a:p>
             <a:pPr lvl="0"/>
             <a:r>
+              <a:rPr lang="ru-RU"/>
+              <a:t>Образец текста</a:t>
+            </a:r>
+          </a:p>
+        </p:txBody>
+      </p:sp>
+      <p:sp>
+        <p:nvSpPr>
+          <p:cNvPr id="4" name="Date Placeholder 3"/>
+          <p:cNvSpPr>
+            <a:spLocks noGrp="1"/>
+          </p:cNvSpPr>
+          <p:nvPr>
+            <p:ph type="dt" sz="half" idx="10"/>
+          </p:nvPr>
+        </p:nvSpPr>
+        <p:spPr/>
+        <p:txBody>
+          <a:bodyPr/>
+          <a:lstStyle/>
+          <a:p>
+            <a:fld id="{05C778EB-6D46-496D-8381-6AF49D07827F}" type="datetime1">
               <a:rPr lang="ru-RU" smtClean="0"/>
-              <a:t>Образец текста</a:t>
-            </a:r>
-          </a:p>
-        </p:txBody>
-      </p:sp>
-      <p:sp>
-        <p:nvSpPr>
-          <p:cNvPr id="4" name="Date Placeholder 3"/>
-          <p:cNvSpPr>
-            <a:spLocks noGrp="1"/>
-          </p:cNvSpPr>
-          <p:nvPr>
-            <p:ph type="dt" sz="half" idx="10"/>
-          </p:nvPr>
-        </p:nvSpPr>
-        <p:spPr/>
-        <p:txBody>
-          <a:bodyPr/>
-          <a:lstStyle/>
-          <a:p>
-            <a:fld id="{1B041A43-3E7E-4AFE-A791-9CED81FFD4D8}" type="datetimeFigureOut">
-              <a:rPr lang="ru-RU" smtClean="0"/>
-              <a:t>08.06.2018</a:t>
+              <a:t>19.06.2018</a:t>
             </a:fld>
             <a:endParaRPr lang="ru-RU"/>
           </a:p>
@@ -1145,7 +1520,7 @@
     </p:spTree>
     <p:extLst>
       <p:ext uri="{BB962C8B-B14F-4D97-AF65-F5344CB8AC3E}">
-        <p14:creationId xmlns:p14="http://schemas.microsoft.com/office/powerpoint/2010/main" val="4093726554"/>
+        <p14:creationId xmlns:p14="http://schemas.microsoft.com/office/powerpoint/2010/main" val="3017708953"/>
       </p:ext>
     </p:extLst>
   </p:cSld>
@@ -1199,7 +1574,7 @@
           </a:lstStyle>
           <a:p>
             <a:r>
-              <a:rPr lang="ru-RU" smtClean="0"/>
+              <a:rPr lang="ru-RU"/>
               <a:t>Образец заголовка</a:t>
             </a:r>
             <a:endParaRPr lang="en-US" dirty="0"/>
@@ -1263,7 +1638,7 @@
           <a:p>
             <a:pPr lvl="0"/>
             <a:r>
-              <a:rPr lang="ru-RU" smtClean="0"/>
+              <a:rPr lang="ru-RU"/>
               <a:t>Образец текста</a:t>
             </a:r>
           </a:p>
@@ -1385,30 +1760,30 @@
           <a:p>
             <a:pPr lvl="0"/>
             <a:r>
+              <a:rPr lang="ru-RU"/>
+              <a:t>Образец текста</a:t>
+            </a:r>
+          </a:p>
+        </p:txBody>
+      </p:sp>
+      <p:sp>
+        <p:nvSpPr>
+          <p:cNvPr id="4" name="Date Placeholder 3"/>
+          <p:cNvSpPr>
+            <a:spLocks noGrp="1"/>
+          </p:cNvSpPr>
+          <p:nvPr>
+            <p:ph type="dt" sz="half" idx="10"/>
+          </p:nvPr>
+        </p:nvSpPr>
+        <p:spPr/>
+        <p:txBody>
+          <a:bodyPr/>
+          <a:lstStyle/>
+          <a:p>
+            <a:fld id="{58350C1D-E161-46AA-A4FC-ACA5097A82BA}" type="datetime1">
               <a:rPr lang="ru-RU" smtClean="0"/>
-              <a:t>Образец текста</a:t>
-            </a:r>
-          </a:p>
-        </p:txBody>
-      </p:sp>
-      <p:sp>
-        <p:nvSpPr>
-          <p:cNvPr id="4" name="Date Placeholder 3"/>
-          <p:cNvSpPr>
-            <a:spLocks noGrp="1"/>
-          </p:cNvSpPr>
-          <p:nvPr>
-            <p:ph type="dt" sz="half" idx="10"/>
-          </p:nvPr>
-        </p:nvSpPr>
-        <p:spPr/>
-        <p:txBody>
-          <a:bodyPr/>
-          <a:lstStyle/>
-          <a:p>
-            <a:fld id="{1B041A43-3E7E-4AFE-A791-9CED81FFD4D8}" type="datetimeFigureOut">
-              <a:rPr lang="ru-RU" smtClean="0"/>
-              <a:t>08.06.2018</a:t>
+              <a:t>19.06.2018</a:t>
             </a:fld>
             <a:endParaRPr lang="ru-RU"/>
           </a:p>
@@ -1484,7 +1859,10 @@
                   <a:noFill/>
                 </a:ln>
                 <a:solidFill>
-                  <a:schemeClr val="accent1"/>
+                  <a:schemeClr val="accent1">
+                    <a:lumMod val="60000"/>
+                    <a:lumOff val="40000"/>
+                  </a:schemeClr>
                 </a:solidFill>
                 <a:effectLst/>
                 <a:latin typeface="Arial"/>
@@ -1522,7 +1900,10 @@
                   <a:noFill/>
                 </a:ln>
                 <a:solidFill>
-                  <a:schemeClr val="accent1"/>
+                  <a:schemeClr val="accent1">
+                    <a:lumMod val="60000"/>
+                    <a:lumOff val="40000"/>
+                  </a:schemeClr>
                 </a:solidFill>
                 <a:effectLst/>
                 <a:latin typeface="Arial"/>
@@ -1535,7 +1916,7 @@
     </p:spTree>
     <p:extLst>
       <p:ext uri="{BB962C8B-B14F-4D97-AF65-F5344CB8AC3E}">
-        <p14:creationId xmlns:p14="http://schemas.microsoft.com/office/powerpoint/2010/main" val="33542316"/>
+        <p14:creationId xmlns:p14="http://schemas.microsoft.com/office/powerpoint/2010/main" val="3913271179"/>
       </p:ext>
     </p:extLst>
   </p:cSld>
@@ -1589,7 +1970,7 @@
           </a:lstStyle>
           <a:p>
             <a:r>
-              <a:rPr lang="ru-RU" smtClean="0"/>
+              <a:rPr lang="ru-RU"/>
               <a:t>Образец заголовка</a:t>
             </a:r>
             <a:endParaRPr lang="en-US" dirty="0"/>
@@ -1712,30 +2093,30 @@
           <a:p>
             <a:pPr lvl="0"/>
             <a:r>
+              <a:rPr lang="ru-RU"/>
+              <a:t>Образец текста</a:t>
+            </a:r>
+          </a:p>
+        </p:txBody>
+      </p:sp>
+      <p:sp>
+        <p:nvSpPr>
+          <p:cNvPr id="4" name="Date Placeholder 3"/>
+          <p:cNvSpPr>
+            <a:spLocks noGrp="1"/>
+          </p:cNvSpPr>
+          <p:nvPr>
+            <p:ph type="dt" sz="half" idx="10"/>
+          </p:nvPr>
+        </p:nvSpPr>
+        <p:spPr/>
+        <p:txBody>
+          <a:bodyPr/>
+          <a:lstStyle/>
+          <a:p>
+            <a:fld id="{A787BE6E-1BF2-44B5-8E71-FEFA1A73C013}" type="datetime1">
               <a:rPr lang="ru-RU" smtClean="0"/>
-              <a:t>Образец текста</a:t>
-            </a:r>
-          </a:p>
-        </p:txBody>
-      </p:sp>
-      <p:sp>
-        <p:nvSpPr>
-          <p:cNvPr id="4" name="Date Placeholder 3"/>
-          <p:cNvSpPr>
-            <a:spLocks noGrp="1"/>
-          </p:cNvSpPr>
-          <p:nvPr>
-            <p:ph type="dt" sz="half" idx="10"/>
-          </p:nvPr>
-        </p:nvSpPr>
-        <p:spPr/>
-        <p:txBody>
-          <a:bodyPr/>
-          <a:lstStyle/>
-          <a:p>
-            <a:fld id="{1B041A43-3E7E-4AFE-A791-9CED81FFD4D8}" type="datetimeFigureOut">
-              <a:rPr lang="ru-RU" smtClean="0"/>
-              <a:t>08.06.2018</a:t>
+              <a:t>19.06.2018</a:t>
             </a:fld>
             <a:endParaRPr lang="ru-RU"/>
           </a:p>
@@ -1786,7 +2167,7 @@
     </p:spTree>
     <p:extLst>
       <p:ext uri="{BB962C8B-B14F-4D97-AF65-F5344CB8AC3E}">
-        <p14:creationId xmlns:p14="http://schemas.microsoft.com/office/powerpoint/2010/main" val="1402627543"/>
+        <p14:creationId xmlns:p14="http://schemas.microsoft.com/office/powerpoint/2010/main" val="1483829941"/>
       </p:ext>
     </p:extLst>
   </p:cSld>
@@ -1840,7 +2221,7 @@
           </a:lstStyle>
           <a:p>
             <a:r>
-              <a:rPr lang="ru-RU" smtClean="0"/>
+              <a:rPr lang="ru-RU"/>
               <a:t>Образец заголовка</a:t>
             </a:r>
             <a:endParaRPr lang="en-US" dirty="0"/>
@@ -1904,7 +2285,7 @@
           <a:p>
             <a:pPr lvl="0"/>
             <a:r>
-              <a:rPr lang="ru-RU" smtClean="0"/>
+              <a:rPr lang="ru-RU"/>
               <a:t>Образец текста</a:t>
             </a:r>
           </a:p>
@@ -2026,30 +2407,30 @@
           <a:p>
             <a:pPr lvl="0"/>
             <a:r>
+              <a:rPr lang="ru-RU"/>
+              <a:t>Образец текста</a:t>
+            </a:r>
+          </a:p>
+        </p:txBody>
+      </p:sp>
+      <p:sp>
+        <p:nvSpPr>
+          <p:cNvPr id="4" name="Date Placeholder 3"/>
+          <p:cNvSpPr>
+            <a:spLocks noGrp="1"/>
+          </p:cNvSpPr>
+          <p:nvPr>
+            <p:ph type="dt" sz="half" idx="10"/>
+          </p:nvPr>
+        </p:nvSpPr>
+        <p:spPr/>
+        <p:txBody>
+          <a:bodyPr/>
+          <a:lstStyle/>
+          <a:p>
+            <a:fld id="{ADAC9053-3235-49E8-9CFD-5C5A50DF448A}" type="datetime1">
               <a:rPr lang="ru-RU" smtClean="0"/>
-              <a:t>Образец текста</a:t>
-            </a:r>
-          </a:p>
-        </p:txBody>
-      </p:sp>
-      <p:sp>
-        <p:nvSpPr>
-          <p:cNvPr id="4" name="Date Placeholder 3"/>
-          <p:cNvSpPr>
-            <a:spLocks noGrp="1"/>
-          </p:cNvSpPr>
-          <p:nvPr>
-            <p:ph type="dt" sz="half" idx="10"/>
-          </p:nvPr>
-        </p:nvSpPr>
-        <p:spPr/>
-        <p:txBody>
-          <a:bodyPr/>
-          <a:lstStyle/>
-          <a:p>
-            <a:fld id="{1B041A43-3E7E-4AFE-A791-9CED81FFD4D8}" type="datetimeFigureOut">
-              <a:rPr lang="ru-RU" smtClean="0"/>
-              <a:t>08.06.2018</a:t>
+              <a:t>19.06.2018</a:t>
             </a:fld>
             <a:endParaRPr lang="ru-RU"/>
           </a:p>
@@ -2125,7 +2506,10 @@
                   <a:noFill/>
                 </a:ln>
                 <a:solidFill>
-                  <a:schemeClr val="accent1"/>
+                  <a:schemeClr val="accent1">
+                    <a:lumMod val="60000"/>
+                    <a:lumOff val="40000"/>
+                  </a:schemeClr>
                 </a:solidFill>
                 <a:effectLst/>
                 <a:latin typeface="Arial"/>
@@ -2163,7 +2547,10 @@
                   <a:noFill/>
                 </a:ln>
                 <a:solidFill>
-                  <a:schemeClr val="accent1"/>
+                  <a:schemeClr val="accent1">
+                    <a:lumMod val="60000"/>
+                    <a:lumOff val="40000"/>
+                  </a:schemeClr>
                 </a:solidFill>
                 <a:effectLst/>
                 <a:latin typeface="Arial"/>
@@ -2176,7 +2563,7 @@
     </p:spTree>
     <p:extLst>
       <p:ext uri="{BB962C8B-B14F-4D97-AF65-F5344CB8AC3E}">
-        <p14:creationId xmlns:p14="http://schemas.microsoft.com/office/powerpoint/2010/main" val="350933055"/>
+        <p14:creationId xmlns:p14="http://schemas.microsoft.com/office/powerpoint/2010/main" val="4010401989"/>
       </p:ext>
     </p:extLst>
   </p:cSld>
@@ -2230,7 +2617,7 @@
           </a:lstStyle>
           <a:p>
             <a:r>
-              <a:rPr lang="ru-RU" smtClean="0"/>
+              <a:rPr lang="ru-RU"/>
               <a:t>Образец заголовка</a:t>
             </a:r>
             <a:endParaRPr lang="en-US" dirty="0"/>
@@ -2291,7 +2678,7 @@
           <a:p>
             <a:pPr lvl="0"/>
             <a:r>
-              <a:rPr lang="ru-RU" smtClean="0"/>
+              <a:rPr lang="ru-RU"/>
               <a:t>Образец текста</a:t>
             </a:r>
           </a:p>
@@ -2413,30 +2800,30 @@
           <a:p>
             <a:pPr lvl="0"/>
             <a:r>
+              <a:rPr lang="ru-RU"/>
+              <a:t>Образец текста</a:t>
+            </a:r>
+          </a:p>
+        </p:txBody>
+      </p:sp>
+      <p:sp>
+        <p:nvSpPr>
+          <p:cNvPr id="4" name="Date Placeholder 3"/>
+          <p:cNvSpPr>
+            <a:spLocks noGrp="1"/>
+          </p:cNvSpPr>
+          <p:nvPr>
+            <p:ph type="dt" sz="half" idx="10"/>
+          </p:nvPr>
+        </p:nvSpPr>
+        <p:spPr/>
+        <p:txBody>
+          <a:bodyPr/>
+          <a:lstStyle/>
+          <a:p>
+            <a:fld id="{CEDFD11A-BF02-4B4E-8CD1-8087798B7D20}" type="datetime1">
               <a:rPr lang="ru-RU" smtClean="0"/>
-              <a:t>Образец текста</a:t>
-            </a:r>
-          </a:p>
-        </p:txBody>
-      </p:sp>
-      <p:sp>
-        <p:nvSpPr>
-          <p:cNvPr id="4" name="Date Placeholder 3"/>
-          <p:cNvSpPr>
-            <a:spLocks noGrp="1"/>
-          </p:cNvSpPr>
-          <p:nvPr>
-            <p:ph type="dt" sz="half" idx="10"/>
-          </p:nvPr>
-        </p:nvSpPr>
-        <p:spPr/>
-        <p:txBody>
-          <a:bodyPr/>
-          <a:lstStyle/>
-          <a:p>
-            <a:fld id="{1B041A43-3E7E-4AFE-A791-9CED81FFD4D8}" type="datetimeFigureOut">
-              <a:rPr lang="ru-RU" smtClean="0"/>
-              <a:t>08.06.2018</a:t>
+              <a:t>19.06.2018</a:t>
             </a:fld>
             <a:endParaRPr lang="ru-RU"/>
           </a:p>
@@ -2487,7 +2874,7 @@
     </p:spTree>
     <p:extLst>
       <p:ext uri="{BB962C8B-B14F-4D97-AF65-F5344CB8AC3E}">
-        <p14:creationId xmlns:p14="http://schemas.microsoft.com/office/powerpoint/2010/main" val="1283117297"/>
+        <p14:creationId xmlns:p14="http://schemas.microsoft.com/office/powerpoint/2010/main" val="618471098"/>
       </p:ext>
     </p:extLst>
   </p:cSld>
@@ -2530,83 +2917,83 @@
           <a:lstStyle/>
           <a:p>
             <a:r>
+              <a:rPr lang="ru-RU"/>
+              <a:t>Образец заголовка</a:t>
+            </a:r>
+            <a:endParaRPr lang="en-US" dirty="0"/>
+          </a:p>
+        </p:txBody>
+      </p:sp>
+      <p:sp>
+        <p:nvSpPr>
+          <p:cNvPr id="3" name="Vertical Text Placeholder 2"/>
+          <p:cNvSpPr>
+            <a:spLocks noGrp="1"/>
+          </p:cNvSpPr>
+          <p:nvPr>
+            <p:ph type="body" orient="vert" idx="1"/>
+          </p:nvPr>
+        </p:nvSpPr>
+        <p:spPr/>
+        <p:txBody>
+          <a:bodyPr vert="eaVert"/>
+          <a:lstStyle/>
+          <a:p>
+            <a:pPr lvl="0"/>
+            <a:r>
+              <a:rPr lang="ru-RU"/>
+              <a:t>Образец текста</a:t>
+            </a:r>
+          </a:p>
+          <a:p>
+            <a:pPr lvl="1"/>
+            <a:r>
+              <a:rPr lang="ru-RU"/>
+              <a:t>Второй уровень</a:t>
+            </a:r>
+          </a:p>
+          <a:p>
+            <a:pPr lvl="2"/>
+            <a:r>
+              <a:rPr lang="ru-RU"/>
+              <a:t>Третий уровень</a:t>
+            </a:r>
+          </a:p>
+          <a:p>
+            <a:pPr lvl="3"/>
+            <a:r>
+              <a:rPr lang="ru-RU"/>
+              <a:t>Четвертый уровень</a:t>
+            </a:r>
+          </a:p>
+          <a:p>
+            <a:pPr lvl="4"/>
+            <a:r>
+              <a:rPr lang="ru-RU"/>
+              <a:t>Пятый уровень</a:t>
+            </a:r>
+            <a:endParaRPr lang="en-US" dirty="0"/>
+          </a:p>
+        </p:txBody>
+      </p:sp>
+      <p:sp>
+        <p:nvSpPr>
+          <p:cNvPr id="4" name="Date Placeholder 3"/>
+          <p:cNvSpPr>
+            <a:spLocks noGrp="1"/>
+          </p:cNvSpPr>
+          <p:nvPr>
+            <p:ph type="dt" sz="half" idx="10"/>
+          </p:nvPr>
+        </p:nvSpPr>
+        <p:spPr/>
+        <p:txBody>
+          <a:bodyPr/>
+          <a:lstStyle/>
+          <a:p>
+            <a:fld id="{6B404CB7-8242-4192-B84C-0CD69121F1D0}" type="datetime1">
               <a:rPr lang="ru-RU" smtClean="0"/>
-              <a:t>Образец заголовка</a:t>
-            </a:r>
-            <a:endParaRPr lang="en-US" dirty="0"/>
-          </a:p>
-        </p:txBody>
-      </p:sp>
-      <p:sp>
-        <p:nvSpPr>
-          <p:cNvPr id="3" name="Vertical Text Placeholder 2"/>
-          <p:cNvSpPr>
-            <a:spLocks noGrp="1"/>
-          </p:cNvSpPr>
-          <p:nvPr>
-            <p:ph type="body" orient="vert" idx="1"/>
-          </p:nvPr>
-        </p:nvSpPr>
-        <p:spPr/>
-        <p:txBody>
-          <a:bodyPr vert="eaVert"/>
-          <a:lstStyle/>
-          <a:p>
-            <a:pPr lvl="0"/>
-            <a:r>
-              <a:rPr lang="ru-RU" smtClean="0"/>
-              <a:t>Образец текста</a:t>
-            </a:r>
-          </a:p>
-          <a:p>
-            <a:pPr lvl="1"/>
-            <a:r>
-              <a:rPr lang="ru-RU" smtClean="0"/>
-              <a:t>Второй уровень</a:t>
-            </a:r>
-          </a:p>
-          <a:p>
-            <a:pPr lvl="2"/>
-            <a:r>
-              <a:rPr lang="ru-RU" smtClean="0"/>
-              <a:t>Третий уровень</a:t>
-            </a:r>
-          </a:p>
-          <a:p>
-            <a:pPr lvl="3"/>
-            <a:r>
-              <a:rPr lang="ru-RU" smtClean="0"/>
-              <a:t>Четвертый уровень</a:t>
-            </a:r>
-          </a:p>
-          <a:p>
-            <a:pPr lvl="4"/>
-            <a:r>
-              <a:rPr lang="ru-RU" smtClean="0"/>
-              <a:t>Пятый уровень</a:t>
-            </a:r>
-            <a:endParaRPr lang="en-US" dirty="0"/>
-          </a:p>
-        </p:txBody>
-      </p:sp>
-      <p:sp>
-        <p:nvSpPr>
-          <p:cNvPr id="4" name="Date Placeholder 3"/>
-          <p:cNvSpPr>
-            <a:spLocks noGrp="1"/>
-          </p:cNvSpPr>
-          <p:nvPr>
-            <p:ph type="dt" sz="half" idx="10"/>
-          </p:nvPr>
-        </p:nvSpPr>
-        <p:spPr/>
-        <p:txBody>
-          <a:bodyPr/>
-          <a:lstStyle/>
-          <a:p>
-            <a:fld id="{1B041A43-3E7E-4AFE-A791-9CED81FFD4D8}" type="datetimeFigureOut">
-              <a:rPr lang="ru-RU" smtClean="0"/>
-              <a:t>08.06.2018</a:t>
+              <a:t>19.06.2018</a:t>
             </a:fld>
             <a:endParaRPr lang="ru-RU"/>
           </a:p>
@@ -2657,7 +3044,7 @@
     </p:spTree>
     <p:extLst>
       <p:ext uri="{BB962C8B-B14F-4D97-AF65-F5344CB8AC3E}">
-        <p14:creationId xmlns:p14="http://schemas.microsoft.com/office/powerpoint/2010/main" val="761759815"/>
+        <p14:creationId xmlns:p14="http://schemas.microsoft.com/office/powerpoint/2010/main" val="1011847905"/>
       </p:ext>
     </p:extLst>
   </p:cSld>
@@ -2705,7 +3092,7 @@
           <a:lstStyle/>
           <a:p>
             <a:r>
-              <a:rPr lang="ru-RU" smtClean="0"/>
+              <a:rPr lang="ru-RU"/>
               <a:t>Образец заголовка</a:t>
             </a:r>
             <a:endParaRPr lang="en-US" dirty="0"/>
@@ -2734,59 +3121,59 @@
           <a:p>
             <a:pPr lvl="0"/>
             <a:r>
+              <a:rPr lang="ru-RU"/>
+              <a:t>Образец текста</a:t>
+            </a:r>
+          </a:p>
+          <a:p>
+            <a:pPr lvl="1"/>
+            <a:r>
+              <a:rPr lang="ru-RU"/>
+              <a:t>Второй уровень</a:t>
+            </a:r>
+          </a:p>
+          <a:p>
+            <a:pPr lvl="2"/>
+            <a:r>
+              <a:rPr lang="ru-RU"/>
+              <a:t>Третий уровень</a:t>
+            </a:r>
+          </a:p>
+          <a:p>
+            <a:pPr lvl="3"/>
+            <a:r>
+              <a:rPr lang="ru-RU"/>
+              <a:t>Четвертый уровень</a:t>
+            </a:r>
+          </a:p>
+          <a:p>
+            <a:pPr lvl="4"/>
+            <a:r>
+              <a:rPr lang="ru-RU"/>
+              <a:t>Пятый уровень</a:t>
+            </a:r>
+            <a:endParaRPr lang="en-US" dirty="0"/>
+          </a:p>
+        </p:txBody>
+      </p:sp>
+      <p:sp>
+        <p:nvSpPr>
+          <p:cNvPr id="4" name="Date Placeholder 3"/>
+          <p:cNvSpPr>
+            <a:spLocks noGrp="1"/>
+          </p:cNvSpPr>
+          <p:nvPr>
+            <p:ph type="dt" sz="half" idx="10"/>
+          </p:nvPr>
+        </p:nvSpPr>
+        <p:spPr/>
+        <p:txBody>
+          <a:bodyPr/>
+          <a:lstStyle/>
+          <a:p>
+            <a:fld id="{4D463318-F7A6-41A0-9D8D-6AAF5D0BC8DC}" type="datetime1">
               <a:rPr lang="ru-RU" smtClean="0"/>
-              <a:t>Образец текста</a:t>
-            </a:r>
-          </a:p>
-          <a:p>
-            <a:pPr lvl="1"/>
-            <a:r>
-              <a:rPr lang="ru-RU" smtClean="0"/>
-              <a:t>Второй уровень</a:t>
-            </a:r>
-          </a:p>
-          <a:p>
-            <a:pPr lvl="2"/>
-            <a:r>
-              <a:rPr lang="ru-RU" smtClean="0"/>
-              <a:t>Третий уровень</a:t>
-            </a:r>
-          </a:p>
-          <a:p>
-            <a:pPr lvl="3"/>
-            <a:r>
-              <a:rPr lang="ru-RU" smtClean="0"/>
-              <a:t>Четвертый уровень</a:t>
-            </a:r>
-          </a:p>
-          <a:p>
-            <a:pPr lvl="4"/>
-            <a:r>
-              <a:rPr lang="ru-RU" smtClean="0"/>
-              <a:t>Пятый уровень</a:t>
-            </a:r>
-            <a:endParaRPr lang="en-US" dirty="0"/>
-          </a:p>
-        </p:txBody>
-      </p:sp>
-      <p:sp>
-        <p:nvSpPr>
-          <p:cNvPr id="4" name="Date Placeholder 3"/>
-          <p:cNvSpPr>
-            <a:spLocks noGrp="1"/>
-          </p:cNvSpPr>
-          <p:nvPr>
-            <p:ph type="dt" sz="half" idx="10"/>
-          </p:nvPr>
-        </p:nvSpPr>
-        <p:spPr/>
-        <p:txBody>
-          <a:bodyPr/>
-          <a:lstStyle/>
-          <a:p>
-            <a:fld id="{1B041A43-3E7E-4AFE-A791-9CED81FFD4D8}" type="datetimeFigureOut">
-              <a:rPr lang="ru-RU" smtClean="0"/>
-              <a:t>08.06.2018</a:t>
+              <a:t>19.06.2018</a:t>
             </a:fld>
             <a:endParaRPr lang="ru-RU"/>
           </a:p>
@@ -2837,7 +3224,7 @@
     </p:spTree>
     <p:extLst>
       <p:ext uri="{BB962C8B-B14F-4D97-AF65-F5344CB8AC3E}">
-        <p14:creationId xmlns:p14="http://schemas.microsoft.com/office/powerpoint/2010/main" val="3523979202"/>
+        <p14:creationId xmlns:p14="http://schemas.microsoft.com/office/powerpoint/2010/main" val="1455241824"/>
       </p:ext>
     </p:extLst>
   </p:cSld>
@@ -2880,83 +3267,83 @@
           <a:lstStyle/>
           <a:p>
             <a:r>
+              <a:rPr lang="ru-RU"/>
+              <a:t>Образец заголовка</a:t>
+            </a:r>
+            <a:endParaRPr lang="en-US" dirty="0"/>
+          </a:p>
+        </p:txBody>
+      </p:sp>
+      <p:sp>
+        <p:nvSpPr>
+          <p:cNvPr id="3" name="Content Placeholder 2"/>
+          <p:cNvSpPr>
+            <a:spLocks noGrp="1"/>
+          </p:cNvSpPr>
+          <p:nvPr>
+            <p:ph idx="1"/>
+          </p:nvPr>
+        </p:nvSpPr>
+        <p:spPr/>
+        <p:txBody>
+          <a:bodyPr/>
+          <a:lstStyle/>
+          <a:p>
+            <a:pPr lvl="0"/>
+            <a:r>
+              <a:rPr lang="ru-RU"/>
+              <a:t>Образец текста</a:t>
+            </a:r>
+          </a:p>
+          <a:p>
+            <a:pPr lvl="1"/>
+            <a:r>
+              <a:rPr lang="ru-RU"/>
+              <a:t>Второй уровень</a:t>
+            </a:r>
+          </a:p>
+          <a:p>
+            <a:pPr lvl="2"/>
+            <a:r>
+              <a:rPr lang="ru-RU"/>
+              <a:t>Третий уровень</a:t>
+            </a:r>
+          </a:p>
+          <a:p>
+            <a:pPr lvl="3"/>
+            <a:r>
+              <a:rPr lang="ru-RU"/>
+              <a:t>Четвертый уровень</a:t>
+            </a:r>
+          </a:p>
+          <a:p>
+            <a:pPr lvl="4"/>
+            <a:r>
+              <a:rPr lang="ru-RU"/>
+              <a:t>Пятый уровень</a:t>
+            </a:r>
+            <a:endParaRPr lang="en-US" dirty="0"/>
+          </a:p>
+        </p:txBody>
+      </p:sp>
+      <p:sp>
+        <p:nvSpPr>
+          <p:cNvPr id="4" name="Date Placeholder 3"/>
+          <p:cNvSpPr>
+            <a:spLocks noGrp="1"/>
+          </p:cNvSpPr>
+          <p:nvPr>
+            <p:ph type="dt" sz="half" idx="10"/>
+          </p:nvPr>
+        </p:nvSpPr>
+        <p:spPr/>
+        <p:txBody>
+          <a:bodyPr/>
+          <a:lstStyle/>
+          <a:p>
+            <a:fld id="{BDE71C9E-5721-439E-90A4-D7B71E17C19D}" type="datetime1">
               <a:rPr lang="ru-RU" smtClean="0"/>
-              <a:t>Образец заголовка</a:t>
-            </a:r>
-            <a:endParaRPr lang="en-US" dirty="0"/>
-          </a:p>
-        </p:txBody>
-      </p:sp>
-      <p:sp>
-        <p:nvSpPr>
-          <p:cNvPr id="3" name="Content Placeholder 2"/>
-          <p:cNvSpPr>
-            <a:spLocks noGrp="1"/>
-          </p:cNvSpPr>
-          <p:nvPr>
-            <p:ph idx="1"/>
-          </p:nvPr>
-        </p:nvSpPr>
-        <p:spPr/>
-        <p:txBody>
-          <a:bodyPr/>
-          <a:lstStyle/>
-          <a:p>
-            <a:pPr lvl="0"/>
-            <a:r>
-              <a:rPr lang="ru-RU" smtClean="0"/>
-              <a:t>Образец текста</a:t>
-            </a:r>
-          </a:p>
-          <a:p>
-            <a:pPr lvl="1"/>
-            <a:r>
-              <a:rPr lang="ru-RU" smtClean="0"/>
-              <a:t>Второй уровень</a:t>
-            </a:r>
-          </a:p>
-          <a:p>
-            <a:pPr lvl="2"/>
-            <a:r>
-              <a:rPr lang="ru-RU" smtClean="0"/>
-              <a:t>Третий уровень</a:t>
-            </a:r>
-          </a:p>
-          <a:p>
-            <a:pPr lvl="3"/>
-            <a:r>
-              <a:rPr lang="ru-RU" smtClean="0"/>
-              <a:t>Четвертый уровень</a:t>
-            </a:r>
-          </a:p>
-          <a:p>
-            <a:pPr lvl="4"/>
-            <a:r>
-              <a:rPr lang="ru-RU" smtClean="0"/>
-              <a:t>Пятый уровень</a:t>
-            </a:r>
-            <a:endParaRPr lang="en-US" dirty="0"/>
-          </a:p>
-        </p:txBody>
-      </p:sp>
-      <p:sp>
-        <p:nvSpPr>
-          <p:cNvPr id="4" name="Date Placeholder 3"/>
-          <p:cNvSpPr>
-            <a:spLocks noGrp="1"/>
-          </p:cNvSpPr>
-          <p:nvPr>
-            <p:ph type="dt" sz="half" idx="10"/>
-          </p:nvPr>
-        </p:nvSpPr>
-        <p:spPr/>
-        <p:txBody>
-          <a:bodyPr/>
-          <a:lstStyle/>
-          <a:p>
-            <a:fld id="{1B041A43-3E7E-4AFE-A791-9CED81FFD4D8}" type="datetimeFigureOut">
-              <a:rPr lang="ru-RU" smtClean="0"/>
-              <a:t>08.06.2018</a:t>
+              <a:t>19.06.2018</a:t>
             </a:fld>
             <a:endParaRPr lang="ru-RU"/>
           </a:p>
@@ -3007,7 +3394,7 @@
     </p:spTree>
     <p:extLst>
       <p:ext uri="{BB962C8B-B14F-4D97-AF65-F5344CB8AC3E}">
-        <p14:creationId xmlns:p14="http://schemas.microsoft.com/office/powerpoint/2010/main" val="3618860113"/>
+        <p14:creationId xmlns:p14="http://schemas.microsoft.com/office/powerpoint/2010/main" val="160860229"/>
       </p:ext>
     </p:extLst>
   </p:cSld>
@@ -3059,7 +3446,7 @@
           </a:lstStyle>
           <a:p>
             <a:r>
-              <a:rPr lang="ru-RU" smtClean="0"/>
+              <a:rPr lang="ru-RU"/>
               <a:t>Образец заголовка</a:t>
             </a:r>
             <a:endParaRPr lang="en-US" dirty="0"/>
@@ -3180,30 +3567,30 @@
           <a:p>
             <a:pPr lvl="0"/>
             <a:r>
+              <a:rPr lang="ru-RU"/>
+              <a:t>Образец текста</a:t>
+            </a:r>
+          </a:p>
+        </p:txBody>
+      </p:sp>
+      <p:sp>
+        <p:nvSpPr>
+          <p:cNvPr id="4" name="Date Placeholder 3"/>
+          <p:cNvSpPr>
+            <a:spLocks noGrp="1"/>
+          </p:cNvSpPr>
+          <p:nvPr>
+            <p:ph type="dt" sz="half" idx="10"/>
+          </p:nvPr>
+        </p:nvSpPr>
+        <p:spPr/>
+        <p:txBody>
+          <a:bodyPr/>
+          <a:lstStyle/>
+          <a:p>
+            <a:fld id="{BB3AC247-806C-47CC-A479-3BFAA9D3C360}" type="datetime1">
               <a:rPr lang="ru-RU" smtClean="0"/>
-              <a:t>Образец текста</a:t>
-            </a:r>
-          </a:p>
-        </p:txBody>
-      </p:sp>
-      <p:sp>
-        <p:nvSpPr>
-          <p:cNvPr id="4" name="Date Placeholder 3"/>
-          <p:cNvSpPr>
-            <a:spLocks noGrp="1"/>
-          </p:cNvSpPr>
-          <p:nvPr>
-            <p:ph type="dt" sz="half" idx="10"/>
-          </p:nvPr>
-        </p:nvSpPr>
-        <p:spPr/>
-        <p:txBody>
-          <a:bodyPr/>
-          <a:lstStyle/>
-          <a:p>
-            <a:fld id="{1B041A43-3E7E-4AFE-A791-9CED81FFD4D8}" type="datetimeFigureOut">
-              <a:rPr lang="ru-RU" smtClean="0"/>
-              <a:t>08.06.2018</a:t>
+              <a:t>19.06.2018</a:t>
             </a:fld>
             <a:endParaRPr lang="ru-RU"/>
           </a:p>
@@ -3254,7 +3641,7 @@
     </p:spTree>
     <p:extLst>
       <p:ext uri="{BB962C8B-B14F-4D97-AF65-F5344CB8AC3E}">
-        <p14:creationId xmlns:p14="http://schemas.microsoft.com/office/powerpoint/2010/main" val="355587526"/>
+        <p14:creationId xmlns:p14="http://schemas.microsoft.com/office/powerpoint/2010/main" val="3419114714"/>
       </p:ext>
     </p:extLst>
   </p:cSld>
@@ -3297,7 +3684,7 @@
           <a:lstStyle/>
           <a:p>
             <a:r>
-              <a:rPr lang="ru-RU" smtClean="0"/>
+              <a:rPr lang="ru-RU"/>
               <a:t>Образец заголовка</a:t>
             </a:r>
             <a:endParaRPr lang="en-US" dirty="0"/>
@@ -3326,35 +3713,35 @@
           <a:p>
             <a:pPr lvl="0"/>
             <a:r>
-              <a:rPr lang="ru-RU" smtClean="0"/>
+              <a:rPr lang="ru-RU"/>
               <a:t>Образец текста</a:t>
             </a:r>
           </a:p>
           <a:p>
             <a:pPr lvl="1"/>
             <a:r>
-              <a:rPr lang="ru-RU" smtClean="0"/>
+              <a:rPr lang="ru-RU"/>
               <a:t>Второй уровень</a:t>
             </a:r>
           </a:p>
           <a:p>
             <a:pPr lvl="2"/>
             <a:r>
-              <a:rPr lang="ru-RU" smtClean="0"/>
+              <a:rPr lang="ru-RU"/>
               <a:t>Третий уровень</a:t>
             </a:r>
           </a:p>
           <a:p>
             <a:pPr lvl="3"/>
             <a:r>
-              <a:rPr lang="ru-RU" smtClean="0"/>
+              <a:rPr lang="ru-RU"/>
               <a:t>Четвертый уровень</a:t>
             </a:r>
           </a:p>
           <a:p>
             <a:pPr lvl="4"/>
             <a:r>
-              <a:rPr lang="ru-RU" smtClean="0"/>
+              <a:rPr lang="ru-RU"/>
               <a:t>Пятый уровень</a:t>
             </a:r>
             <a:endParaRPr lang="en-US" dirty="0"/>
@@ -3383,59 +3770,59 @@
           <a:p>
             <a:pPr lvl="0"/>
             <a:r>
+              <a:rPr lang="ru-RU"/>
+              <a:t>Образец текста</a:t>
+            </a:r>
+          </a:p>
+          <a:p>
+            <a:pPr lvl="1"/>
+            <a:r>
+              <a:rPr lang="ru-RU"/>
+              <a:t>Второй уровень</a:t>
+            </a:r>
+          </a:p>
+          <a:p>
+            <a:pPr lvl="2"/>
+            <a:r>
+              <a:rPr lang="ru-RU"/>
+              <a:t>Третий уровень</a:t>
+            </a:r>
+          </a:p>
+          <a:p>
+            <a:pPr lvl="3"/>
+            <a:r>
+              <a:rPr lang="ru-RU"/>
+              <a:t>Четвертый уровень</a:t>
+            </a:r>
+          </a:p>
+          <a:p>
+            <a:pPr lvl="4"/>
+            <a:r>
+              <a:rPr lang="ru-RU"/>
+              <a:t>Пятый уровень</a:t>
+            </a:r>
+            <a:endParaRPr lang="en-US" dirty="0"/>
+          </a:p>
+        </p:txBody>
+      </p:sp>
+      <p:sp>
+        <p:nvSpPr>
+          <p:cNvPr id="5" name="Date Placeholder 4"/>
+          <p:cNvSpPr>
+            <a:spLocks noGrp="1"/>
+          </p:cNvSpPr>
+          <p:nvPr>
+            <p:ph type="dt" sz="half" idx="10"/>
+          </p:nvPr>
+        </p:nvSpPr>
+        <p:spPr/>
+        <p:txBody>
+          <a:bodyPr/>
+          <a:lstStyle/>
+          <a:p>
+            <a:fld id="{F5076073-9752-4F44-974C-F52098F1DDD3}" type="datetime1">
               <a:rPr lang="ru-RU" smtClean="0"/>
-              <a:t>Образец текста</a:t>
-            </a:r>
-          </a:p>
-          <a:p>
-            <a:pPr lvl="1"/>
-            <a:r>
-              <a:rPr lang="ru-RU" smtClean="0"/>
-              <a:t>Второй уровень</a:t>
-            </a:r>
-          </a:p>
-          <a:p>
-            <a:pPr lvl="2"/>
-            <a:r>
-              <a:rPr lang="ru-RU" smtClean="0"/>
-              <a:t>Третий уровень</a:t>
-            </a:r>
-          </a:p>
-          <a:p>
-            <a:pPr lvl="3"/>
-            <a:r>
-              <a:rPr lang="ru-RU" smtClean="0"/>
-              <a:t>Четвертый уровень</a:t>
-            </a:r>
-          </a:p>
-          <a:p>
-            <a:pPr lvl="4"/>
-            <a:r>
-              <a:rPr lang="ru-RU" smtClean="0"/>
-              <a:t>Пятый уровень</a:t>
-            </a:r>
-            <a:endParaRPr lang="en-US" dirty="0"/>
-          </a:p>
-        </p:txBody>
-      </p:sp>
-      <p:sp>
-        <p:nvSpPr>
-          <p:cNvPr id="5" name="Date Placeholder 4"/>
-          <p:cNvSpPr>
-            <a:spLocks noGrp="1"/>
-          </p:cNvSpPr>
-          <p:nvPr>
-            <p:ph type="dt" sz="half" idx="10"/>
-          </p:nvPr>
-        </p:nvSpPr>
-        <p:spPr/>
-        <p:txBody>
-          <a:bodyPr/>
-          <a:lstStyle/>
-          <a:p>
-            <a:fld id="{1B041A43-3E7E-4AFE-A791-9CED81FFD4D8}" type="datetimeFigureOut">
-              <a:rPr lang="ru-RU" smtClean="0"/>
-              <a:t>08.06.2018</a:t>
+              <a:t>19.06.2018</a:t>
             </a:fld>
             <a:endParaRPr lang="ru-RU"/>
           </a:p>
@@ -3486,7 +3873,7 @@
     </p:spTree>
     <p:extLst>
       <p:ext uri="{BB962C8B-B14F-4D97-AF65-F5344CB8AC3E}">
-        <p14:creationId xmlns:p14="http://schemas.microsoft.com/office/powerpoint/2010/main" val="2348416662"/>
+        <p14:creationId xmlns:p14="http://schemas.microsoft.com/office/powerpoint/2010/main" val="2481521485"/>
       </p:ext>
     </p:extLst>
   </p:cSld>
@@ -3533,7 +3920,7 @@
           </a:lstStyle>
           <a:p>
             <a:r>
-              <a:rPr lang="ru-RU" smtClean="0"/>
+              <a:rPr lang="ru-RU"/>
               <a:t>Образец заголовка</a:t>
             </a:r>
             <a:endParaRPr lang="en-US" dirty="0"/>
@@ -3601,7 +3988,7 @@
           <a:p>
             <a:pPr lvl="0"/>
             <a:r>
-              <a:rPr lang="ru-RU" smtClean="0"/>
+              <a:rPr lang="ru-RU"/>
               <a:t>Образец текста</a:t>
             </a:r>
           </a:p>
@@ -3631,35 +4018,35 @@
           <a:p>
             <a:pPr lvl="0"/>
             <a:r>
-              <a:rPr lang="ru-RU" smtClean="0"/>
+              <a:rPr lang="ru-RU"/>
               <a:t>Образец текста</a:t>
             </a:r>
           </a:p>
           <a:p>
             <a:pPr lvl="1"/>
             <a:r>
-              <a:rPr lang="ru-RU" smtClean="0"/>
+              <a:rPr lang="ru-RU"/>
               <a:t>Второй уровень</a:t>
             </a:r>
           </a:p>
           <a:p>
             <a:pPr lvl="2"/>
             <a:r>
-              <a:rPr lang="ru-RU" smtClean="0"/>
+              <a:rPr lang="ru-RU"/>
               <a:t>Третий уровень</a:t>
             </a:r>
           </a:p>
           <a:p>
             <a:pPr lvl="3"/>
             <a:r>
-              <a:rPr lang="ru-RU" smtClean="0"/>
+              <a:rPr lang="ru-RU"/>
               <a:t>Четвертый уровень</a:t>
             </a:r>
           </a:p>
           <a:p>
             <a:pPr lvl="4"/>
             <a:r>
-              <a:rPr lang="ru-RU" smtClean="0"/>
+              <a:rPr lang="ru-RU"/>
               <a:t>Пятый уровень</a:t>
             </a:r>
             <a:endParaRPr lang="en-US" dirty="0"/>
@@ -3727,7 +4114,7 @@
           <a:p>
             <a:pPr lvl="0"/>
             <a:r>
-              <a:rPr lang="ru-RU" smtClean="0"/>
+              <a:rPr lang="ru-RU"/>
               <a:t>Образец текста</a:t>
             </a:r>
           </a:p>
@@ -3757,59 +4144,59 @@
           <a:p>
             <a:pPr lvl="0"/>
             <a:r>
+              <a:rPr lang="ru-RU"/>
+              <a:t>Образец текста</a:t>
+            </a:r>
+          </a:p>
+          <a:p>
+            <a:pPr lvl="1"/>
+            <a:r>
+              <a:rPr lang="ru-RU"/>
+              <a:t>Второй уровень</a:t>
+            </a:r>
+          </a:p>
+          <a:p>
+            <a:pPr lvl="2"/>
+            <a:r>
+              <a:rPr lang="ru-RU"/>
+              <a:t>Третий уровень</a:t>
+            </a:r>
+          </a:p>
+          <a:p>
+            <a:pPr lvl="3"/>
+            <a:r>
+              <a:rPr lang="ru-RU"/>
+              <a:t>Четвертый уровень</a:t>
+            </a:r>
+          </a:p>
+          <a:p>
+            <a:pPr lvl="4"/>
+            <a:r>
+              <a:rPr lang="ru-RU"/>
+              <a:t>Пятый уровень</a:t>
+            </a:r>
+            <a:endParaRPr lang="en-US" dirty="0"/>
+          </a:p>
+        </p:txBody>
+      </p:sp>
+      <p:sp>
+        <p:nvSpPr>
+          <p:cNvPr id="7" name="Date Placeholder 6"/>
+          <p:cNvSpPr>
+            <a:spLocks noGrp="1"/>
+          </p:cNvSpPr>
+          <p:nvPr>
+            <p:ph type="dt" sz="half" idx="10"/>
+          </p:nvPr>
+        </p:nvSpPr>
+        <p:spPr/>
+        <p:txBody>
+          <a:bodyPr/>
+          <a:lstStyle/>
+          <a:p>
+            <a:fld id="{CF80DFDB-5F23-4D20-9880-B02E051D9E68}" type="datetime1">
               <a:rPr lang="ru-RU" smtClean="0"/>
-              <a:t>Образец текста</a:t>
-            </a:r>
-          </a:p>
-          <a:p>
-            <a:pPr lvl="1"/>
-            <a:r>
-              <a:rPr lang="ru-RU" smtClean="0"/>
-              <a:t>Второй уровень</a:t>
-            </a:r>
-          </a:p>
-          <a:p>
-            <a:pPr lvl="2"/>
-            <a:r>
-              <a:rPr lang="ru-RU" smtClean="0"/>
-              <a:t>Третий уровень</a:t>
-            </a:r>
-          </a:p>
-          <a:p>
-            <a:pPr lvl="3"/>
-            <a:r>
-              <a:rPr lang="ru-RU" smtClean="0"/>
-              <a:t>Четвертый уровень</a:t>
-            </a:r>
-          </a:p>
-          <a:p>
-            <a:pPr lvl="4"/>
-            <a:r>
-              <a:rPr lang="ru-RU" smtClean="0"/>
-              <a:t>Пятый уровень</a:t>
-            </a:r>
-            <a:endParaRPr lang="en-US" dirty="0"/>
-          </a:p>
-        </p:txBody>
-      </p:sp>
-      <p:sp>
-        <p:nvSpPr>
-          <p:cNvPr id="7" name="Date Placeholder 6"/>
-          <p:cNvSpPr>
-            <a:spLocks noGrp="1"/>
-          </p:cNvSpPr>
-          <p:nvPr>
-            <p:ph type="dt" sz="half" idx="10"/>
-          </p:nvPr>
-        </p:nvSpPr>
-        <p:spPr/>
-        <p:txBody>
-          <a:bodyPr/>
-          <a:lstStyle/>
-          <a:p>
-            <a:fld id="{1B041A43-3E7E-4AFE-A791-9CED81FFD4D8}" type="datetimeFigureOut">
-              <a:rPr lang="ru-RU" smtClean="0"/>
-              <a:t>08.06.2018</a:t>
+              <a:t>19.06.2018</a:t>
             </a:fld>
             <a:endParaRPr lang="ru-RU"/>
           </a:p>
@@ -3860,7 +4247,7 @@
     </p:spTree>
     <p:extLst>
       <p:ext uri="{BB962C8B-B14F-4D97-AF65-F5344CB8AC3E}">
-        <p14:creationId xmlns:p14="http://schemas.microsoft.com/office/powerpoint/2010/main" val="7574137"/>
+        <p14:creationId xmlns:p14="http://schemas.microsoft.com/office/powerpoint/2010/main" val="1160166720"/>
       </p:ext>
     </p:extLst>
   </p:cSld>
@@ -3908,31 +4295,31 @@
           <a:lstStyle/>
           <a:p>
             <a:r>
+              <a:rPr lang="ru-RU"/>
+              <a:t>Образец заголовка</a:t>
+            </a:r>
+            <a:endParaRPr lang="en-US" dirty="0"/>
+          </a:p>
+        </p:txBody>
+      </p:sp>
+      <p:sp>
+        <p:nvSpPr>
+          <p:cNvPr id="3" name="Date Placeholder 2"/>
+          <p:cNvSpPr>
+            <a:spLocks noGrp="1"/>
+          </p:cNvSpPr>
+          <p:nvPr>
+            <p:ph type="dt" sz="half" idx="10"/>
+          </p:nvPr>
+        </p:nvSpPr>
+        <p:spPr/>
+        <p:txBody>
+          <a:bodyPr/>
+          <a:lstStyle/>
+          <a:p>
+            <a:fld id="{A5607D20-BC0E-46B0-B053-764D0A41FDFE}" type="datetime1">
               <a:rPr lang="ru-RU" smtClean="0"/>
-              <a:t>Образец заголовка</a:t>
-            </a:r>
-            <a:endParaRPr lang="en-US" dirty="0"/>
-          </a:p>
-        </p:txBody>
-      </p:sp>
-      <p:sp>
-        <p:nvSpPr>
-          <p:cNvPr id="3" name="Date Placeholder 2"/>
-          <p:cNvSpPr>
-            <a:spLocks noGrp="1"/>
-          </p:cNvSpPr>
-          <p:nvPr>
-            <p:ph type="dt" sz="half" idx="10"/>
-          </p:nvPr>
-        </p:nvSpPr>
-        <p:spPr/>
-        <p:txBody>
-          <a:bodyPr/>
-          <a:lstStyle/>
-          <a:p>
-            <a:fld id="{1B041A43-3E7E-4AFE-A791-9CED81FFD4D8}" type="datetimeFigureOut">
-              <a:rPr lang="ru-RU" smtClean="0"/>
-              <a:t>08.06.2018</a:t>
+              <a:t>19.06.2018</a:t>
             </a:fld>
             <a:endParaRPr lang="ru-RU"/>
           </a:p>
@@ -3983,7 +4370,7 @@
     </p:spTree>
     <p:extLst>
       <p:ext uri="{BB962C8B-B14F-4D97-AF65-F5344CB8AC3E}">
-        <p14:creationId xmlns:p14="http://schemas.microsoft.com/office/powerpoint/2010/main" val="1674747373"/>
+        <p14:creationId xmlns:p14="http://schemas.microsoft.com/office/powerpoint/2010/main" val="3703569127"/>
       </p:ext>
     </p:extLst>
   </p:cSld>
@@ -4025,9 +4412,9 @@
           <a:bodyPr/>
           <a:lstStyle/>
           <a:p>
-            <a:fld id="{1B041A43-3E7E-4AFE-A791-9CED81FFD4D8}" type="datetimeFigureOut">
+            <a:fld id="{49331620-E176-4256-9763-7D46DC52BE26}" type="datetime1">
               <a:rPr lang="ru-RU" smtClean="0"/>
-              <a:t>08.06.2018</a:t>
+              <a:t>19.06.2018</a:t>
             </a:fld>
             <a:endParaRPr lang="ru-RU"/>
           </a:p>
@@ -4078,7 +4465,7 @@
     </p:spTree>
     <p:extLst>
       <p:ext uri="{BB962C8B-B14F-4D97-AF65-F5344CB8AC3E}">
-        <p14:creationId xmlns:p14="http://schemas.microsoft.com/office/powerpoint/2010/main" val="838686010"/>
+        <p14:creationId xmlns:p14="http://schemas.microsoft.com/office/powerpoint/2010/main" val="109043335"/>
       </p:ext>
     </p:extLst>
   </p:cSld>
@@ -4132,7 +4519,7 @@
           </a:lstStyle>
           <a:p>
             <a:r>
-              <a:rPr lang="ru-RU" smtClean="0"/>
+              <a:rPr lang="ru-RU"/>
               <a:t>Образец заголовка</a:t>
             </a:r>
             <a:endParaRPr lang="en-US" dirty="0"/>
@@ -4163,35 +4550,35 @@
           <a:p>
             <a:pPr lvl="0"/>
             <a:r>
-              <a:rPr lang="ru-RU" smtClean="0"/>
+              <a:rPr lang="ru-RU"/>
               <a:t>Образец текста</a:t>
             </a:r>
           </a:p>
           <a:p>
             <a:pPr lvl="1"/>
             <a:r>
-              <a:rPr lang="ru-RU" smtClean="0"/>
+              <a:rPr lang="ru-RU"/>
               <a:t>Второй уровень</a:t>
             </a:r>
           </a:p>
           <a:p>
             <a:pPr lvl="2"/>
             <a:r>
-              <a:rPr lang="ru-RU" smtClean="0"/>
+              <a:rPr lang="ru-RU"/>
               <a:t>Третий уровень</a:t>
             </a:r>
           </a:p>
           <a:p>
             <a:pPr lvl="3"/>
             <a:r>
-              <a:rPr lang="ru-RU" smtClean="0"/>
+              <a:rPr lang="ru-RU"/>
               <a:t>Четвертый уровень</a:t>
             </a:r>
           </a:p>
           <a:p>
             <a:pPr lvl="4"/>
             <a:r>
-              <a:rPr lang="ru-RU" smtClean="0"/>
+              <a:rPr lang="ru-RU"/>
               <a:t>Пятый уровень</a:t>
             </a:r>
             <a:endParaRPr lang="en-US" dirty="0"/>
@@ -4259,30 +4646,30 @@
           <a:p>
             <a:pPr lvl="0"/>
             <a:r>
+              <a:rPr lang="ru-RU"/>
+              <a:t>Образец текста</a:t>
+            </a:r>
+          </a:p>
+        </p:txBody>
+      </p:sp>
+      <p:sp>
+        <p:nvSpPr>
+          <p:cNvPr id="5" name="Date Placeholder 4"/>
+          <p:cNvSpPr>
+            <a:spLocks noGrp="1"/>
+          </p:cNvSpPr>
+          <p:nvPr>
+            <p:ph type="dt" sz="half" idx="10"/>
+          </p:nvPr>
+        </p:nvSpPr>
+        <p:spPr/>
+        <p:txBody>
+          <a:bodyPr/>
+          <a:lstStyle/>
+          <a:p>
+            <a:fld id="{7C778EF6-1C30-4AE9-B6D3-4159B7B49510}" type="datetime1">
               <a:rPr lang="ru-RU" smtClean="0"/>
-              <a:t>Образец текста</a:t>
-            </a:r>
-          </a:p>
-        </p:txBody>
-      </p:sp>
-      <p:sp>
-        <p:nvSpPr>
-          <p:cNvPr id="5" name="Date Placeholder 4"/>
-          <p:cNvSpPr>
-            <a:spLocks noGrp="1"/>
-          </p:cNvSpPr>
-          <p:nvPr>
-            <p:ph type="dt" sz="half" idx="10"/>
-          </p:nvPr>
-        </p:nvSpPr>
-        <p:spPr/>
-        <p:txBody>
-          <a:bodyPr/>
-          <a:lstStyle/>
-          <a:p>
-            <a:fld id="{1B041A43-3E7E-4AFE-A791-9CED81FFD4D8}" type="datetimeFigureOut">
-              <a:rPr lang="ru-RU" smtClean="0"/>
-              <a:t>08.06.2018</a:t>
+              <a:t>19.06.2018</a:t>
             </a:fld>
             <a:endParaRPr lang="ru-RU"/>
           </a:p>
@@ -4333,7 +4720,7 @@
     </p:spTree>
     <p:extLst>
       <p:ext uri="{BB962C8B-B14F-4D97-AF65-F5344CB8AC3E}">
-        <p14:creationId xmlns:p14="http://schemas.microsoft.com/office/powerpoint/2010/main" val="1107538375"/>
+        <p14:creationId xmlns:p14="http://schemas.microsoft.com/office/powerpoint/2010/main" val="1868955342"/>
       </p:ext>
     </p:extLst>
   </p:cSld>
@@ -4387,7 +4774,7 @@
           </a:lstStyle>
           <a:p>
             <a:r>
-              <a:rPr lang="ru-RU" smtClean="0"/>
+              <a:rPr lang="ru-RU"/>
               <a:t>Образец заголовка</a:t>
             </a:r>
             <a:endParaRPr lang="en-US" dirty="0"/>
@@ -4454,7 +4841,7 @@
           </a:lstStyle>
           <a:p>
             <a:r>
-              <a:rPr lang="ru-RU" smtClean="0"/>
+              <a:rPr lang="ru-RU"/>
               <a:t>Вставка рисунка</a:t>
             </a:r>
             <a:endParaRPr lang="en-US" dirty="0"/>
@@ -4522,32 +4909,9 @@
           <a:p>
             <a:pPr lvl="0"/>
             <a:r>
-              <a:rPr lang="ru-RU" smtClean="0"/>
+              <a:rPr lang="ru-RU"/>
               <a:t>Образец текста</a:t>
             </a:r>
-          </a:p>
-        </p:txBody>
-      </p:sp>
-      <p:sp>
-        <p:nvSpPr>
-          <p:cNvPr id="5" name="Date Placeholder 4"/>
-          <p:cNvSpPr>
-            <a:spLocks noGrp="1"/>
-          </p:cNvSpPr>
-          <p:nvPr>
-            <p:ph type="dt" sz="half" idx="10"/>
-          </p:nvPr>
-        </p:nvSpPr>
-        <p:spPr/>
-        <p:txBody>
-          <a:bodyPr/>
-          <a:lstStyle/>
-          <a:p>
-            <a:fld id="{1B041A43-3E7E-4AFE-A791-9CED81FFD4D8}" type="datetimeFigureOut">
-              <a:rPr lang="ru-RU" smtClean="0"/>
-              <a:t>08.06.2018</a:t>
-            </a:fld>
-            <a:endParaRPr lang="ru-RU"/>
           </a:p>
         </p:txBody>
       </p:sp>
@@ -4593,10 +4957,33 @@
           </a:p>
         </p:txBody>
       </p:sp>
+      <p:sp>
+        <p:nvSpPr>
+          <p:cNvPr id="5" name="Date Placeholder 4"/>
+          <p:cNvSpPr>
+            <a:spLocks noGrp="1"/>
+          </p:cNvSpPr>
+          <p:nvPr>
+            <p:ph type="dt" sz="half" idx="10"/>
+          </p:nvPr>
+        </p:nvSpPr>
+        <p:spPr/>
+        <p:txBody>
+          <a:bodyPr/>
+          <a:lstStyle/>
+          <a:p>
+            <a:fld id="{7BDA303E-CCF4-4A63-8763-AF5ED902F576}" type="datetime1">
+              <a:rPr lang="ru-RU" smtClean="0"/>
+              <a:t>19.06.2018</a:t>
+            </a:fld>
+            <a:endParaRPr lang="ru-RU"/>
+          </a:p>
+        </p:txBody>
+      </p:sp>
     </p:spTree>
     <p:extLst>
       <p:ext uri="{BB962C8B-B14F-4D97-AF65-F5344CB8AC3E}">
-        <p14:creationId xmlns:p14="http://schemas.microsoft.com/office/powerpoint/2010/main" val="942635781"/>
+        <p14:creationId xmlns:p14="http://schemas.microsoft.com/office/powerpoint/2010/main" val="2806762865"/>
       </p:ext>
     </p:extLst>
   </p:cSld>
@@ -4630,7 +5017,7 @@
       </p:grpSpPr>
       <p:grpSp>
         <p:nvGrpSpPr>
-          <p:cNvPr id="29" name="Group 28"/>
+          <p:cNvPr id="44" name="Group 43"/>
           <p:cNvGrpSpPr/>
           <p:nvPr/>
         </p:nvGrpSpPr>
@@ -4644,7 +5031,7 @@
         </p:grpSpPr>
         <p:cxnSp>
           <p:nvCxnSpPr>
-            <p:cNvPr id="19" name="Straight Connector 18"/>
+            <p:cNvPr id="20" name="Straight Connector 19"/>
             <p:cNvCxnSpPr/>
             <p:nvPr/>
           </p:nvCxnSpPr>
@@ -4681,7 +5068,7 @@
         </p:cxnSp>
         <p:cxnSp>
           <p:nvCxnSpPr>
-            <p:cNvPr id="20" name="Straight Connector 19"/>
+            <p:cNvPr id="21" name="Straight Connector 20"/>
             <p:cNvCxnSpPr/>
             <p:nvPr/>
           </p:nvCxnSpPr>
@@ -4718,7 +5105,7 @@
         </p:cxnSp>
         <p:sp>
           <p:nvSpPr>
-            <p:cNvPr id="21" name="Rectangle 23"/>
+            <p:cNvPr id="22" name="Rectangle 23"/>
             <p:cNvSpPr/>
             <p:nvPr/>
           </p:nvSpPr>
@@ -4781,7 +5168,7 @@
         </p:sp>
         <p:sp>
           <p:nvSpPr>
-            <p:cNvPr id="22" name="Rectangle 25"/>
+            <p:cNvPr id="23" name="Rectangle 25"/>
             <p:cNvSpPr/>
             <p:nvPr/>
           </p:nvSpPr>
@@ -4844,7 +5231,7 @@
         </p:sp>
         <p:sp>
           <p:nvSpPr>
-            <p:cNvPr id="23" name="Isosceles Triangle 22"/>
+            <p:cNvPr id="24" name="Isosceles Triangle 23"/>
             <p:cNvSpPr/>
             <p:nvPr/>
           </p:nvSpPr>
@@ -4860,7 +5247,8 @@
             </a:prstGeom>
             <a:solidFill>
               <a:schemeClr val="accent1">
-                <a:alpha val="72000"/>
+                <a:lumMod val="75000"/>
+                <a:alpha val="66000"/>
               </a:schemeClr>
             </a:solidFill>
             <a:ln>
@@ -4885,7 +5273,7 @@
         </p:sp>
         <p:sp>
           <p:nvSpPr>
-            <p:cNvPr id="24" name="Rectangle 27"/>
+            <p:cNvPr id="25" name="Rectangle 27"/>
             <p:cNvSpPr/>
             <p:nvPr/>
           </p:nvSpPr>
@@ -4949,7 +5337,7 @@
         </p:sp>
         <p:sp>
           <p:nvSpPr>
-            <p:cNvPr id="25" name="Rectangle 28"/>
+            <p:cNvPr id="26" name="Rectangle 28"/>
             <p:cNvSpPr/>
             <p:nvPr/>
           </p:nvSpPr>
@@ -4986,8 +5374,7 @@
               </a:pathLst>
             </a:custGeom>
             <a:solidFill>
-              <a:schemeClr val="accent1">
-                <a:lumMod val="75000"/>
+              <a:schemeClr val="accent2">
                 <a:alpha val="70000"/>
               </a:schemeClr>
             </a:solidFill>
@@ -5013,7 +5400,7 @@
         </p:sp>
         <p:sp>
           <p:nvSpPr>
-            <p:cNvPr id="26" name="Rectangle 29"/>
+            <p:cNvPr id="27" name="Rectangle 29"/>
             <p:cNvSpPr/>
             <p:nvPr/>
           </p:nvSpPr>
@@ -5050,51 +5437,9 @@
               </a:pathLst>
             </a:custGeom>
             <a:solidFill>
-              <a:schemeClr val="accent1">
-                <a:lumMod val="50000"/>
+              <a:schemeClr val="accent2">
+                <a:lumMod val="75000"/>
                 <a:alpha val="80000"/>
-              </a:schemeClr>
-            </a:solidFill>
-            <a:ln>
-              <a:noFill/>
-            </a:ln>
-            <a:effectLst/>
-          </p:spPr>
-          <p:style>
-            <a:lnRef idx="1">
-              <a:schemeClr val="accent1"/>
-            </a:lnRef>
-            <a:fillRef idx="3">
-              <a:schemeClr val="accent1"/>
-            </a:fillRef>
-            <a:effectRef idx="2">
-              <a:schemeClr val="accent1"/>
-            </a:effectRef>
-            <a:fontRef idx="minor">
-              <a:schemeClr val="lt1"/>
-            </a:fontRef>
-          </p:style>
-        </p:sp>
-        <p:sp>
-          <p:nvSpPr>
-            <p:cNvPr id="27" name="Isosceles Triangle 26"/>
-            <p:cNvSpPr/>
-            <p:nvPr/>
-          </p:nvSpPr>
-          <p:spPr>
-            <a:xfrm>
-              <a:off x="10371666" y="3589867"/>
-              <a:ext cx="1817159" cy="3268133"/>
-            </a:xfrm>
-            <a:prstGeom prst="triangle">
-              <a:avLst>
-                <a:gd name="adj" fmla="val 100000"/>
-              </a:avLst>
-            </a:prstGeom>
-            <a:solidFill>
-              <a:schemeClr val="accent1">
-                <a:lumMod val="50000"/>
-                <a:alpha val="66000"/>
               </a:schemeClr>
             </a:solidFill>
             <a:ln>
@@ -5125,6 +5470,48 @@
           </p:nvSpPr>
           <p:spPr>
             <a:xfrm>
+              <a:off x="10371666" y="3589867"/>
+              <a:ext cx="1817159" cy="3268133"/>
+            </a:xfrm>
+            <a:prstGeom prst="triangle">
+              <a:avLst>
+                <a:gd name="adj" fmla="val 100000"/>
+              </a:avLst>
+            </a:prstGeom>
+            <a:solidFill>
+              <a:schemeClr val="accent1">
+                <a:lumMod val="75000"/>
+                <a:alpha val="66000"/>
+              </a:schemeClr>
+            </a:solidFill>
+            <a:ln>
+              <a:noFill/>
+            </a:ln>
+            <a:effectLst/>
+          </p:spPr>
+          <p:style>
+            <a:lnRef idx="1">
+              <a:schemeClr val="accent1"/>
+            </a:lnRef>
+            <a:fillRef idx="3">
+              <a:schemeClr val="accent1"/>
+            </a:fillRef>
+            <a:effectRef idx="2">
+              <a:schemeClr val="accent1"/>
+            </a:effectRef>
+            <a:fontRef idx="minor">
+              <a:schemeClr val="lt1"/>
+            </a:fontRef>
+          </p:style>
+        </p:sp>
+        <p:sp>
+          <p:nvSpPr>
+            <p:cNvPr id="19" name="Isosceles Triangle 18"/>
+            <p:cNvSpPr/>
+            <p:nvPr/>
+          </p:nvSpPr>
+          <p:spPr>
+            <a:xfrm>
               <a:off x="0" y="4013200"/>
               <a:ext cx="448733" cy="2844800"/>
             </a:xfrm>
@@ -5135,7 +5522,6 @@
             </a:prstGeom>
             <a:solidFill>
               <a:schemeClr val="accent1">
-                <a:lumMod val="75000"/>
                 <a:alpha val="70000"/>
               </a:schemeClr>
             </a:solidFill>
@@ -5186,7 +5572,7 @@
           <a:lstStyle/>
           <a:p>
             <a:r>
-              <a:rPr lang="ru-RU" smtClean="0"/>
+              <a:rPr lang="ru-RU"/>
               <a:t>Образец заголовка</a:t>
             </a:r>
             <a:endParaRPr lang="en-US" dirty="0"/>
@@ -5220,35 +5606,35 @@
           <a:p>
             <a:pPr lvl="0"/>
             <a:r>
-              <a:rPr lang="ru-RU" smtClean="0"/>
+              <a:rPr lang="ru-RU"/>
               <a:t>Образец текста</a:t>
             </a:r>
           </a:p>
           <a:p>
             <a:pPr lvl="1"/>
             <a:r>
-              <a:rPr lang="ru-RU" smtClean="0"/>
+              <a:rPr lang="ru-RU"/>
               <a:t>Второй уровень</a:t>
             </a:r>
           </a:p>
           <a:p>
             <a:pPr lvl="2"/>
             <a:r>
-              <a:rPr lang="ru-RU" smtClean="0"/>
+              <a:rPr lang="ru-RU"/>
               <a:t>Третий уровень</a:t>
             </a:r>
           </a:p>
           <a:p>
             <a:pPr lvl="3"/>
             <a:r>
-              <a:rPr lang="ru-RU" smtClean="0"/>
+              <a:rPr lang="ru-RU"/>
               <a:t>Четвертый уровень</a:t>
             </a:r>
           </a:p>
           <a:p>
             <a:pPr lvl="4"/>
             <a:r>
-              <a:rPr lang="ru-RU" smtClean="0"/>
+              <a:rPr lang="ru-RU"/>
               <a:t>Пятый уровень</a:t>
             </a:r>
             <a:endParaRPr lang="en-US" dirty="0"/>
@@ -5288,9 +5674,9 @@
             </a:lvl1pPr>
           </a:lstStyle>
           <a:p>
-            <a:fld id="{1B041A43-3E7E-4AFE-A791-9CED81FFD4D8}" type="datetimeFigureOut">
+            <a:fld id="{86CB3A61-6A49-4110-83B4-3852BD3B4834}" type="datetime1">
               <a:rPr lang="ru-RU" smtClean="0"/>
-              <a:t>08.06.2018</a:t>
+              <a:t>19.06.2018</a:t>
             </a:fld>
             <a:endParaRPr lang="ru-RU"/>
           </a:p>
@@ -5358,9 +5744,7 @@
             <a:lvl1pPr algn="r">
               <a:defRPr sz="900">
                 <a:solidFill>
-                  <a:schemeClr val="accent1">
-                    <a:lumMod val="75000"/>
-                  </a:schemeClr>
+                  <a:schemeClr val="accent1"/>
                 </a:solidFill>
               </a:defRPr>
             </a:lvl1pPr>
@@ -5377,29 +5761,30 @@
     </p:spTree>
     <p:extLst>
       <p:ext uri="{BB962C8B-B14F-4D97-AF65-F5344CB8AC3E}">
-        <p14:creationId xmlns:p14="http://schemas.microsoft.com/office/powerpoint/2010/main" val="537253862"/>
+        <p14:creationId xmlns:p14="http://schemas.microsoft.com/office/powerpoint/2010/main" val="1878739602"/>
       </p:ext>
     </p:extLst>
   </p:cSld>
   <p:clrMap bg1="lt1" tx1="dk1" bg2="lt2" tx2="dk2" accent1="accent1" accent2="accent2" accent3="accent3" accent4="accent4" accent5="accent5" accent6="accent6" hlink="hlink" folHlink="folHlink"/>
   <p:sldLayoutIdLst>
-    <p:sldLayoutId id="2147483702" r:id="rId1"/>
-    <p:sldLayoutId id="2147483703" r:id="rId2"/>
-    <p:sldLayoutId id="2147483704" r:id="rId3"/>
-    <p:sldLayoutId id="2147483705" r:id="rId4"/>
-    <p:sldLayoutId id="2147483706" r:id="rId5"/>
-    <p:sldLayoutId id="2147483707" r:id="rId6"/>
-    <p:sldLayoutId id="2147483708" r:id="rId7"/>
-    <p:sldLayoutId id="2147483709" r:id="rId8"/>
-    <p:sldLayoutId id="2147483710" r:id="rId9"/>
-    <p:sldLayoutId id="2147483711" r:id="rId10"/>
-    <p:sldLayoutId id="2147483712" r:id="rId11"/>
-    <p:sldLayoutId id="2147483713" r:id="rId12"/>
-    <p:sldLayoutId id="2147483714" r:id="rId13"/>
-    <p:sldLayoutId id="2147483715" r:id="rId14"/>
-    <p:sldLayoutId id="2147483716" r:id="rId15"/>
-    <p:sldLayoutId id="2147483717" r:id="rId16"/>
+    <p:sldLayoutId id="2147483719" r:id="rId1"/>
+    <p:sldLayoutId id="2147483720" r:id="rId2"/>
+    <p:sldLayoutId id="2147483721" r:id="rId3"/>
+    <p:sldLayoutId id="2147483722" r:id="rId4"/>
+    <p:sldLayoutId id="2147483723" r:id="rId5"/>
+    <p:sldLayoutId id="2147483724" r:id="rId6"/>
+    <p:sldLayoutId id="2147483725" r:id="rId7"/>
+    <p:sldLayoutId id="2147483726" r:id="rId8"/>
+    <p:sldLayoutId id="2147483727" r:id="rId9"/>
+    <p:sldLayoutId id="2147483728" r:id="rId10"/>
+    <p:sldLayoutId id="2147483729" r:id="rId11"/>
+    <p:sldLayoutId id="2147483730" r:id="rId12"/>
+    <p:sldLayoutId id="2147483731" r:id="rId13"/>
+    <p:sldLayoutId id="2147483732" r:id="rId14"/>
+    <p:sldLayoutId id="2147483733" r:id="rId15"/>
+    <p:sldLayoutId id="2147483734" r:id="rId16"/>
   </p:sldLayoutIdLst>
+  <p:hf hdr="0" ftr="0" dt="0"/>
   <p:txStyles>
     <p:titleStyle>
       <a:lvl1pPr algn="l" defTabSz="457200" rtl="0" eaLnBrk="1" latinLnBrk="0" hangingPunct="1">
@@ -5409,9 +5794,7 @@
         <a:buNone/>
         <a:defRPr sz="3600" kern="1200">
           <a:solidFill>
-            <a:schemeClr val="accent1">
-              <a:lumMod val="75000"/>
-            </a:schemeClr>
+            <a:schemeClr val="accent1"/>
           </a:solidFill>
           <a:latin typeface="+mj-lt"/>
           <a:ea typeface="+mj-ea"/>
@@ -5484,9 +5867,7 @@
           <a:spcPts val="0"/>
         </a:spcAft>
         <a:buClr>
-          <a:schemeClr val="accent1">
-            <a:lumMod val="75000"/>
-          </a:schemeClr>
+          <a:schemeClr val="accent1"/>
         </a:buClr>
         <a:buSzPct val="80000"/>
         <a:buFont typeface="Wingdings 3" charset="2"/>
@@ -5511,9 +5892,7 @@
           <a:spcPts val="0"/>
         </a:spcAft>
         <a:buClr>
-          <a:schemeClr val="accent1">
-            <a:lumMod val="75000"/>
-          </a:schemeClr>
+          <a:schemeClr val="accent1"/>
         </a:buClr>
         <a:buSzPct val="80000"/>
         <a:buFont typeface="Wingdings 3" charset="2"/>
@@ -5538,9 +5917,7 @@
           <a:spcPts val="0"/>
         </a:spcAft>
         <a:buClr>
-          <a:schemeClr val="accent1">
-            <a:lumMod val="75000"/>
-          </a:schemeClr>
+          <a:schemeClr val="accent1"/>
         </a:buClr>
         <a:buSzPct val="80000"/>
         <a:buFont typeface="Wingdings 3" charset="2"/>
@@ -5565,9 +5942,7 @@
           <a:spcPts val="0"/>
         </a:spcAft>
         <a:buClr>
-          <a:schemeClr val="accent1">
-            <a:lumMod val="75000"/>
-          </a:schemeClr>
+          <a:schemeClr val="accent1"/>
         </a:buClr>
         <a:buSzPct val="80000"/>
         <a:buFont typeface="Wingdings 3" charset="2"/>
@@ -5592,9 +5967,7 @@
           <a:spcPts val="0"/>
         </a:spcAft>
         <a:buClr>
-          <a:schemeClr val="accent1">
-            <a:lumMod val="75000"/>
-          </a:schemeClr>
+          <a:schemeClr val="accent1"/>
         </a:buClr>
         <a:buSzPct val="80000"/>
         <a:buFont typeface="Wingdings 3" charset="2"/>
@@ -5619,9 +5992,7 @@
           <a:spcPts val="0"/>
         </a:spcAft>
         <a:buClr>
-          <a:schemeClr val="accent1">
-            <a:lumMod val="75000"/>
-          </a:schemeClr>
+          <a:schemeClr val="accent1"/>
         </a:buClr>
         <a:buSzPct val="80000"/>
         <a:buFont typeface="Wingdings 3" charset="2"/>
@@ -5646,9 +6017,7 @@
           <a:spcPts val="0"/>
         </a:spcAft>
         <a:buClr>
-          <a:schemeClr val="accent1">
-            <a:lumMod val="75000"/>
-          </a:schemeClr>
+          <a:schemeClr val="accent1"/>
         </a:buClr>
         <a:buSzPct val="80000"/>
         <a:buFont typeface="Wingdings 3" charset="2"/>
@@ -5673,9 +6042,7 @@
           <a:spcPts val="0"/>
         </a:spcAft>
         <a:buClr>
-          <a:schemeClr val="accent1">
-            <a:lumMod val="75000"/>
-          </a:schemeClr>
+          <a:schemeClr val="accent1"/>
         </a:buClr>
         <a:buSzPct val="80000"/>
         <a:buFont typeface="Wingdings 3" charset="2"/>
@@ -5700,9 +6067,7 @@
           <a:spcPts val="0"/>
         </a:spcAft>
         <a:buClr>
-          <a:schemeClr val="accent1">
-            <a:lumMod val="75000"/>
-          </a:schemeClr>
+          <a:schemeClr val="accent1"/>
         </a:buClr>
         <a:buSzPct val="80000"/>
         <a:buFont typeface="Wingdings 3" charset="2"/>
@@ -5848,7 +6213,7 @@
         </p:nvSpPr>
         <p:spPr>
           <a:xfrm>
-            <a:off x="532435" y="266218"/>
+            <a:off x="666659" y="308163"/>
             <a:ext cx="9271321" cy="3495555"/>
           </a:xfrm>
         </p:spPr>
@@ -5858,93 +6223,106 @@
           <a:p>
             <a:pPr algn="ctr"/>
             <a:r>
-              <a:rPr lang="ru-RU" sz="3500" b="1" dirty="0"/>
+              <a:rPr lang="ru-RU" sz="3500" b="1" dirty="0">
+                <a:solidFill>
+                  <a:schemeClr val="tx1"/>
+                </a:solidFill>
+              </a:rPr>
               <a:t>Создание </a:t>
             </a:r>
             <a:r>
-              <a:rPr lang="ru-RU" sz="3500" b="1" dirty="0" err="1"/>
+              <a:rPr lang="ru-RU" sz="3500" b="1" dirty="0" err="1">
+                <a:solidFill>
+                  <a:schemeClr val="tx1"/>
+                </a:solidFill>
+              </a:rPr>
               <a:t>Web</a:t>
             </a:r>
             <a:r>
-              <a:rPr lang="ru-RU" sz="3500" b="1" dirty="0"/>
+              <a:rPr lang="ru-RU" sz="3500" b="1" dirty="0">
+                <a:solidFill>
+                  <a:schemeClr val="tx1"/>
+                </a:solidFill>
+              </a:rPr>
               <a:t>-сервиса генерации псевдо рукописных документов на основании напечатанного текста с использованием технологии </a:t>
             </a:r>
             <a:r>
-              <a:rPr lang="ru-RU" sz="3500" b="1" dirty="0" err="1"/>
+              <a:rPr lang="ru-RU" sz="3500" b="1" dirty="0" err="1">
+                <a:solidFill>
+                  <a:schemeClr val="tx1"/>
+                </a:solidFill>
+              </a:rPr>
               <a:t>Bootstrap</a:t>
             </a:r>
             <a:r>
-              <a:rPr lang="ru-RU" sz="3500" b="1" dirty="0"/>
+              <a:rPr lang="ru-RU" sz="3500" b="1" dirty="0">
+                <a:solidFill>
+                  <a:schemeClr val="tx1"/>
+                </a:solidFill>
+              </a:rPr>
               <a:t>, </a:t>
             </a:r>
             <a:r>
-              <a:rPr lang="ru-RU" sz="3500" b="1" dirty="0" err="1"/>
+              <a:rPr lang="ru-RU" sz="3500" b="1" dirty="0" err="1">
+                <a:solidFill>
+                  <a:schemeClr val="tx1"/>
+                </a:solidFill>
+              </a:rPr>
               <a:t>Django</a:t>
             </a:r>
             <a:r>
-              <a:rPr lang="ru-RU" sz="3500" b="1" dirty="0"/>
+              <a:rPr lang="ru-RU" sz="3500" b="1" dirty="0">
+                <a:solidFill>
+                  <a:schemeClr val="tx1"/>
+                </a:solidFill>
+              </a:rPr>
               <a:t>, </a:t>
             </a:r>
             <a:r>
-              <a:rPr lang="ru-RU" sz="3500" b="1" dirty="0" err="1"/>
+              <a:rPr lang="ru-RU" sz="3500" b="1" dirty="0" err="1">
+                <a:solidFill>
+                  <a:schemeClr val="tx1"/>
+                </a:solidFill>
+              </a:rPr>
               <a:t>Mysql</a:t>
             </a:r>
             <a:r>
-              <a:rPr lang="ru-RU" sz="3500" b="1" dirty="0"/>
+              <a:rPr lang="ru-RU" sz="3500" b="1" dirty="0">
+                <a:solidFill>
+                  <a:schemeClr val="tx1"/>
+                </a:solidFill>
+              </a:rPr>
               <a:t>, </a:t>
             </a:r>
             <a:r>
-              <a:rPr lang="ru-RU" sz="3500" b="1" dirty="0" err="1"/>
+              <a:rPr lang="ru-RU" sz="3500" b="1" dirty="0" err="1">
+                <a:solidFill>
+                  <a:schemeClr val="tx1"/>
+                </a:solidFill>
+              </a:rPr>
               <a:t>Amazon</a:t>
             </a:r>
             <a:r>
-              <a:rPr lang="ru-RU" sz="3500" b="1" dirty="0"/>
+              <a:rPr lang="ru-RU" sz="3500" b="1" dirty="0">
+                <a:solidFill>
+                  <a:schemeClr val="tx1"/>
+                </a:solidFill>
+              </a:rPr>
               <a:t> S3 и </a:t>
             </a:r>
             <a:r>
-              <a:rPr lang="ru-RU" sz="3500" b="1" dirty="0" err="1"/>
+              <a:rPr lang="ru-RU" sz="3500" b="1" dirty="0" err="1">
+                <a:solidFill>
+                  <a:schemeClr val="tx1"/>
+                </a:solidFill>
+              </a:rPr>
               <a:t>Celery+RabbitMQ</a:t>
             </a:r>
-            <a:endParaRPr lang="ru-RU" sz="3500" dirty="0"/>
-          </a:p>
-        </p:txBody>
-      </p:sp>
-      <p:sp>
-        <p:nvSpPr>
-          <p:cNvPr id="3" name="Подзаголовок 2"/>
-          <p:cNvSpPr>
-            <a:spLocks noGrp="1"/>
-          </p:cNvSpPr>
-          <p:nvPr>
-            <p:ph type="subTitle" idx="1"/>
-          </p:nvPr>
-        </p:nvSpPr>
-        <p:spPr>
-          <a:xfrm>
-            <a:off x="1365814" y="4919241"/>
-            <a:ext cx="7711420" cy="1478557"/>
-          </a:xfrm>
-        </p:spPr>
-        <p:txBody>
-          <a:bodyPr>
-            <a:normAutofit/>
-          </a:bodyPr>
-          <a:lstStyle/>
-          <a:p>
-            <a:r>
-              <a:rPr lang="ru-RU" dirty="0" smtClean="0"/>
-              <a:t>Бычков Евгений Сергеевич</a:t>
-            </a:r>
-          </a:p>
-          <a:p>
-            <a:endParaRPr lang="ru-RU" dirty="0" smtClean="0"/>
-          </a:p>
-          <a:p>
-            <a:r>
-              <a:rPr lang="ru-RU" dirty="0" smtClean="0"/>
-              <a:t>Бычков Павел Владимирович</a:t>
-            </a:r>
-            <a:endParaRPr lang="ru-RU" dirty="0"/>
+            <a:endParaRPr lang="ru-RU" sz="3500" dirty="0">
+              <a:solidFill>
+                <a:schemeClr val="tx1"/>
+              </a:solidFill>
+            </a:endParaRPr>
           </a:p>
         </p:txBody>
       </p:sp>
@@ -5956,33 +6334,55 @@
         </p:nvSpPr>
         <p:spPr>
           <a:xfrm>
-            <a:off x="1149752" y="4596075"/>
-            <a:ext cx="6096000" cy="646331"/>
+            <a:off x="1054499" y="4587686"/>
+            <a:ext cx="8749257" cy="923330"/>
           </a:xfrm>
           <a:prstGeom prst="rect">
             <a:avLst/>
           </a:prstGeom>
         </p:spPr>
         <p:txBody>
-          <a:bodyPr>
+          <a:bodyPr wrap="square">
             <a:spAutoFit/>
           </a:bodyPr>
           <a:lstStyle/>
           <a:p>
             <a:r>
-              <a:rPr lang="ru-RU" dirty="0" smtClean="0"/>
+              <a:rPr lang="ru-RU" dirty="0"/>
               <a:t>Исполнитель </a:t>
             </a:r>
           </a:p>
           <a:p>
             <a:r>
-              <a:rPr lang="ru-RU" dirty="0" smtClean="0"/>
-              <a:t>студент </a:t>
-            </a:r>
-            <a:r>
-              <a:rPr lang="ru-RU" smtClean="0"/>
-              <a:t>группы ПО-42</a:t>
-            </a:r>
+              <a:rPr lang="ru-RU" dirty="0"/>
+              <a:t>студент группы ПО-42   </a:t>
+            </a:r>
+            <a:r>
+              <a:rPr lang="ru-RU" sz="1600" dirty="0"/>
+              <a:t>         </a:t>
+            </a:r>
+            <a:r>
+              <a:rPr lang="ru-RU" sz="1400" dirty="0"/>
+              <a:t>  </a:t>
+            </a:r>
+            <a:r>
+              <a:rPr lang="ru-RU" sz="1600" dirty="0"/>
+              <a:t>        </a:t>
+            </a:r>
+            <a:r>
+              <a:rPr lang="ru-RU" sz="1700" dirty="0"/>
+              <a:t>      </a:t>
+            </a:r>
+            <a:r>
+              <a:rPr lang="ru-RU" sz="1600" dirty="0"/>
+              <a:t>     </a:t>
+            </a:r>
+            <a:r>
+              <a:rPr lang="ru-RU" dirty="0"/>
+              <a:t>       Бычков Евгений Сергеевич    </a:t>
+            </a:r>
+          </a:p>
+          <a:p>
             <a:endParaRPr lang="ru-RU" dirty="0"/>
           </a:p>
         </p:txBody>
@@ -5995,30 +6395,35 @@
         </p:nvSpPr>
         <p:spPr>
           <a:xfrm>
-            <a:off x="1149752" y="5430377"/>
-            <a:ext cx="6096000" cy="646331"/>
+            <a:off x="1054499" y="5511016"/>
+            <a:ext cx="8950593" cy="923330"/>
           </a:xfrm>
           <a:prstGeom prst="rect">
             <a:avLst/>
           </a:prstGeom>
         </p:spPr>
         <p:txBody>
-          <a:bodyPr>
+          <a:bodyPr wrap="square">
             <a:spAutoFit/>
           </a:bodyPr>
           <a:lstStyle/>
           <a:p>
             <a:r>
-              <a:rPr lang="ru-RU" dirty="0" smtClean="0"/>
+              <a:rPr lang="ru-RU" dirty="0"/>
               <a:t>Научный руководитель</a:t>
             </a:r>
           </a:p>
           <a:p>
             <a:r>
-              <a:rPr lang="ru-RU" dirty="0" smtClean="0"/>
-              <a:t>к.ф.-м.н., доцент              </a:t>
-            </a:r>
-            <a:endParaRPr lang="ru-RU" dirty="0"/>
+              <a:rPr lang="ru-RU" dirty="0"/>
+              <a:t>к.ф.-м.н., доцент                                            Бычков Павел Владимирович</a:t>
+            </a:r>
+          </a:p>
+          <a:p>
+            <a:r>
+              <a:rPr lang="ru-RU" dirty="0"/>
+              <a:t>       </a:t>
+            </a:r>
           </a:p>
         </p:txBody>
       </p:sp>
@@ -6068,10 +6473,9 @@
           <a:lstStyle/>
           <a:p>
             <a:r>
-              <a:rPr lang="ru-RU" dirty="0" smtClean="0"/>
-              <a:t>Упоминания дипломной работы</a:t>
-            </a:r>
-            <a:endParaRPr lang="ru-RU" dirty="0"/>
+              <a:rPr lang="ru-RU" dirty="0"/>
+              <a:t>Выводы</a:t>
+            </a:r>
           </a:p>
         </p:txBody>
       </p:sp>
@@ -6092,123 +6496,7 @@
           <a:p>
             <a:r>
               <a:rPr lang="ru-RU" dirty="0"/>
-              <a:t>VII Республиканская научная </a:t>
-            </a:r>
-            <a:r>
-              <a:rPr lang="ru-RU" dirty="0" smtClean="0"/>
-              <a:t>конференция </a:t>
-            </a:r>
-            <a:r>
-              <a:rPr lang="ru-RU" dirty="0"/>
-              <a:t>студентов, магистрантов и аспирантов «Актуальные вопросы физики и техники</a:t>
-            </a:r>
-            <a:r>
-              <a:rPr lang="ru-RU" dirty="0" smtClean="0"/>
-              <a:t>»</a:t>
-            </a:r>
-            <a:endParaRPr lang="en-US" dirty="0" smtClean="0"/>
-          </a:p>
-          <a:p>
-            <a:r>
-              <a:rPr lang="ru-RU" dirty="0" smtClean="0"/>
-              <a:t>Молодежный научный форум «Молодые исследователи - Регионам»</a:t>
-            </a:r>
-          </a:p>
-          <a:p>
-            <a:r>
-              <a:rPr lang="ru-RU" dirty="0"/>
-              <a:t>Новые математические методы и компьютерные технологии в проектировании, производстве и научных </a:t>
-            </a:r>
-            <a:r>
-              <a:rPr lang="ru-RU" dirty="0" smtClean="0"/>
-              <a:t>исследованиях</a:t>
-            </a:r>
-            <a:endParaRPr lang="ru-RU" dirty="0"/>
-          </a:p>
-          <a:p>
-            <a:r>
-              <a:rPr lang="ru-RU" dirty="0" smtClean="0"/>
-              <a:t>Республиканский конкурс «Предпринимательских идей» 2017г.</a:t>
-            </a:r>
-            <a:endParaRPr lang="ru-RU" dirty="0"/>
-          </a:p>
-        </p:txBody>
-      </p:sp>
-    </p:spTree>
-    <p:extLst>
-      <p:ext uri="{BB962C8B-B14F-4D97-AF65-F5344CB8AC3E}">
-        <p14:creationId xmlns:p14="http://schemas.microsoft.com/office/powerpoint/2010/main" val="2863474429"/>
-      </p:ext>
-    </p:extLst>
-  </p:cSld>
-  <p:clrMapOvr>
-    <a:masterClrMapping/>
-  </p:clrMapOvr>
-</p:sld>
-</file>
-
-<file path=ppt/slides/slide11.xml><?xml version="1.0" encoding="utf-8"?>
-<p:sld xmlns:a="http://schemas.openxmlformats.org/drawingml/2006/main" xmlns:r="http://schemas.openxmlformats.org/officeDocument/2006/relationships" xmlns:p="http://schemas.openxmlformats.org/presentationml/2006/main">
-  <p:cSld>
-    <p:spTree>
-      <p:nvGrpSpPr>
-        <p:cNvPr id="1" name=""/>
-        <p:cNvGrpSpPr/>
-        <p:nvPr/>
-      </p:nvGrpSpPr>
-      <p:grpSpPr>
-        <a:xfrm>
-          <a:off x="0" y="0"/>
-          <a:ext cx="0" cy="0"/>
-          <a:chOff x="0" y="0"/>
-          <a:chExt cx="0" cy="0"/>
-        </a:xfrm>
-      </p:grpSpPr>
-      <p:sp>
-        <p:nvSpPr>
-          <p:cNvPr id="2" name="Заголовок 1"/>
-          <p:cNvSpPr>
-            <a:spLocks noGrp="1"/>
-          </p:cNvSpPr>
-          <p:nvPr>
-            <p:ph type="title"/>
-          </p:nvPr>
-        </p:nvSpPr>
-        <p:spPr/>
-        <p:txBody>
-          <a:bodyPr/>
-          <a:lstStyle/>
-          <a:p>
-            <a:r>
-              <a:rPr lang="ru-RU" dirty="0" smtClean="0"/>
-              <a:t>Выводы</a:t>
-            </a:r>
-            <a:endParaRPr lang="ru-RU" dirty="0"/>
-          </a:p>
-        </p:txBody>
-      </p:sp>
-      <p:sp>
-        <p:nvSpPr>
-          <p:cNvPr id="3" name="Объект 2"/>
-          <p:cNvSpPr>
-            <a:spLocks noGrp="1"/>
-          </p:cNvSpPr>
-          <p:nvPr>
-            <p:ph idx="1"/>
-          </p:nvPr>
-        </p:nvSpPr>
-        <p:spPr/>
-        <p:txBody>
-          <a:bodyPr/>
-          <a:lstStyle/>
-          <a:p>
-            <a:r>
-              <a:rPr lang="ru-RU" dirty="0"/>
-              <a:t>По результатам работы над дипломным проектом был разработан веб-сайт электронной коммерции и продемонстрирован альтернативный подход к </a:t>
-            </a:r>
-            <a:r>
-              <a:rPr lang="ru-RU" dirty="0" smtClean="0"/>
-              <a:t>веб-разработке.</a:t>
+              <a:t>По результатам работы над дипломным проектом был разработан веб-сайт электронной коммерции и продемонстрирован альтернативный подход к веб-разработке.</a:t>
             </a:r>
           </a:p>
           <a:p>
@@ -6216,6 +6504,43 @@
               <a:rPr lang="ru-RU" dirty="0"/>
               <a:t>Помимо этого, было приведено описание понятия электронной коммерции: история возникновения, актуальность, преимущества и недостатки, потенциал развития. Проведена оценка экономической эффективности разработки и подсчитана себестоимость.</a:t>
             </a:r>
+          </a:p>
+        </p:txBody>
+      </p:sp>
+      <p:sp>
+        <p:nvSpPr>
+          <p:cNvPr id="4" name="Номер слайда 3">
+            <a:extLst>
+              <a:ext uri="{FF2B5EF4-FFF2-40B4-BE49-F238E27FC236}">
+                <a16:creationId xmlns:a16="http://schemas.microsoft.com/office/drawing/2014/main" id="{E396F4BA-D1F3-4AAE-B54C-8D36B3DA2403}"/>
+              </a:ext>
+            </a:extLst>
+          </p:cNvPr>
+          <p:cNvSpPr>
+            <a:spLocks noGrp="1"/>
+          </p:cNvSpPr>
+          <p:nvPr>
+            <p:ph type="sldNum" sz="quarter" idx="12"/>
+          </p:nvPr>
+        </p:nvSpPr>
+        <p:spPr/>
+        <p:txBody>
+          <a:bodyPr/>
+          <a:lstStyle/>
+          <a:p>
+            <a:fld id="{8DA706F1-3276-4C1F-A616-7B80CA84F4EA}" type="slidenum">
+              <a:rPr lang="ru-RU" sz="1400" smtClean="0">
+                <a:solidFill>
+                  <a:schemeClr val="tx1"/>
+                </a:solidFill>
+              </a:rPr>
+              <a:t>10</a:t>
+            </a:fld>
+            <a:endParaRPr lang="ru-RU" sz="1400" dirty="0">
+              <a:solidFill>
+                <a:schemeClr val="tx1"/>
+              </a:solidFill>
+            </a:endParaRPr>
           </a:p>
         </p:txBody>
       </p:sp>
@@ -6259,849 +6584,109 @@
             <p:ph type="title"/>
           </p:nvPr>
         </p:nvSpPr>
-        <p:spPr>
-          <a:xfrm>
-            <a:off x="677334" y="156753"/>
-            <a:ext cx="8596668" cy="627018"/>
-          </a:xfrm>
-        </p:spPr>
+        <p:spPr/>
+        <p:txBody>
+          <a:bodyPr/>
+          <a:lstStyle/>
+          <a:p>
+            <a:r>
+              <a:rPr lang="ru-RU" dirty="0"/>
+              <a:t>Актуальность</a:t>
+            </a:r>
+          </a:p>
+        </p:txBody>
+      </p:sp>
+      <p:sp>
+        <p:nvSpPr>
+          <p:cNvPr id="3" name="Объект 2"/>
+          <p:cNvSpPr>
+            <a:spLocks noGrp="1"/>
+          </p:cNvSpPr>
+          <p:nvPr>
+            <p:ph idx="1"/>
+          </p:nvPr>
+        </p:nvSpPr>
+        <p:spPr/>
         <p:txBody>
           <a:bodyPr>
-            <a:normAutofit fontScale="90000"/>
-          </a:bodyPr>
-          <a:lstStyle/>
-          <a:p>
-            <a:r>
-              <a:rPr lang="ru-RU" dirty="0" smtClean="0"/>
-              <a:t>Тезис :</a:t>
-            </a:r>
-            <a:br>
-              <a:rPr lang="ru-RU" dirty="0" smtClean="0"/>
-            </a:br>
-            <a:endParaRPr lang="ru-RU" dirty="0"/>
-          </a:p>
-        </p:txBody>
-      </p:sp>
-      <p:sp>
-        <p:nvSpPr>
-          <p:cNvPr id="3" name="Объект 2"/>
-          <p:cNvSpPr>
-            <a:spLocks noGrp="1"/>
-          </p:cNvSpPr>
-          <p:nvPr>
-            <p:ph idx="1"/>
-          </p:nvPr>
-        </p:nvSpPr>
-        <p:spPr>
-          <a:xfrm>
-            <a:off x="677334" y="783771"/>
-            <a:ext cx="8596668" cy="1045029"/>
-          </a:xfrm>
-        </p:spPr>
-        <p:txBody>
-          <a:bodyPr/>
-          <a:lstStyle/>
-          <a:p>
-            <a:r>
-              <a:rPr lang="ru-RU" dirty="0"/>
-              <a:t>Создание </a:t>
-            </a:r>
-            <a:r>
-              <a:rPr lang="ru-RU" dirty="0" err="1"/>
-              <a:t>Web</a:t>
-            </a:r>
-            <a:r>
-              <a:rPr lang="ru-RU" dirty="0"/>
-              <a:t>-сервиса генерации псевдо рукописных документов на основании напечатанного текста с использованием технологии </a:t>
-            </a:r>
-            <a:r>
-              <a:rPr lang="ru-RU" dirty="0" err="1"/>
-              <a:t>Bootstrap</a:t>
-            </a:r>
-            <a:r>
-              <a:rPr lang="ru-RU" dirty="0"/>
-              <a:t>, </a:t>
-            </a:r>
-            <a:r>
-              <a:rPr lang="ru-RU" dirty="0" err="1"/>
-              <a:t>Django</a:t>
-            </a:r>
-            <a:r>
-              <a:rPr lang="ru-RU" dirty="0"/>
-              <a:t>, </a:t>
-            </a:r>
-            <a:r>
-              <a:rPr lang="ru-RU" dirty="0" err="1"/>
-              <a:t>Mysql</a:t>
-            </a:r>
-            <a:r>
-              <a:rPr lang="ru-RU" dirty="0"/>
-              <a:t>, </a:t>
-            </a:r>
-            <a:r>
-              <a:rPr lang="ru-RU" dirty="0" err="1"/>
-              <a:t>Amazon</a:t>
-            </a:r>
-            <a:r>
-              <a:rPr lang="ru-RU" dirty="0"/>
-              <a:t> S3 и </a:t>
-            </a:r>
-            <a:r>
-              <a:rPr lang="ru-RU" dirty="0" err="1"/>
-              <a:t>Celery+RabbitMQ</a:t>
-            </a:r>
-            <a:endParaRPr lang="ru-RU" dirty="0"/>
-          </a:p>
-        </p:txBody>
-      </p:sp>
-      <p:sp>
-        <p:nvSpPr>
-          <p:cNvPr id="4" name="Заголовок 1"/>
-          <p:cNvSpPr txBox="1">
-            <a:spLocks/>
-          </p:cNvSpPr>
-          <p:nvPr/>
-        </p:nvSpPr>
-        <p:spPr>
-          <a:xfrm>
-            <a:off x="677334" y="1828800"/>
-            <a:ext cx="8596668" cy="627018"/>
-          </a:xfrm>
-          <a:prstGeom prst="rect">
-            <a:avLst/>
-          </a:prstGeom>
-        </p:spPr>
-        <p:txBody>
-          <a:bodyPr vert="horz" lIns="91440" tIns="45720" rIns="91440" bIns="45720" rtlCol="0" anchor="t">
-            <a:normAutofit fontScale="45000" lnSpcReduction="20000"/>
-          </a:bodyPr>
-          <a:lstStyle>
-            <a:lvl1pPr algn="l" defTabSz="457200" rtl="0" eaLnBrk="1" latinLnBrk="0" hangingPunct="1">
-              <a:spcBef>
-                <a:spcPct val="0"/>
-              </a:spcBef>
-              <a:buNone/>
-              <a:defRPr sz="3600" kern="1200">
-                <a:solidFill>
-                  <a:schemeClr val="accent1"/>
-                </a:solidFill>
-                <a:latin typeface="+mj-lt"/>
-                <a:ea typeface="+mj-ea"/>
-                <a:cs typeface="+mj-cs"/>
-              </a:defRPr>
-            </a:lvl1pPr>
-            <a:lvl2pPr eaLnBrk="1" hangingPunct="1">
-              <a:defRPr>
-                <a:solidFill>
-                  <a:schemeClr val="tx2"/>
-                </a:solidFill>
-              </a:defRPr>
-            </a:lvl2pPr>
-            <a:lvl3pPr eaLnBrk="1" hangingPunct="1">
-              <a:defRPr>
-                <a:solidFill>
-                  <a:schemeClr val="tx2"/>
-                </a:solidFill>
-              </a:defRPr>
-            </a:lvl3pPr>
-            <a:lvl4pPr eaLnBrk="1" hangingPunct="1">
-              <a:defRPr>
-                <a:solidFill>
-                  <a:schemeClr val="tx2"/>
-                </a:solidFill>
-              </a:defRPr>
-            </a:lvl4pPr>
-            <a:lvl5pPr eaLnBrk="1" hangingPunct="1">
-              <a:defRPr>
-                <a:solidFill>
-                  <a:schemeClr val="tx2"/>
-                </a:solidFill>
-              </a:defRPr>
-            </a:lvl5pPr>
-            <a:lvl6pPr eaLnBrk="1" hangingPunct="1">
-              <a:defRPr>
-                <a:solidFill>
-                  <a:schemeClr val="tx2"/>
-                </a:solidFill>
-              </a:defRPr>
-            </a:lvl6pPr>
-            <a:lvl7pPr eaLnBrk="1" hangingPunct="1">
-              <a:defRPr>
-                <a:solidFill>
-                  <a:schemeClr val="tx2"/>
-                </a:solidFill>
-              </a:defRPr>
-            </a:lvl7pPr>
-            <a:lvl8pPr eaLnBrk="1" hangingPunct="1">
-              <a:defRPr>
-                <a:solidFill>
-                  <a:schemeClr val="tx2"/>
-                </a:solidFill>
-              </a:defRPr>
-            </a:lvl8pPr>
-            <a:lvl9pPr eaLnBrk="1" hangingPunct="1">
-              <a:defRPr>
-                <a:solidFill>
-                  <a:schemeClr val="tx2"/>
-                </a:solidFill>
-              </a:defRPr>
-            </a:lvl9pPr>
-          </a:lstStyle>
-          <a:p>
-            <a:r>
-              <a:rPr lang="ru-RU" sz="6100" dirty="0" smtClean="0"/>
-              <a:t>Подготовил :</a:t>
-            </a:r>
-            <a:r>
-              <a:rPr lang="ru-RU" dirty="0" smtClean="0"/>
-              <a:t/>
-            </a:r>
-            <a:br>
-              <a:rPr lang="ru-RU" dirty="0" smtClean="0"/>
-            </a:br>
-            <a:endParaRPr lang="ru-RU" dirty="0"/>
-          </a:p>
-        </p:txBody>
-      </p:sp>
-      <p:sp>
-        <p:nvSpPr>
-          <p:cNvPr id="5" name="Объект 2"/>
-          <p:cNvSpPr txBox="1">
-            <a:spLocks/>
-          </p:cNvSpPr>
-          <p:nvPr/>
-        </p:nvSpPr>
-        <p:spPr>
-          <a:xfrm>
-            <a:off x="677334" y="2455818"/>
-            <a:ext cx="8596668" cy="1045029"/>
-          </a:xfrm>
-          <a:prstGeom prst="rect">
-            <a:avLst/>
-          </a:prstGeom>
-        </p:spPr>
-        <p:txBody>
-          <a:bodyPr vert="horz" lIns="91440" tIns="45720" rIns="91440" bIns="45720" rtlCol="0">
             <a:normAutofit/>
           </a:bodyPr>
-          <a:lstStyle>
-            <a:lvl1pPr marL="342900" indent="-342900" algn="l" defTabSz="457200" rtl="0" eaLnBrk="1" latinLnBrk="0" hangingPunct="1">
-              <a:spcBef>
-                <a:spcPts val="1000"/>
-              </a:spcBef>
-              <a:spcAft>
-                <a:spcPts val="0"/>
-              </a:spcAft>
-              <a:buClr>
-                <a:schemeClr val="accent1"/>
-              </a:buClr>
-              <a:buSzPct val="80000"/>
-              <a:buFont typeface="Wingdings 3" charset="2"/>
-              <a:buChar char=""/>
-              <a:defRPr sz="1800" kern="1200">
-                <a:solidFill>
-                  <a:schemeClr val="tx1">
-                    <a:lumMod val="75000"/>
-                    <a:lumOff val="25000"/>
-                  </a:schemeClr>
-                </a:solidFill>
-                <a:latin typeface="+mn-lt"/>
-                <a:ea typeface="+mn-ea"/>
-                <a:cs typeface="+mn-cs"/>
-              </a:defRPr>
-            </a:lvl1pPr>
-            <a:lvl2pPr marL="742950" indent="-285750" algn="l" defTabSz="457200" rtl="0" eaLnBrk="1" latinLnBrk="0" hangingPunct="1">
-              <a:spcBef>
-                <a:spcPts val="1000"/>
-              </a:spcBef>
-              <a:spcAft>
-                <a:spcPts val="0"/>
-              </a:spcAft>
-              <a:buClr>
-                <a:schemeClr val="accent1"/>
-              </a:buClr>
-              <a:buSzPct val="80000"/>
-              <a:buFont typeface="Wingdings 3" charset="2"/>
-              <a:buChar char=""/>
-              <a:defRPr sz="1600" kern="1200">
-                <a:solidFill>
-                  <a:schemeClr val="tx1">
-                    <a:lumMod val="75000"/>
-                    <a:lumOff val="25000"/>
-                  </a:schemeClr>
-                </a:solidFill>
-                <a:latin typeface="+mn-lt"/>
-                <a:ea typeface="+mn-ea"/>
-                <a:cs typeface="+mn-cs"/>
-              </a:defRPr>
-            </a:lvl2pPr>
-            <a:lvl3pPr marL="1143000" indent="-228600" algn="l" defTabSz="457200" rtl="0" eaLnBrk="1" latinLnBrk="0" hangingPunct="1">
-              <a:spcBef>
-                <a:spcPts val="1000"/>
-              </a:spcBef>
-              <a:spcAft>
-                <a:spcPts val="0"/>
-              </a:spcAft>
-              <a:buClr>
-                <a:schemeClr val="accent1"/>
-              </a:buClr>
-              <a:buSzPct val="80000"/>
-              <a:buFont typeface="Wingdings 3" charset="2"/>
-              <a:buChar char=""/>
-              <a:defRPr sz="1400" kern="1200">
-                <a:solidFill>
-                  <a:schemeClr val="tx1">
-                    <a:lumMod val="75000"/>
-                    <a:lumOff val="25000"/>
-                  </a:schemeClr>
-                </a:solidFill>
-                <a:latin typeface="+mn-lt"/>
-                <a:ea typeface="+mn-ea"/>
-                <a:cs typeface="+mn-cs"/>
-              </a:defRPr>
-            </a:lvl3pPr>
-            <a:lvl4pPr marL="1600200" indent="-228600" algn="l" defTabSz="457200" rtl="0" eaLnBrk="1" latinLnBrk="0" hangingPunct="1">
-              <a:spcBef>
-                <a:spcPts val="1000"/>
-              </a:spcBef>
-              <a:spcAft>
-                <a:spcPts val="0"/>
-              </a:spcAft>
-              <a:buClr>
-                <a:schemeClr val="accent1"/>
-              </a:buClr>
-              <a:buSzPct val="80000"/>
-              <a:buFont typeface="Wingdings 3" charset="2"/>
-              <a:buChar char=""/>
-              <a:defRPr sz="1200" kern="1200">
-                <a:solidFill>
-                  <a:schemeClr val="tx1">
-                    <a:lumMod val="75000"/>
-                    <a:lumOff val="25000"/>
-                  </a:schemeClr>
-                </a:solidFill>
-                <a:latin typeface="+mn-lt"/>
-                <a:ea typeface="+mn-ea"/>
-                <a:cs typeface="+mn-cs"/>
-              </a:defRPr>
-            </a:lvl4pPr>
-            <a:lvl5pPr marL="2057400" indent="-228600" algn="l" defTabSz="457200" rtl="0" eaLnBrk="1" latinLnBrk="0" hangingPunct="1">
-              <a:spcBef>
-                <a:spcPts val="1000"/>
-              </a:spcBef>
-              <a:spcAft>
-                <a:spcPts val="0"/>
-              </a:spcAft>
-              <a:buClr>
-                <a:schemeClr val="accent1"/>
-              </a:buClr>
-              <a:buSzPct val="80000"/>
-              <a:buFont typeface="Wingdings 3" charset="2"/>
-              <a:buChar char=""/>
-              <a:defRPr sz="1200" kern="1200">
-                <a:solidFill>
-                  <a:schemeClr val="tx1">
-                    <a:lumMod val="75000"/>
-                    <a:lumOff val="25000"/>
-                  </a:schemeClr>
-                </a:solidFill>
-                <a:latin typeface="+mn-lt"/>
-                <a:ea typeface="+mn-ea"/>
-                <a:cs typeface="+mn-cs"/>
-              </a:defRPr>
-            </a:lvl5pPr>
-            <a:lvl6pPr marL="2514600" indent="-228600" algn="l" defTabSz="457200" rtl="0" eaLnBrk="1" latinLnBrk="0" hangingPunct="1">
-              <a:spcBef>
-                <a:spcPts val="1000"/>
-              </a:spcBef>
-              <a:spcAft>
-                <a:spcPts val="0"/>
-              </a:spcAft>
-              <a:buClr>
-                <a:schemeClr val="accent1"/>
-              </a:buClr>
-              <a:buSzPct val="80000"/>
-              <a:buFont typeface="Wingdings 3" charset="2"/>
-              <a:buChar char=""/>
-              <a:defRPr sz="1200" kern="1200">
-                <a:solidFill>
-                  <a:schemeClr val="tx1">
-                    <a:lumMod val="75000"/>
-                    <a:lumOff val="25000"/>
-                  </a:schemeClr>
-                </a:solidFill>
-                <a:latin typeface="+mn-lt"/>
-                <a:ea typeface="+mn-ea"/>
-                <a:cs typeface="+mn-cs"/>
-              </a:defRPr>
-            </a:lvl6pPr>
-            <a:lvl7pPr marL="2971800" indent="-228600" algn="l" defTabSz="457200" rtl="0" eaLnBrk="1" latinLnBrk="0" hangingPunct="1">
-              <a:spcBef>
-                <a:spcPts val="1000"/>
-              </a:spcBef>
-              <a:spcAft>
-                <a:spcPts val="0"/>
-              </a:spcAft>
-              <a:buClr>
-                <a:schemeClr val="accent1"/>
-              </a:buClr>
-              <a:buSzPct val="80000"/>
-              <a:buFont typeface="Wingdings 3" charset="2"/>
-              <a:buChar char=""/>
-              <a:defRPr sz="1200" kern="1200">
-                <a:solidFill>
-                  <a:schemeClr val="tx1">
-                    <a:lumMod val="75000"/>
-                    <a:lumOff val="25000"/>
-                  </a:schemeClr>
-                </a:solidFill>
-                <a:latin typeface="+mn-lt"/>
-                <a:ea typeface="+mn-ea"/>
-                <a:cs typeface="+mn-cs"/>
-              </a:defRPr>
-            </a:lvl7pPr>
-            <a:lvl8pPr marL="3429000" indent="-228600" algn="l" defTabSz="457200" rtl="0" eaLnBrk="1" latinLnBrk="0" hangingPunct="1">
-              <a:spcBef>
-                <a:spcPts val="1000"/>
-              </a:spcBef>
-              <a:spcAft>
-                <a:spcPts val="0"/>
-              </a:spcAft>
-              <a:buClr>
-                <a:schemeClr val="accent1"/>
-              </a:buClr>
-              <a:buSzPct val="80000"/>
-              <a:buFont typeface="Wingdings 3" charset="2"/>
-              <a:buChar char=""/>
-              <a:defRPr sz="1200" kern="1200">
-                <a:solidFill>
-                  <a:schemeClr val="tx1">
-                    <a:lumMod val="75000"/>
-                    <a:lumOff val="25000"/>
-                  </a:schemeClr>
-                </a:solidFill>
-                <a:latin typeface="+mn-lt"/>
-                <a:ea typeface="+mn-ea"/>
-                <a:cs typeface="+mn-cs"/>
-              </a:defRPr>
-            </a:lvl8pPr>
-            <a:lvl9pPr marL="3886200" indent="-228600" algn="l" defTabSz="457200" rtl="0" eaLnBrk="1" latinLnBrk="0" hangingPunct="1">
-              <a:spcBef>
-                <a:spcPts val="1000"/>
-              </a:spcBef>
-              <a:spcAft>
-                <a:spcPts val="0"/>
-              </a:spcAft>
-              <a:buClr>
-                <a:schemeClr val="accent1"/>
-              </a:buClr>
-              <a:buSzPct val="80000"/>
-              <a:buFont typeface="Wingdings 3" charset="2"/>
-              <a:buChar char=""/>
-              <a:defRPr sz="1200" kern="1200">
-                <a:solidFill>
-                  <a:schemeClr val="tx1">
-                    <a:lumMod val="75000"/>
-                    <a:lumOff val="25000"/>
-                  </a:schemeClr>
-                </a:solidFill>
-                <a:latin typeface="+mn-lt"/>
-                <a:ea typeface="+mn-ea"/>
-                <a:cs typeface="+mn-cs"/>
-              </a:defRPr>
-            </a:lvl9pPr>
-          </a:lstStyle>
-          <a:p>
-            <a:r>
-              <a:rPr lang="ru-RU" dirty="0" smtClean="0"/>
-              <a:t>Студент группы ПО-42 </a:t>
-            </a:r>
-          </a:p>
-          <a:p>
-            <a:r>
-              <a:rPr lang="ru-RU" dirty="0" smtClean="0"/>
-              <a:t>Бычков Евгений Сергеевич</a:t>
-            </a:r>
-            <a:endParaRPr lang="ru-RU" dirty="0"/>
-          </a:p>
-        </p:txBody>
-      </p:sp>
-      <p:sp>
-        <p:nvSpPr>
-          <p:cNvPr id="6" name="Заголовок 1"/>
-          <p:cNvSpPr txBox="1">
-            <a:spLocks/>
-          </p:cNvSpPr>
-          <p:nvPr/>
-        </p:nvSpPr>
-        <p:spPr>
-          <a:xfrm>
-            <a:off x="677334" y="3500847"/>
-            <a:ext cx="8596668" cy="627018"/>
-          </a:xfrm>
-          <a:prstGeom prst="rect">
-            <a:avLst/>
-          </a:prstGeom>
-        </p:spPr>
-        <p:txBody>
-          <a:bodyPr vert="horz" lIns="91440" tIns="45720" rIns="91440" bIns="45720" rtlCol="0" anchor="t">
-            <a:normAutofit fontScale="45000" lnSpcReduction="20000"/>
-          </a:bodyPr>
-          <a:lstStyle>
-            <a:lvl1pPr algn="l" defTabSz="457200" rtl="0" eaLnBrk="1" latinLnBrk="0" hangingPunct="1">
-              <a:spcBef>
-                <a:spcPct val="0"/>
-              </a:spcBef>
-              <a:buNone/>
-              <a:defRPr sz="3600" kern="1200">
-                <a:solidFill>
-                  <a:schemeClr val="accent1"/>
-                </a:solidFill>
-                <a:latin typeface="+mj-lt"/>
-                <a:ea typeface="+mj-ea"/>
-                <a:cs typeface="+mj-cs"/>
-              </a:defRPr>
-            </a:lvl1pPr>
-            <a:lvl2pPr eaLnBrk="1" hangingPunct="1">
-              <a:defRPr>
-                <a:solidFill>
-                  <a:schemeClr val="tx2"/>
-                </a:solidFill>
-              </a:defRPr>
-            </a:lvl2pPr>
-            <a:lvl3pPr eaLnBrk="1" hangingPunct="1">
-              <a:defRPr>
-                <a:solidFill>
-                  <a:schemeClr val="tx2"/>
-                </a:solidFill>
-              </a:defRPr>
-            </a:lvl3pPr>
-            <a:lvl4pPr eaLnBrk="1" hangingPunct="1">
-              <a:defRPr>
-                <a:solidFill>
-                  <a:schemeClr val="tx2"/>
-                </a:solidFill>
-              </a:defRPr>
-            </a:lvl4pPr>
-            <a:lvl5pPr eaLnBrk="1" hangingPunct="1">
-              <a:defRPr>
-                <a:solidFill>
-                  <a:schemeClr val="tx2"/>
-                </a:solidFill>
-              </a:defRPr>
-            </a:lvl5pPr>
-            <a:lvl6pPr eaLnBrk="1" hangingPunct="1">
-              <a:defRPr>
-                <a:solidFill>
-                  <a:schemeClr val="tx2"/>
-                </a:solidFill>
-              </a:defRPr>
-            </a:lvl6pPr>
-            <a:lvl7pPr eaLnBrk="1" hangingPunct="1">
-              <a:defRPr>
-                <a:solidFill>
-                  <a:schemeClr val="tx2"/>
-                </a:solidFill>
-              </a:defRPr>
-            </a:lvl7pPr>
-            <a:lvl8pPr eaLnBrk="1" hangingPunct="1">
-              <a:defRPr>
-                <a:solidFill>
-                  <a:schemeClr val="tx2"/>
-                </a:solidFill>
-              </a:defRPr>
-            </a:lvl8pPr>
-            <a:lvl9pPr eaLnBrk="1" hangingPunct="1">
-              <a:defRPr>
-                <a:solidFill>
-                  <a:schemeClr val="tx2"/>
-                </a:solidFill>
-              </a:defRPr>
-            </a:lvl9pPr>
-          </a:lstStyle>
-          <a:p>
-            <a:r>
-              <a:rPr lang="ru-RU" sz="6100" dirty="0" smtClean="0"/>
-              <a:t>Руководитель дипломной работы :</a:t>
-            </a:r>
-            <a:r>
-              <a:rPr lang="ru-RU" dirty="0" smtClean="0"/>
-              <a:t/>
-            </a:r>
-            <a:br>
-              <a:rPr lang="ru-RU" dirty="0" smtClean="0"/>
-            </a:br>
-            <a:endParaRPr lang="ru-RU" dirty="0"/>
-          </a:p>
-        </p:txBody>
-      </p:sp>
-      <p:sp>
-        <p:nvSpPr>
-          <p:cNvPr id="7" name="Объект 2"/>
-          <p:cNvSpPr txBox="1">
-            <a:spLocks/>
-          </p:cNvSpPr>
-          <p:nvPr/>
-        </p:nvSpPr>
-        <p:spPr>
-          <a:xfrm>
-            <a:off x="677334" y="4127865"/>
-            <a:ext cx="8596668" cy="1045029"/>
-          </a:xfrm>
-          <a:prstGeom prst="rect">
-            <a:avLst/>
-          </a:prstGeom>
-        </p:spPr>
-        <p:txBody>
-          <a:bodyPr vert="horz" lIns="91440" tIns="45720" rIns="91440" bIns="45720" rtlCol="0">
-            <a:normAutofit/>
-          </a:bodyPr>
-          <a:lstStyle>
-            <a:lvl1pPr marL="342900" indent="-342900" algn="l" defTabSz="457200" rtl="0" eaLnBrk="1" latinLnBrk="0" hangingPunct="1">
-              <a:spcBef>
-                <a:spcPts val="1000"/>
-              </a:spcBef>
-              <a:spcAft>
-                <a:spcPts val="0"/>
-              </a:spcAft>
-              <a:buClr>
-                <a:schemeClr val="accent1"/>
-              </a:buClr>
-              <a:buSzPct val="80000"/>
-              <a:buFont typeface="Wingdings 3" charset="2"/>
-              <a:buChar char=""/>
-              <a:defRPr sz="1800" kern="1200">
-                <a:solidFill>
-                  <a:schemeClr val="tx1">
-                    <a:lumMod val="75000"/>
-                    <a:lumOff val="25000"/>
-                  </a:schemeClr>
-                </a:solidFill>
-                <a:latin typeface="+mn-lt"/>
-                <a:ea typeface="+mn-ea"/>
-                <a:cs typeface="+mn-cs"/>
-              </a:defRPr>
-            </a:lvl1pPr>
-            <a:lvl2pPr marL="742950" indent="-285750" algn="l" defTabSz="457200" rtl="0" eaLnBrk="1" latinLnBrk="0" hangingPunct="1">
-              <a:spcBef>
-                <a:spcPts val="1000"/>
-              </a:spcBef>
-              <a:spcAft>
-                <a:spcPts val="0"/>
-              </a:spcAft>
-              <a:buClr>
-                <a:schemeClr val="accent1"/>
-              </a:buClr>
-              <a:buSzPct val="80000"/>
-              <a:buFont typeface="Wingdings 3" charset="2"/>
-              <a:buChar char=""/>
-              <a:defRPr sz="1600" kern="1200">
-                <a:solidFill>
-                  <a:schemeClr val="tx1">
-                    <a:lumMod val="75000"/>
-                    <a:lumOff val="25000"/>
-                  </a:schemeClr>
-                </a:solidFill>
-                <a:latin typeface="+mn-lt"/>
-                <a:ea typeface="+mn-ea"/>
-                <a:cs typeface="+mn-cs"/>
-              </a:defRPr>
-            </a:lvl2pPr>
-            <a:lvl3pPr marL="1143000" indent="-228600" algn="l" defTabSz="457200" rtl="0" eaLnBrk="1" latinLnBrk="0" hangingPunct="1">
-              <a:spcBef>
-                <a:spcPts val="1000"/>
-              </a:spcBef>
-              <a:spcAft>
-                <a:spcPts val="0"/>
-              </a:spcAft>
-              <a:buClr>
-                <a:schemeClr val="accent1"/>
-              </a:buClr>
-              <a:buSzPct val="80000"/>
-              <a:buFont typeface="Wingdings 3" charset="2"/>
-              <a:buChar char=""/>
-              <a:defRPr sz="1400" kern="1200">
-                <a:solidFill>
-                  <a:schemeClr val="tx1">
-                    <a:lumMod val="75000"/>
-                    <a:lumOff val="25000"/>
-                  </a:schemeClr>
-                </a:solidFill>
-                <a:latin typeface="+mn-lt"/>
-                <a:ea typeface="+mn-ea"/>
-                <a:cs typeface="+mn-cs"/>
-              </a:defRPr>
-            </a:lvl3pPr>
-            <a:lvl4pPr marL="1600200" indent="-228600" algn="l" defTabSz="457200" rtl="0" eaLnBrk="1" latinLnBrk="0" hangingPunct="1">
-              <a:spcBef>
-                <a:spcPts val="1000"/>
-              </a:spcBef>
-              <a:spcAft>
-                <a:spcPts val="0"/>
-              </a:spcAft>
-              <a:buClr>
-                <a:schemeClr val="accent1"/>
-              </a:buClr>
-              <a:buSzPct val="80000"/>
-              <a:buFont typeface="Wingdings 3" charset="2"/>
-              <a:buChar char=""/>
-              <a:defRPr sz="1200" kern="1200">
-                <a:solidFill>
-                  <a:schemeClr val="tx1">
-                    <a:lumMod val="75000"/>
-                    <a:lumOff val="25000"/>
-                  </a:schemeClr>
-                </a:solidFill>
-                <a:latin typeface="+mn-lt"/>
-                <a:ea typeface="+mn-ea"/>
-                <a:cs typeface="+mn-cs"/>
-              </a:defRPr>
-            </a:lvl4pPr>
-            <a:lvl5pPr marL="2057400" indent="-228600" algn="l" defTabSz="457200" rtl="0" eaLnBrk="1" latinLnBrk="0" hangingPunct="1">
-              <a:spcBef>
-                <a:spcPts val="1000"/>
-              </a:spcBef>
-              <a:spcAft>
-                <a:spcPts val="0"/>
-              </a:spcAft>
-              <a:buClr>
-                <a:schemeClr val="accent1"/>
-              </a:buClr>
-              <a:buSzPct val="80000"/>
-              <a:buFont typeface="Wingdings 3" charset="2"/>
-              <a:buChar char=""/>
-              <a:defRPr sz="1200" kern="1200">
-                <a:solidFill>
-                  <a:schemeClr val="tx1">
-                    <a:lumMod val="75000"/>
-                    <a:lumOff val="25000"/>
-                  </a:schemeClr>
-                </a:solidFill>
-                <a:latin typeface="+mn-lt"/>
-                <a:ea typeface="+mn-ea"/>
-                <a:cs typeface="+mn-cs"/>
-              </a:defRPr>
-            </a:lvl5pPr>
-            <a:lvl6pPr marL="2514600" indent="-228600" algn="l" defTabSz="457200" rtl="0" eaLnBrk="1" latinLnBrk="0" hangingPunct="1">
-              <a:spcBef>
-                <a:spcPts val="1000"/>
-              </a:spcBef>
-              <a:spcAft>
-                <a:spcPts val="0"/>
-              </a:spcAft>
-              <a:buClr>
-                <a:schemeClr val="accent1"/>
-              </a:buClr>
-              <a:buSzPct val="80000"/>
-              <a:buFont typeface="Wingdings 3" charset="2"/>
-              <a:buChar char=""/>
-              <a:defRPr sz="1200" kern="1200">
-                <a:solidFill>
-                  <a:schemeClr val="tx1">
-                    <a:lumMod val="75000"/>
-                    <a:lumOff val="25000"/>
-                  </a:schemeClr>
-                </a:solidFill>
-                <a:latin typeface="+mn-lt"/>
-                <a:ea typeface="+mn-ea"/>
-                <a:cs typeface="+mn-cs"/>
-              </a:defRPr>
-            </a:lvl6pPr>
-            <a:lvl7pPr marL="2971800" indent="-228600" algn="l" defTabSz="457200" rtl="0" eaLnBrk="1" latinLnBrk="0" hangingPunct="1">
-              <a:spcBef>
-                <a:spcPts val="1000"/>
-              </a:spcBef>
-              <a:spcAft>
-                <a:spcPts val="0"/>
-              </a:spcAft>
-              <a:buClr>
-                <a:schemeClr val="accent1"/>
-              </a:buClr>
-              <a:buSzPct val="80000"/>
-              <a:buFont typeface="Wingdings 3" charset="2"/>
-              <a:buChar char=""/>
-              <a:defRPr sz="1200" kern="1200">
-                <a:solidFill>
-                  <a:schemeClr val="tx1">
-                    <a:lumMod val="75000"/>
-                    <a:lumOff val="25000"/>
-                  </a:schemeClr>
-                </a:solidFill>
-                <a:latin typeface="+mn-lt"/>
-                <a:ea typeface="+mn-ea"/>
-                <a:cs typeface="+mn-cs"/>
-              </a:defRPr>
-            </a:lvl7pPr>
-            <a:lvl8pPr marL="3429000" indent="-228600" algn="l" defTabSz="457200" rtl="0" eaLnBrk="1" latinLnBrk="0" hangingPunct="1">
-              <a:spcBef>
-                <a:spcPts val="1000"/>
-              </a:spcBef>
-              <a:spcAft>
-                <a:spcPts val="0"/>
-              </a:spcAft>
-              <a:buClr>
-                <a:schemeClr val="accent1"/>
-              </a:buClr>
-              <a:buSzPct val="80000"/>
-              <a:buFont typeface="Wingdings 3" charset="2"/>
-              <a:buChar char=""/>
-              <a:defRPr sz="1200" kern="1200">
-                <a:solidFill>
-                  <a:schemeClr val="tx1">
-                    <a:lumMod val="75000"/>
-                    <a:lumOff val="25000"/>
-                  </a:schemeClr>
-                </a:solidFill>
-                <a:latin typeface="+mn-lt"/>
-                <a:ea typeface="+mn-ea"/>
-                <a:cs typeface="+mn-cs"/>
-              </a:defRPr>
-            </a:lvl8pPr>
-            <a:lvl9pPr marL="3886200" indent="-228600" algn="l" defTabSz="457200" rtl="0" eaLnBrk="1" latinLnBrk="0" hangingPunct="1">
-              <a:spcBef>
-                <a:spcPts val="1000"/>
-              </a:spcBef>
-              <a:spcAft>
-                <a:spcPts val="0"/>
-              </a:spcAft>
-              <a:buClr>
-                <a:schemeClr val="accent1"/>
-              </a:buClr>
-              <a:buSzPct val="80000"/>
-              <a:buFont typeface="Wingdings 3" charset="2"/>
-              <a:buChar char=""/>
-              <a:defRPr sz="1200" kern="1200">
-                <a:solidFill>
-                  <a:schemeClr val="tx1">
-                    <a:lumMod val="75000"/>
-                    <a:lumOff val="25000"/>
-                  </a:schemeClr>
-                </a:solidFill>
-                <a:latin typeface="+mn-lt"/>
-                <a:ea typeface="+mn-ea"/>
-                <a:cs typeface="+mn-cs"/>
-              </a:defRPr>
-            </a:lvl9pPr>
-          </a:lstStyle>
-          <a:p>
-            <a:r>
-              <a:rPr lang="ru-RU" dirty="0" smtClean="0"/>
-              <a:t>Кандидат физико-математических наук</a:t>
-            </a:r>
-          </a:p>
-          <a:p>
-            <a:r>
-              <a:rPr lang="ru-RU" dirty="0" smtClean="0"/>
-              <a:t>Бычков Павел Владимирович	</a:t>
-            </a:r>
-            <a:endParaRPr lang="ru-RU" dirty="0"/>
+          <a:lstStyle/>
+          <a:p>
+            <a:r>
+              <a:rPr lang="ru-RU" dirty="0"/>
+              <a:t>Электронная коммерция сегодня является неотъемлемой частью ведения бизнеса во всем мире.</a:t>
+            </a:r>
+          </a:p>
+          <a:p>
+            <a:r>
+              <a:rPr lang="ru-RU" dirty="0"/>
+              <a:t>На данный момент в Русскоязычном сегменте очень сложно найти услуги по переписыванию конспекта. Эта услуга востребована у студентов и учащихся старших классов в школах</a:t>
+            </a:r>
+          </a:p>
+          <a:p>
+            <a:r>
+              <a:rPr lang="ru-RU" dirty="0"/>
+              <a:t>Разработанный сервис является самостоятельным коммерческим проектом</a:t>
+            </a:r>
+          </a:p>
+          <a:p>
+            <a:r>
+              <a:rPr lang="ru-RU" dirty="0"/>
+              <a:t>Разработанный сервис является лишь одним из частных случаев применения технологии </a:t>
+            </a:r>
+            <a:r>
+              <a:rPr lang="ru-RU"/>
+              <a:t>генерации псевдо рукописного </a:t>
+            </a:r>
+            <a:r>
+              <a:rPr lang="ru-RU" dirty="0"/>
+              <a:t>текста</a:t>
+            </a:r>
+          </a:p>
+        </p:txBody>
+      </p:sp>
+      <p:sp>
+        <p:nvSpPr>
+          <p:cNvPr id="4" name="Номер слайда 3">
+            <a:extLst>
+              <a:ext uri="{FF2B5EF4-FFF2-40B4-BE49-F238E27FC236}">
+                <a16:creationId xmlns:a16="http://schemas.microsoft.com/office/drawing/2014/main" id="{CB2BE718-5A55-485C-BD34-1F5A8261985F}"/>
+              </a:ext>
+            </a:extLst>
+          </p:cNvPr>
+          <p:cNvSpPr>
+            <a:spLocks noGrp="1"/>
+          </p:cNvSpPr>
+          <p:nvPr>
+            <p:ph type="sldNum" sz="quarter" idx="12"/>
+          </p:nvPr>
+        </p:nvSpPr>
+        <p:spPr/>
+        <p:txBody>
+          <a:bodyPr/>
+          <a:lstStyle/>
+          <a:p>
+            <a:fld id="{8DA706F1-3276-4C1F-A616-7B80CA84F4EA}" type="slidenum">
+              <a:rPr lang="ru-RU" sz="1400" smtClean="0">
+                <a:solidFill>
+                  <a:schemeClr val="tx1"/>
+                </a:solidFill>
+              </a:rPr>
+              <a:t>2</a:t>
+            </a:fld>
+            <a:endParaRPr lang="ru-RU" sz="1400" dirty="0">
+              <a:solidFill>
+                <a:schemeClr val="tx1"/>
+              </a:solidFill>
+            </a:endParaRPr>
           </a:p>
         </p:txBody>
       </p:sp>
     </p:spTree>
     <p:extLst>
       <p:ext uri="{BB962C8B-B14F-4D97-AF65-F5344CB8AC3E}">
-        <p14:creationId xmlns:p14="http://schemas.microsoft.com/office/powerpoint/2010/main" val="2339470037"/>
+        <p14:creationId xmlns:p14="http://schemas.microsoft.com/office/powerpoint/2010/main" val="2566076621"/>
       </p:ext>
     </p:extLst>
   </p:cSld>
@@ -7138,53 +6723,91 @@
             <p:ph type="title"/>
           </p:nvPr>
         </p:nvSpPr>
+        <p:spPr>
+          <a:xfrm>
+            <a:off x="69669" y="0"/>
+            <a:ext cx="9204333" cy="1930400"/>
+          </a:xfrm>
+        </p:spPr>
+        <p:txBody>
+          <a:bodyPr/>
+          <a:lstStyle/>
+          <a:p>
+            <a:pPr algn="ctr"/>
+            <a:r>
+              <a:rPr lang="ru-RU" dirty="0"/>
+              <a:t>Диаграмма взаимодействий пользователя с системой</a:t>
+            </a:r>
+          </a:p>
+        </p:txBody>
+      </p:sp>
+      <p:pic>
+        <p:nvPicPr>
+          <p:cNvPr id="4" name="Объект 3"/>
+          <p:cNvPicPr>
+            <a:picLocks noGrp="1"/>
+          </p:cNvPicPr>
+          <p:nvPr>
+            <p:ph idx="1"/>
+          </p:nvPr>
+        </p:nvPicPr>
+        <p:blipFill>
+          <a:blip r:embed="rId2"/>
+          <a:stretch>
+            <a:fillRect/>
+          </a:stretch>
+        </p:blipFill>
+        <p:spPr>
+          <a:xfrm>
+            <a:off x="2569029" y="1166949"/>
+            <a:ext cx="4963885" cy="5691052"/>
+          </a:xfrm>
+          <a:prstGeom prst="rect">
+            <a:avLst/>
+          </a:prstGeom>
+        </p:spPr>
+      </p:pic>
+      <p:sp>
+        <p:nvSpPr>
+          <p:cNvPr id="3" name="Номер слайда 2">
+            <a:extLst>
+              <a:ext uri="{FF2B5EF4-FFF2-40B4-BE49-F238E27FC236}">
+                <a16:creationId xmlns:a16="http://schemas.microsoft.com/office/drawing/2014/main" id="{47713153-5C57-46F3-8057-89C57B13BACA}"/>
+              </a:ext>
+            </a:extLst>
+          </p:cNvPr>
+          <p:cNvSpPr>
+            <a:spLocks noGrp="1"/>
+          </p:cNvSpPr>
+          <p:nvPr>
+            <p:ph type="sldNum" sz="quarter" idx="12"/>
+          </p:nvPr>
+        </p:nvSpPr>
         <p:spPr/>
         <p:txBody>
           <a:bodyPr/>
           <a:lstStyle/>
           <a:p>
-            <a:r>
-              <a:rPr lang="ru-RU" dirty="0" smtClean="0"/>
-              <a:t>Актуальность</a:t>
-            </a:r>
-            <a:endParaRPr lang="ru-RU" dirty="0"/>
-          </a:p>
-        </p:txBody>
-      </p:sp>
-      <p:sp>
-        <p:nvSpPr>
-          <p:cNvPr id="3" name="Объект 2"/>
-          <p:cNvSpPr>
-            <a:spLocks noGrp="1"/>
-          </p:cNvSpPr>
-          <p:nvPr>
-            <p:ph idx="1"/>
-          </p:nvPr>
-        </p:nvSpPr>
-        <p:spPr/>
-        <p:txBody>
-          <a:bodyPr>
-            <a:normAutofit fontScale="92500" lnSpcReduction="10000"/>
-          </a:bodyPr>
-          <a:lstStyle/>
-          <a:p>
-            <a:r>
-              <a:rPr lang="ru-RU" dirty="0"/>
-              <a:t>Электронная коммерция сегодня является неотъемлемой частью ведения бизнеса во всем мире. Развитие интернета дало возможность осуществлять платежи по всему миру удаленно. Это объясняет то, что все компании сейчас серьезно относятся как разработке веб-сайтов с интернет-магазинами и различными платными сервисами. Далеко не всегда для получения прибыли необходимо поставлять пользователю физический товар. Все большее количество компаний становятся успешными за счёт предоставления услуг посредством сети интернет.</a:t>
-            </a:r>
-          </a:p>
-          <a:p>
-            <a:r>
-              <a:rPr lang="ru-RU" dirty="0"/>
-              <a:t>Специализированные платформы могут быть использованы для проведения торговых операций. Разработка сайта электронной коммерции напрямую связана с разработкой таких платформ. Для их разработки нужны Бизнес-аналитики для того, чтобы спроектировать по настоящему востребованный продукт, высококвалифицированные разработчики для того, чтобы обеспечить сайту функциональность, надежность и безопасность, и веб-дизайнеры для создания привлекательного интерфейса.</a:t>
-            </a:r>
+            <a:fld id="{8DA706F1-3276-4C1F-A616-7B80CA84F4EA}" type="slidenum">
+              <a:rPr lang="ru-RU" sz="1400" smtClean="0">
+                <a:solidFill>
+                  <a:schemeClr val="tx1"/>
+                </a:solidFill>
+              </a:rPr>
+              <a:t>3</a:t>
+            </a:fld>
+            <a:endParaRPr lang="ru-RU" sz="1400" dirty="0">
+              <a:solidFill>
+                <a:schemeClr val="tx1"/>
+              </a:solidFill>
+            </a:endParaRPr>
           </a:p>
         </p:txBody>
       </p:sp>
     </p:spTree>
     <p:extLst>
       <p:ext uri="{BB962C8B-B14F-4D97-AF65-F5344CB8AC3E}">
-        <p14:creationId xmlns:p14="http://schemas.microsoft.com/office/powerpoint/2010/main" val="2566076621"/>
+        <p14:creationId xmlns:p14="http://schemas.microsoft.com/office/powerpoint/2010/main" val="3347148356"/>
       </p:ext>
     </p:extLst>
   </p:cSld>
@@ -7221,101 +6844,15 @@
             <p:ph type="title"/>
           </p:nvPr>
         </p:nvSpPr>
-        <p:spPr>
-          <a:xfrm>
-            <a:off x="69669" y="0"/>
-            <a:ext cx="9204333" cy="1930400"/>
-          </a:xfrm>
-        </p:spPr>
+        <p:spPr/>
         <p:txBody>
           <a:bodyPr/>
           <a:lstStyle/>
           <a:p>
-            <a:pPr algn="ctr"/>
-            <a:r>
-              <a:rPr lang="ru-RU" dirty="0" smtClean="0"/>
-              <a:t>Диаграмма взаимодействий пользователя с системой</a:t>
-            </a:r>
-            <a:endParaRPr lang="ru-RU" dirty="0"/>
-          </a:p>
-        </p:txBody>
-      </p:sp>
-      <p:pic>
-        <p:nvPicPr>
-          <p:cNvPr id="4" name="Объект 3"/>
-          <p:cNvPicPr>
-            <a:picLocks noGrp="1"/>
-          </p:cNvPicPr>
-          <p:nvPr>
-            <p:ph idx="1"/>
-          </p:nvPr>
-        </p:nvPicPr>
-        <p:blipFill>
-          <a:blip r:embed="rId2"/>
-          <a:stretch>
-            <a:fillRect/>
-          </a:stretch>
-        </p:blipFill>
-        <p:spPr>
-          <a:xfrm>
-            <a:off x="2569029" y="1166949"/>
-            <a:ext cx="4963885" cy="5691052"/>
-          </a:xfrm>
-          <a:prstGeom prst="rect">
-            <a:avLst/>
-          </a:prstGeom>
-        </p:spPr>
-      </p:pic>
-    </p:spTree>
-    <p:extLst>
-      <p:ext uri="{BB962C8B-B14F-4D97-AF65-F5344CB8AC3E}">
-        <p14:creationId xmlns:p14="http://schemas.microsoft.com/office/powerpoint/2010/main" val="3347148356"/>
-      </p:ext>
-    </p:extLst>
-  </p:cSld>
-  <p:clrMapOvr>
-    <a:masterClrMapping/>
-  </p:clrMapOvr>
-</p:sld>
-</file>
-
-<file path=ppt/slides/slide5.xml><?xml version="1.0" encoding="utf-8"?>
-<p:sld xmlns:a="http://schemas.openxmlformats.org/drawingml/2006/main" xmlns:r="http://schemas.openxmlformats.org/officeDocument/2006/relationships" xmlns:p="http://schemas.openxmlformats.org/presentationml/2006/main">
-  <p:cSld>
-    <p:spTree>
-      <p:nvGrpSpPr>
-        <p:cNvPr id="1" name=""/>
-        <p:cNvGrpSpPr/>
-        <p:nvPr/>
-      </p:nvGrpSpPr>
-      <p:grpSpPr>
-        <a:xfrm>
-          <a:off x="0" y="0"/>
-          <a:ext cx="0" cy="0"/>
-          <a:chOff x="0" y="0"/>
-          <a:chExt cx="0" cy="0"/>
-        </a:xfrm>
-      </p:grpSpPr>
-      <p:sp>
-        <p:nvSpPr>
-          <p:cNvPr id="2" name="Заголовок 1"/>
-          <p:cNvSpPr>
-            <a:spLocks noGrp="1"/>
-          </p:cNvSpPr>
-          <p:nvPr>
-            <p:ph type="title"/>
-          </p:nvPr>
-        </p:nvSpPr>
-        <p:spPr/>
-        <p:txBody>
-          <a:bodyPr/>
-          <a:lstStyle/>
-          <a:p>
-            <a:r>
-              <a:rPr lang="ru-RU" dirty="0" smtClean="0"/>
+            <a:r>
+              <a:rPr lang="ru-RU" dirty="0"/>
               <a:t>Использованные технологии</a:t>
             </a:r>
-            <a:endParaRPr lang="ru-RU" dirty="0"/>
           </a:p>
         </p:txBody>
       </p:sp>
@@ -7385,7 +6922,7 @@
         </p:blipFill>
         <p:spPr bwMode="auto">
           <a:xfrm>
-            <a:off x="677334" y="2792821"/>
+            <a:off x="677334" y="1187450"/>
             <a:ext cx="2857500" cy="1485900"/>
           </a:xfrm>
           <a:prstGeom prst="rect">
@@ -7426,7 +6963,7 @@
         </p:blipFill>
         <p:spPr bwMode="auto">
           <a:xfrm>
-            <a:off x="3813175" y="1337400"/>
+            <a:off x="1653919" y="2891745"/>
             <a:ext cx="5715000" cy="1714500"/>
           </a:xfrm>
           <a:prstGeom prst="rect">
@@ -7467,7 +7004,7 @@
         </p:blipFill>
         <p:spPr bwMode="auto">
           <a:xfrm>
-            <a:off x="3813175" y="2792821"/>
+            <a:off x="4511419" y="1481745"/>
             <a:ext cx="3169161" cy="1191605"/>
           </a:xfrm>
           <a:prstGeom prst="rect">
@@ -7547,7 +7084,7 @@
         </p:blipFill>
         <p:spPr bwMode="auto">
           <a:xfrm>
-            <a:off x="4079393" y="4333980"/>
+            <a:off x="4071936" y="4361842"/>
             <a:ext cx="4048125" cy="2028826"/>
           </a:xfrm>
           <a:prstGeom prst="rect">
@@ -7565,10 +7102,167 @@
           </a:extLst>
         </p:spPr>
       </p:pic>
+      <p:sp>
+        <p:nvSpPr>
+          <p:cNvPr id="3" name="Номер слайда 2">
+            <a:extLst>
+              <a:ext uri="{FF2B5EF4-FFF2-40B4-BE49-F238E27FC236}">
+                <a16:creationId xmlns:a16="http://schemas.microsoft.com/office/drawing/2014/main" id="{CF01ED64-13EE-4D68-893C-968A1B4966D3}"/>
+              </a:ext>
+            </a:extLst>
+          </p:cNvPr>
+          <p:cNvSpPr>
+            <a:spLocks noGrp="1"/>
+          </p:cNvSpPr>
+          <p:nvPr>
+            <p:ph type="sldNum" sz="quarter" idx="12"/>
+          </p:nvPr>
+        </p:nvSpPr>
+        <p:spPr/>
+        <p:txBody>
+          <a:bodyPr/>
+          <a:lstStyle/>
+          <a:p>
+            <a:fld id="{8DA706F1-3276-4C1F-A616-7B80CA84F4EA}" type="slidenum">
+              <a:rPr lang="ru-RU" sz="1400" smtClean="0">
+                <a:solidFill>
+                  <a:schemeClr val="tx1"/>
+                </a:solidFill>
+              </a:rPr>
+              <a:t>4</a:t>
+            </a:fld>
+            <a:endParaRPr lang="ru-RU" sz="1400" dirty="0">
+              <a:solidFill>
+                <a:schemeClr val="tx1"/>
+              </a:solidFill>
+            </a:endParaRPr>
+          </a:p>
+        </p:txBody>
+      </p:sp>
     </p:spTree>
     <p:extLst>
       <p:ext uri="{BB962C8B-B14F-4D97-AF65-F5344CB8AC3E}">
         <p14:creationId xmlns:p14="http://schemas.microsoft.com/office/powerpoint/2010/main" val="2660150154"/>
+      </p:ext>
+    </p:extLst>
+  </p:cSld>
+  <p:clrMapOvr>
+    <a:masterClrMapping/>
+  </p:clrMapOvr>
+</p:sld>
+</file>
+
+<file path=ppt/slides/slide5.xml><?xml version="1.0" encoding="utf-8"?>
+<p:sld xmlns:a="http://schemas.openxmlformats.org/drawingml/2006/main" xmlns:r="http://schemas.openxmlformats.org/officeDocument/2006/relationships" xmlns:p="http://schemas.openxmlformats.org/presentationml/2006/main">
+  <p:cSld>
+    <p:spTree>
+      <p:nvGrpSpPr>
+        <p:cNvPr id="1" name=""/>
+        <p:cNvGrpSpPr/>
+        <p:nvPr/>
+      </p:nvGrpSpPr>
+      <p:grpSpPr>
+        <a:xfrm>
+          <a:off x="0" y="0"/>
+          <a:ext cx="0" cy="0"/>
+          <a:chOff x="0" y="0"/>
+          <a:chExt cx="0" cy="0"/>
+        </a:xfrm>
+      </p:grpSpPr>
+      <p:sp>
+        <p:nvSpPr>
+          <p:cNvPr id="2" name="Заголовок 1"/>
+          <p:cNvSpPr>
+            <a:spLocks noGrp="1"/>
+          </p:cNvSpPr>
+          <p:nvPr>
+            <p:ph type="title"/>
+          </p:nvPr>
+        </p:nvSpPr>
+        <p:spPr>
+          <a:xfrm>
+            <a:off x="790545" y="191589"/>
+            <a:ext cx="8596668" cy="1320800"/>
+          </a:xfrm>
+        </p:spPr>
+        <p:txBody>
+          <a:bodyPr/>
+          <a:lstStyle/>
+          <a:p>
+            <a:r>
+              <a:rPr lang="ru-RU" dirty="0"/>
+              <a:t>Главная страница приложения</a:t>
+            </a:r>
+          </a:p>
+        </p:txBody>
+      </p:sp>
+      <p:pic>
+        <p:nvPicPr>
+          <p:cNvPr id="4" name="Объект 3"/>
+          <p:cNvPicPr>
+            <a:picLocks noGrp="1"/>
+          </p:cNvPicPr>
+          <p:nvPr>
+            <p:ph idx="1"/>
+          </p:nvPr>
+        </p:nvPicPr>
+        <p:blipFill>
+          <a:blip r:embed="rId2"/>
+          <a:stretch>
+            <a:fillRect/>
+          </a:stretch>
+        </p:blipFill>
+        <p:spPr>
+          <a:xfrm>
+            <a:off x="1436914" y="888274"/>
+            <a:ext cx="6383383" cy="5969726"/>
+          </a:xfrm>
+          <a:prstGeom prst="rect">
+            <a:avLst/>
+          </a:prstGeom>
+        </p:spPr>
+      </p:pic>
+      <p:sp>
+        <p:nvSpPr>
+          <p:cNvPr id="3" name="Номер слайда 2">
+            <a:extLst>
+              <a:ext uri="{FF2B5EF4-FFF2-40B4-BE49-F238E27FC236}">
+                <a16:creationId xmlns:a16="http://schemas.microsoft.com/office/drawing/2014/main" id="{A9314470-252F-44D1-BBFA-EE26378032A8}"/>
+              </a:ext>
+            </a:extLst>
+          </p:cNvPr>
+          <p:cNvSpPr>
+            <a:spLocks noGrp="1"/>
+          </p:cNvSpPr>
+          <p:nvPr>
+            <p:ph type="sldNum" sz="quarter" idx="12"/>
+          </p:nvPr>
+        </p:nvSpPr>
+        <p:spPr/>
+        <p:txBody>
+          <a:bodyPr/>
+          <a:lstStyle/>
+          <a:p>
+            <a:fld id="{8DA706F1-3276-4C1F-A616-7B80CA84F4EA}" type="slidenum">
+              <a:rPr lang="ru-RU" sz="1400" smtClean="0">
+                <a:solidFill>
+                  <a:schemeClr val="tx1"/>
+                </a:solidFill>
+              </a:rPr>
+              <a:t>5</a:t>
+            </a:fld>
+            <a:endParaRPr lang="ru-RU" sz="1400" dirty="0">
+              <a:solidFill>
+                <a:schemeClr val="tx1"/>
+              </a:solidFill>
+            </a:endParaRPr>
+          </a:p>
+        </p:txBody>
+      </p:sp>
+    </p:spTree>
+    <p:extLst>
+      <p:ext uri="{BB962C8B-B14F-4D97-AF65-F5344CB8AC3E}">
+        <p14:creationId xmlns:p14="http://schemas.microsoft.com/office/powerpoint/2010/main" val="1224691438"/>
       </p:ext>
     </p:extLst>
   </p:cSld>
@@ -7605,21 +7299,15 @@
             <p:ph type="title"/>
           </p:nvPr>
         </p:nvSpPr>
-        <p:spPr>
-          <a:xfrm>
-            <a:off x="790545" y="191589"/>
-            <a:ext cx="8596668" cy="1320800"/>
-          </a:xfrm>
-        </p:spPr>
+        <p:spPr/>
         <p:txBody>
           <a:bodyPr/>
           <a:lstStyle/>
           <a:p>
             <a:r>
-              <a:rPr lang="ru-RU" dirty="0" smtClean="0"/>
-              <a:t>Главная страница приложения</a:t>
-            </a:r>
-            <a:endParaRPr lang="ru-RU" dirty="0"/>
+              <a:rPr lang="ru-RU" dirty="0"/>
+              <a:t>Страница управления сервисом </a:t>
+            </a:r>
           </a:p>
         </p:txBody>
       </p:sp>
@@ -7641,18 +7329,55 @@
         </p:blipFill>
         <p:spPr>
           <a:xfrm>
-            <a:off x="1436914" y="888274"/>
-            <a:ext cx="6383383" cy="5969726"/>
+            <a:off x="1480457" y="1332412"/>
+            <a:ext cx="6749143" cy="5251268"/>
           </a:xfrm>
           <a:prstGeom prst="rect">
             <a:avLst/>
           </a:prstGeom>
         </p:spPr>
       </p:pic>
+      <p:sp>
+        <p:nvSpPr>
+          <p:cNvPr id="3" name="Номер слайда 2">
+            <a:extLst>
+              <a:ext uri="{FF2B5EF4-FFF2-40B4-BE49-F238E27FC236}">
+                <a16:creationId xmlns:a16="http://schemas.microsoft.com/office/drawing/2014/main" id="{3D9C9E43-FDE0-4B76-BC1E-6D510BCB1004}"/>
+              </a:ext>
+            </a:extLst>
+          </p:cNvPr>
+          <p:cNvSpPr>
+            <a:spLocks noGrp="1"/>
+          </p:cNvSpPr>
+          <p:nvPr>
+            <p:ph type="sldNum" sz="quarter" idx="12"/>
+          </p:nvPr>
+        </p:nvSpPr>
+        <p:spPr/>
+        <p:txBody>
+          <a:bodyPr/>
+          <a:lstStyle/>
+          <a:p>
+            <a:fld id="{8DA706F1-3276-4C1F-A616-7B80CA84F4EA}" type="slidenum">
+              <a:rPr lang="ru-RU" sz="1400" smtClean="0">
+                <a:solidFill>
+                  <a:schemeClr val="tx1"/>
+                </a:solidFill>
+              </a:rPr>
+              <a:t>6</a:t>
+            </a:fld>
+            <a:endParaRPr lang="ru-RU" sz="1400" dirty="0">
+              <a:solidFill>
+                <a:schemeClr val="tx1"/>
+              </a:solidFill>
+            </a:endParaRPr>
+          </a:p>
+        </p:txBody>
+      </p:sp>
     </p:spTree>
     <p:extLst>
       <p:ext uri="{BB962C8B-B14F-4D97-AF65-F5344CB8AC3E}">
-        <p14:creationId xmlns:p14="http://schemas.microsoft.com/office/powerpoint/2010/main" val="1224691438"/>
+        <p14:creationId xmlns:p14="http://schemas.microsoft.com/office/powerpoint/2010/main" val="906072479"/>
       </p:ext>
     </p:extLst>
   </p:cSld>
@@ -7689,16 +7414,20 @@
             <p:ph type="title"/>
           </p:nvPr>
         </p:nvSpPr>
-        <p:spPr/>
+        <p:spPr>
+          <a:xfrm>
+            <a:off x="-69669" y="243841"/>
+            <a:ext cx="9727474" cy="1715588"/>
+          </a:xfrm>
+        </p:spPr>
         <p:txBody>
           <a:bodyPr/>
           <a:lstStyle/>
           <a:p>
             <a:r>
-              <a:rPr lang="ru-RU" dirty="0" smtClean="0"/>
-              <a:t>Страница управления сервисом </a:t>
-            </a:r>
-            <a:endParaRPr lang="ru-RU" dirty="0"/>
+              <a:rPr lang="ru-RU" dirty="0"/>
+              <a:t>Пример страницы при печати в формате А5</a:t>
+            </a:r>
           </a:p>
         </p:txBody>
       </p:sp>
@@ -7720,18 +7449,60 @@
         </p:blipFill>
         <p:spPr>
           <a:xfrm>
-            <a:off x="1480457" y="1332412"/>
-            <a:ext cx="6749143" cy="5251268"/>
+            <a:off x="183761" y="895385"/>
+            <a:ext cx="8908868" cy="5808617"/>
           </a:xfrm>
           <a:prstGeom prst="rect">
             <a:avLst/>
           </a:prstGeom>
         </p:spPr>
       </p:pic>
+      <p:sp>
+        <p:nvSpPr>
+          <p:cNvPr id="3" name="Номер слайда 2">
+            <a:extLst>
+              <a:ext uri="{FF2B5EF4-FFF2-40B4-BE49-F238E27FC236}">
+                <a16:creationId xmlns:a16="http://schemas.microsoft.com/office/drawing/2014/main" id="{A55904EC-8CCE-43FB-AA36-02EF18EE7F12}"/>
+              </a:ext>
+            </a:extLst>
+          </p:cNvPr>
+          <p:cNvSpPr>
+            <a:spLocks noGrp="1"/>
+          </p:cNvSpPr>
+          <p:nvPr>
+            <p:ph type="sldNum" sz="quarter" idx="12"/>
+          </p:nvPr>
+        </p:nvSpPr>
+        <p:spPr>
+          <a:xfrm>
+            <a:off x="8750959" y="6116863"/>
+            <a:ext cx="683339" cy="365125"/>
+          </a:xfrm>
+        </p:spPr>
+        <p:txBody>
+          <a:bodyPr/>
+          <a:lstStyle/>
+          <a:p>
+            <a:fld id="{8DA706F1-3276-4C1F-A616-7B80CA84F4EA}" type="slidenum">
+              <a:rPr lang="ru-RU" sz="1400" smtClean="0">
+                <a:solidFill>
+                  <a:schemeClr val="tx1"/>
+                </a:solidFill>
+              </a:rPr>
+              <a:t>7</a:t>
+            </a:fld>
+            <a:endParaRPr lang="ru-RU" sz="1400" dirty="0">
+              <a:solidFill>
+                <a:schemeClr val="tx1"/>
+              </a:solidFill>
+            </a:endParaRPr>
+          </a:p>
+        </p:txBody>
+      </p:sp>
     </p:spTree>
     <p:extLst>
       <p:ext uri="{BB962C8B-B14F-4D97-AF65-F5344CB8AC3E}">
-        <p14:creationId xmlns:p14="http://schemas.microsoft.com/office/powerpoint/2010/main" val="906072479"/>
+        <p14:creationId xmlns:p14="http://schemas.microsoft.com/office/powerpoint/2010/main" val="2999270707"/>
       </p:ext>
     </p:extLst>
   </p:cSld>
@@ -7779,22 +7550,36 @@
           <a:lstStyle/>
           <a:p>
             <a:r>
-              <a:rPr lang="ru-RU" dirty="0" smtClean="0"/>
-              <a:t>Пример страницы при печати в формате А5</a:t>
-            </a:r>
+              <a:rPr lang="ru-RU" dirty="0"/>
+              <a:t>Пример страницы при печати в формате А4</a:t>
+            </a:r>
+          </a:p>
+        </p:txBody>
+      </p:sp>
+      <p:sp>
+        <p:nvSpPr>
+          <p:cNvPr id="3" name="Объект 2"/>
+          <p:cNvSpPr>
+            <a:spLocks noGrp="1"/>
+          </p:cNvSpPr>
+          <p:nvPr>
+            <p:ph idx="1"/>
+          </p:nvPr>
+        </p:nvSpPr>
+        <p:spPr/>
+        <p:txBody>
+          <a:bodyPr/>
+          <a:lstStyle/>
+          <a:p>
             <a:endParaRPr lang="ru-RU" dirty="0"/>
           </a:p>
         </p:txBody>
       </p:sp>
       <p:pic>
         <p:nvPicPr>
-          <p:cNvPr id="4" name="Объект 3"/>
-          <p:cNvPicPr>
-            <a:picLocks noGrp="1"/>
-          </p:cNvPicPr>
-          <p:nvPr>
-            <p:ph idx="1"/>
-          </p:nvPr>
+          <p:cNvPr id="6" name="Рисунок 5"/>
+          <p:cNvPicPr/>
+          <p:nvPr/>
         </p:nvPicPr>
         <p:blipFill>
           <a:blip r:embed="rId2"/>
@@ -7804,18 +7589,55 @@
         </p:blipFill>
         <p:spPr>
           <a:xfrm>
-            <a:off x="435430" y="853440"/>
-            <a:ext cx="8908868" cy="5808617"/>
+            <a:off x="2760617" y="1114697"/>
+            <a:ext cx="4554583" cy="5743303"/>
           </a:xfrm>
           <a:prstGeom prst="rect">
             <a:avLst/>
           </a:prstGeom>
         </p:spPr>
       </p:pic>
+      <p:sp>
+        <p:nvSpPr>
+          <p:cNvPr id="4" name="Номер слайда 3">
+            <a:extLst>
+              <a:ext uri="{FF2B5EF4-FFF2-40B4-BE49-F238E27FC236}">
+                <a16:creationId xmlns:a16="http://schemas.microsoft.com/office/drawing/2014/main" id="{7A1456E3-11F1-4396-81C8-FB64F6D63980}"/>
+              </a:ext>
+            </a:extLst>
+          </p:cNvPr>
+          <p:cNvSpPr>
+            <a:spLocks noGrp="1"/>
+          </p:cNvSpPr>
+          <p:nvPr>
+            <p:ph type="sldNum" sz="quarter" idx="12"/>
+          </p:nvPr>
+        </p:nvSpPr>
+        <p:spPr/>
+        <p:txBody>
+          <a:bodyPr/>
+          <a:lstStyle/>
+          <a:p>
+            <a:fld id="{8DA706F1-3276-4C1F-A616-7B80CA84F4EA}" type="slidenum">
+              <a:rPr lang="ru-RU" sz="1400" smtClean="0">
+                <a:solidFill>
+                  <a:schemeClr val="tx1"/>
+                </a:solidFill>
+              </a:rPr>
+              <a:t>8</a:t>
+            </a:fld>
+            <a:endParaRPr lang="ru-RU" sz="1400" dirty="0">
+              <a:solidFill>
+                <a:schemeClr val="tx1"/>
+              </a:solidFill>
+            </a:endParaRPr>
+          </a:p>
+        </p:txBody>
+      </p:sp>
     </p:spTree>
     <p:extLst>
       <p:ext uri="{BB962C8B-B14F-4D97-AF65-F5344CB8AC3E}">
-        <p14:creationId xmlns:p14="http://schemas.microsoft.com/office/powerpoint/2010/main" val="2999270707"/>
+        <p14:creationId xmlns:p14="http://schemas.microsoft.com/office/powerpoint/2010/main" val="3855386283"/>
       </p:ext>
     </p:extLst>
   </p:cSld>
@@ -7852,21 +7674,15 @@
             <p:ph type="title"/>
           </p:nvPr>
         </p:nvSpPr>
-        <p:spPr>
-          <a:xfrm>
-            <a:off x="-69669" y="243841"/>
-            <a:ext cx="9727474" cy="1715588"/>
-          </a:xfrm>
-        </p:spPr>
+        <p:spPr/>
         <p:txBody>
           <a:bodyPr/>
           <a:lstStyle/>
           <a:p>
             <a:r>
-              <a:rPr lang="ru-RU" dirty="0" smtClean="0"/>
-              <a:t>Пример страницы при печати в формате А4</a:t>
-            </a:r>
-            <a:endParaRPr lang="ru-RU" dirty="0"/>
+              <a:rPr lang="ru-RU" dirty="0"/>
+              <a:t>Публикации дипломной работы</a:t>
+            </a:r>
           </a:p>
         </p:txBody>
       </p:sp>
@@ -7885,36 +7701,73 @@
           <a:bodyPr/>
           <a:lstStyle/>
           <a:p>
-            <a:endParaRPr lang="ru-RU" dirty="0"/>
-          </a:p>
-        </p:txBody>
-      </p:sp>
-      <p:pic>
-        <p:nvPicPr>
-          <p:cNvPr id="6" name="Рисунок 5"/>
-          <p:cNvPicPr/>
-          <p:nvPr/>
-        </p:nvPicPr>
-        <p:blipFill>
-          <a:blip r:embed="rId2"/>
-          <a:stretch>
-            <a:fillRect/>
-          </a:stretch>
-        </p:blipFill>
-        <p:spPr>
-          <a:xfrm>
-            <a:off x="2760617" y="1114697"/>
-            <a:ext cx="4554583" cy="5743303"/>
-          </a:xfrm>
-          <a:prstGeom prst="rect">
-            <a:avLst/>
-          </a:prstGeom>
-        </p:spPr>
-      </p:pic>
+            <a:r>
+              <a:rPr lang="ru-RU" dirty="0"/>
+              <a:t>VII Республиканская научная конференция студентов, магистрантов и аспирантов «Актуальные вопросы физики и техники»</a:t>
+            </a:r>
+            <a:endParaRPr lang="en-US" dirty="0"/>
+          </a:p>
+          <a:p>
+            <a:r>
+              <a:rPr lang="ru-RU" dirty="0"/>
+              <a:t>Молодежный научный форум «Молодые исследователи - Регионам»</a:t>
+            </a:r>
+          </a:p>
+          <a:p>
+            <a:r>
+              <a:rPr lang="ru-RU" dirty="0"/>
+              <a:t>XX Республиканская научная конференция студентов и аспирантов «Новые математические методы и компьютерные технологии в проектировании, производстве и научных исследованиях»</a:t>
+            </a:r>
+          </a:p>
+          <a:p>
+            <a:r>
+              <a:rPr lang="ru-RU" dirty="0"/>
+              <a:t>Республиканский конкурс «Предпринимательских идей» 2017г.</a:t>
+            </a:r>
+          </a:p>
+        </p:txBody>
+      </p:sp>
+      <p:sp>
+        <p:nvSpPr>
+          <p:cNvPr id="4" name="Номер слайда 3">
+            <a:extLst>
+              <a:ext uri="{FF2B5EF4-FFF2-40B4-BE49-F238E27FC236}">
+                <a16:creationId xmlns:a16="http://schemas.microsoft.com/office/drawing/2014/main" id="{DFDBAD2D-716E-40D8-8A23-F5EB39675C76}"/>
+              </a:ext>
+            </a:extLst>
+          </p:cNvPr>
+          <p:cNvSpPr>
+            <a:spLocks noGrp="1"/>
+          </p:cNvSpPr>
+          <p:nvPr>
+            <p:ph type="sldNum" sz="quarter" idx="12"/>
+          </p:nvPr>
+        </p:nvSpPr>
+        <p:spPr/>
+        <p:txBody>
+          <a:bodyPr/>
+          <a:lstStyle/>
+          <a:p>
+            <a:fld id="{8DA706F1-3276-4C1F-A616-7B80CA84F4EA}" type="slidenum">
+              <a:rPr lang="ru-RU" sz="1400" smtClean="0">
+                <a:solidFill>
+                  <a:schemeClr val="tx1"/>
+                </a:solidFill>
+              </a:rPr>
+              <a:t>9</a:t>
+            </a:fld>
+            <a:endParaRPr lang="ru-RU" sz="1400" dirty="0">
+              <a:solidFill>
+                <a:schemeClr val="tx1"/>
+              </a:solidFill>
+            </a:endParaRPr>
+          </a:p>
+        </p:txBody>
+      </p:sp>
     </p:spTree>
     <p:extLst>
       <p:ext uri="{BB962C8B-B14F-4D97-AF65-F5344CB8AC3E}">
-        <p14:creationId xmlns:p14="http://schemas.microsoft.com/office/powerpoint/2010/main" val="3855386283"/>
+        <p14:creationId xmlns:p14="http://schemas.microsoft.com/office/powerpoint/2010/main" val="2863474429"/>
       </p:ext>
     </p:extLst>
   </p:cSld>
@@ -7941,28 +7794,28 @@
         <a:srgbClr val="EBEBEB"/>
       </a:lt2>
       <a:accent1>
-        <a:srgbClr val="F496CB"/>
+        <a:srgbClr val="5FCBEF"/>
       </a:accent1>
       <a:accent2>
-        <a:srgbClr val="BC356F"/>
+        <a:srgbClr val="2E83C3"/>
       </a:accent2>
       <a:accent3>
-        <a:srgbClr val="E65331"/>
+        <a:srgbClr val="42D0A2"/>
       </a:accent3>
       <a:accent4>
-        <a:srgbClr val="F27E19"/>
+        <a:srgbClr val="2E946B"/>
       </a:accent4>
       <a:accent5>
-        <a:srgbClr val="F2AC19"/>
+        <a:srgbClr val="42B051"/>
       </a:accent5>
       <a:accent6>
-        <a:srgbClr val="BC80E0"/>
+        <a:srgbClr val="96D141"/>
       </a:accent6>
       <a:hlink>
-        <a:srgbClr val="EF5285"/>
+        <a:srgbClr val="3FCDE7"/>
       </a:hlink>
       <a:folHlink>
-        <a:srgbClr val="F77F90"/>
+        <a:srgbClr val="A9D3E1"/>
       </a:folHlink>
     </a:clrScheme>
     <a:fontScheme name="Аспект">
@@ -8175,7 +8028,302 @@
   <a:extraClrSchemeLst/>
   <a:extLst>
     <a:ext uri="{05A4C25C-085E-4340-85A3-A5531E510DB2}">
-      <thm15:themeFamily xmlns:thm15="http://schemas.microsoft.com/office/thememl/2012/main" name="Facet" id="{C0C680CD-088A-49FC-A102-D699147F32B2}" vid="{23659B44-6E34-4CE8-8F0D-387DA7996826}"/>
+      <thm15:themeFamily xmlns:thm15="http://schemas.microsoft.com/office/thememl/2012/main" name="Facet" id="{C0C680CD-088A-49FC-A102-D699147F32B2}" vid="{0B5AB586-D108-4FC1-8368-649FE654B894}"/>
+    </a:ext>
+  </a:extLst>
+</a:theme>
+</file>
+
+<file path=ppt/theme/theme2.xml><?xml version="1.0" encoding="utf-8"?>
+<a:theme xmlns:a="http://schemas.openxmlformats.org/drawingml/2006/main" name="Тема Office">
+  <a:themeElements>
+    <a:clrScheme name="Стандартная">
+      <a:dk1>
+        <a:sysClr val="windowText" lastClr="000000"/>
+      </a:dk1>
+      <a:lt1>
+        <a:sysClr val="window" lastClr="FFFFFF"/>
+      </a:lt1>
+      <a:dk2>
+        <a:srgbClr val="44546A"/>
+      </a:dk2>
+      <a:lt2>
+        <a:srgbClr val="E7E6E6"/>
+      </a:lt2>
+      <a:accent1>
+        <a:srgbClr val="4472C4"/>
+      </a:accent1>
+      <a:accent2>
+        <a:srgbClr val="ED7D31"/>
+      </a:accent2>
+      <a:accent3>
+        <a:srgbClr val="A5A5A5"/>
+      </a:accent3>
+      <a:accent4>
+        <a:srgbClr val="FFC000"/>
+      </a:accent4>
+      <a:accent5>
+        <a:srgbClr val="5B9BD5"/>
+      </a:accent5>
+      <a:accent6>
+        <a:srgbClr val="70AD47"/>
+      </a:accent6>
+      <a:hlink>
+        <a:srgbClr val="0563C1"/>
+      </a:hlink>
+      <a:folHlink>
+        <a:srgbClr val="954F72"/>
+      </a:folHlink>
+    </a:clrScheme>
+    <a:fontScheme name="Стандартная">
+      <a:majorFont>
+        <a:latin typeface="Calibri Light" panose="020F0302020204030204"/>
+        <a:ea typeface=""/>
+        <a:cs typeface=""/>
+        <a:font script="Jpan" typeface="游ゴシック Light"/>
+        <a:font script="Hang" typeface="맑은 고딕"/>
+        <a:font script="Hans" typeface="等线 Light"/>
+        <a:font script="Hant" typeface="新細明體"/>
+        <a:font script="Arab" typeface="Times New Roman"/>
+        <a:font script="Hebr" typeface="Times New Roman"/>
+        <a:font script="Thai" typeface="Angsana New"/>
+        <a:font script="Ethi" typeface="Nyala"/>
+        <a:font script="Beng" typeface="Vrinda"/>
+        <a:font script="Gujr" typeface="Shruti"/>
+        <a:font script="Khmr" typeface="MoolBoran"/>
+        <a:font script="Knda" typeface="Tunga"/>
+        <a:font script="Guru" typeface="Raavi"/>
+        <a:font script="Cans" typeface="Euphemia"/>
+        <a:font script="Cher" typeface="Plantagenet Cherokee"/>
+        <a:font script="Yiii" typeface="Microsoft Yi Baiti"/>
+        <a:font script="Tibt" typeface="Microsoft Himalaya"/>
+        <a:font script="Thaa" typeface="MV Boli"/>
+        <a:font script="Deva" typeface="Mangal"/>
+        <a:font script="Telu" typeface="Gautami"/>
+        <a:font script="Taml" typeface="Latha"/>
+        <a:font script="Syrc" typeface="Estrangelo Edessa"/>
+        <a:font script="Orya" typeface="Kalinga"/>
+        <a:font script="Mlym" typeface="Kartika"/>
+        <a:font script="Laoo" typeface="DokChampa"/>
+        <a:font script="Sinh" typeface="Iskoola Pota"/>
+        <a:font script="Mong" typeface="Mongolian Baiti"/>
+        <a:font script="Viet" typeface="Times New Roman"/>
+        <a:font script="Uigh" typeface="Microsoft Uighur"/>
+        <a:font script="Geor" typeface="Sylfaen"/>
+        <a:font script="Armn" typeface="Arial"/>
+        <a:font script="Bugi" typeface="Leelawadee UI"/>
+        <a:font script="Bopo" typeface="Microsoft JhengHei"/>
+        <a:font script="Java" typeface="Javanese Text"/>
+        <a:font script="Lisu" typeface="Segoe UI"/>
+        <a:font script="Mymr" typeface="Myanmar Text"/>
+        <a:font script="Nkoo" typeface="Ebrima"/>
+        <a:font script="Olck" typeface="Nirmala UI"/>
+        <a:font script="Osma" typeface="Ebrima"/>
+        <a:font script="Phag" typeface="Phagspa"/>
+        <a:font script="Syrn" typeface="Estrangelo Edessa"/>
+        <a:font script="Syrj" typeface="Estrangelo Edessa"/>
+        <a:font script="Syre" typeface="Estrangelo Edessa"/>
+        <a:font script="Sora" typeface="Nirmala UI"/>
+        <a:font script="Tale" typeface="Microsoft Tai Le"/>
+        <a:font script="Talu" typeface="Microsoft New Tai Lue"/>
+        <a:font script="Tfng" typeface="Ebrima"/>
+      </a:majorFont>
+      <a:minorFont>
+        <a:latin typeface="Calibri" panose="020F0502020204030204"/>
+        <a:ea typeface=""/>
+        <a:cs typeface=""/>
+        <a:font script="Jpan" typeface="游ゴシック"/>
+        <a:font script="Hang" typeface="맑은 고딕"/>
+        <a:font script="Hans" typeface="等线"/>
+        <a:font script="Hant" typeface="新細明體"/>
+        <a:font script="Arab" typeface="Arial"/>
+        <a:font script="Hebr" typeface="Arial"/>
+        <a:font script="Thai" typeface="Cordia New"/>
+        <a:font script="Ethi" typeface="Nyala"/>
+        <a:font script="Beng" typeface="Vrinda"/>
+        <a:font script="Gujr" typeface="Shruti"/>
+        <a:font script="Khmr" typeface="DaunPenh"/>
+        <a:font script="Knda" typeface="Tunga"/>
+        <a:font script="Guru" typeface="Raavi"/>
+        <a:font script="Cans" typeface="Euphemia"/>
+        <a:font script="Cher" typeface="Plantagenet Cherokee"/>
+        <a:font script="Yiii" typeface="Microsoft Yi Baiti"/>
+        <a:font script="Tibt" typeface="Microsoft Himalaya"/>
+        <a:font script="Thaa" typeface="MV Boli"/>
+        <a:font script="Deva" typeface="Mangal"/>
+        <a:font script="Telu" typeface="Gautami"/>
+        <a:font script="Taml" typeface="Latha"/>
+        <a:font script="Syrc" typeface="Estrangelo Edessa"/>
+        <a:font script="Orya" typeface="Kalinga"/>
+        <a:font script="Mlym" typeface="Kartika"/>
+        <a:font script="Laoo" typeface="DokChampa"/>
+        <a:font script="Sinh" typeface="Iskoola Pota"/>
+        <a:font script="Mong" typeface="Mongolian Baiti"/>
+        <a:font script="Viet" typeface="Arial"/>
+        <a:font script="Uigh" typeface="Microsoft Uighur"/>
+        <a:font script="Geor" typeface="Sylfaen"/>
+        <a:font script="Armn" typeface="Arial"/>
+        <a:font script="Bugi" typeface="Leelawadee UI"/>
+        <a:font script="Bopo" typeface="Microsoft JhengHei"/>
+        <a:font script="Java" typeface="Javanese Text"/>
+        <a:font script="Lisu" typeface="Segoe UI"/>
+        <a:font script="Mymr" typeface="Myanmar Text"/>
+        <a:font script="Nkoo" typeface="Ebrima"/>
+        <a:font script="Olck" typeface="Nirmala UI"/>
+        <a:font script="Osma" typeface="Ebrima"/>
+        <a:font script="Phag" typeface="Phagspa"/>
+        <a:font script="Syrn" typeface="Estrangelo Edessa"/>
+        <a:font script="Syrj" typeface="Estrangelo Edessa"/>
+        <a:font script="Syre" typeface="Estrangelo Edessa"/>
+        <a:font script="Sora" typeface="Nirmala UI"/>
+        <a:font script="Tale" typeface="Microsoft Tai Le"/>
+        <a:font script="Talu" typeface="Microsoft New Tai Lue"/>
+        <a:font script="Tfng" typeface="Ebrima"/>
+      </a:minorFont>
+    </a:fontScheme>
+    <a:fmtScheme name="Стандартная">
+      <a:fillStyleLst>
+        <a:solidFill>
+          <a:schemeClr val="phClr"/>
+        </a:solidFill>
+        <a:gradFill rotWithShape="1">
+          <a:gsLst>
+            <a:gs pos="0">
+              <a:schemeClr val="phClr">
+                <a:lumMod val="110000"/>
+                <a:satMod val="105000"/>
+                <a:tint val="67000"/>
+              </a:schemeClr>
+            </a:gs>
+            <a:gs pos="50000">
+              <a:schemeClr val="phClr">
+                <a:lumMod val="105000"/>
+                <a:satMod val="103000"/>
+                <a:tint val="73000"/>
+              </a:schemeClr>
+            </a:gs>
+            <a:gs pos="100000">
+              <a:schemeClr val="phClr">
+                <a:lumMod val="105000"/>
+                <a:satMod val="109000"/>
+                <a:tint val="81000"/>
+              </a:schemeClr>
+            </a:gs>
+          </a:gsLst>
+          <a:lin ang="5400000" scaled="0"/>
+        </a:gradFill>
+        <a:gradFill rotWithShape="1">
+          <a:gsLst>
+            <a:gs pos="0">
+              <a:schemeClr val="phClr">
+                <a:satMod val="103000"/>
+                <a:lumMod val="102000"/>
+                <a:tint val="94000"/>
+              </a:schemeClr>
+            </a:gs>
+            <a:gs pos="50000">
+              <a:schemeClr val="phClr">
+                <a:satMod val="110000"/>
+                <a:lumMod val="100000"/>
+                <a:shade val="100000"/>
+              </a:schemeClr>
+            </a:gs>
+            <a:gs pos="100000">
+              <a:schemeClr val="phClr">
+                <a:lumMod val="99000"/>
+                <a:satMod val="120000"/>
+                <a:shade val="78000"/>
+              </a:schemeClr>
+            </a:gs>
+          </a:gsLst>
+          <a:lin ang="5400000" scaled="0"/>
+        </a:gradFill>
+      </a:fillStyleLst>
+      <a:lnStyleLst>
+        <a:ln w="6350" cap="flat" cmpd="sng" algn="ctr">
+          <a:solidFill>
+            <a:schemeClr val="phClr"/>
+          </a:solidFill>
+          <a:prstDash val="solid"/>
+          <a:miter lim="800000"/>
+        </a:ln>
+        <a:ln w="12700" cap="flat" cmpd="sng" algn="ctr">
+          <a:solidFill>
+            <a:schemeClr val="phClr"/>
+          </a:solidFill>
+          <a:prstDash val="solid"/>
+          <a:miter lim="800000"/>
+        </a:ln>
+        <a:ln w="19050" cap="flat" cmpd="sng" algn="ctr">
+          <a:solidFill>
+            <a:schemeClr val="phClr"/>
+          </a:solidFill>
+          <a:prstDash val="solid"/>
+          <a:miter lim="800000"/>
+        </a:ln>
+      </a:lnStyleLst>
+      <a:effectStyleLst>
+        <a:effectStyle>
+          <a:effectLst/>
+        </a:effectStyle>
+        <a:effectStyle>
+          <a:effectLst/>
+        </a:effectStyle>
+        <a:effectStyle>
+          <a:effectLst>
+            <a:outerShdw blurRad="57150" dist="19050" dir="5400000" algn="ctr" rotWithShape="0">
+              <a:srgbClr val="000000">
+                <a:alpha val="63000"/>
+              </a:srgbClr>
+            </a:outerShdw>
+          </a:effectLst>
+        </a:effectStyle>
+      </a:effectStyleLst>
+      <a:bgFillStyleLst>
+        <a:solidFill>
+          <a:schemeClr val="phClr"/>
+        </a:solidFill>
+        <a:solidFill>
+          <a:schemeClr val="phClr">
+            <a:tint val="95000"/>
+            <a:satMod val="170000"/>
+          </a:schemeClr>
+        </a:solidFill>
+        <a:gradFill rotWithShape="1">
+          <a:gsLst>
+            <a:gs pos="0">
+              <a:schemeClr val="phClr">
+                <a:tint val="93000"/>
+                <a:satMod val="150000"/>
+                <a:shade val="98000"/>
+                <a:lumMod val="102000"/>
+              </a:schemeClr>
+            </a:gs>
+            <a:gs pos="50000">
+              <a:schemeClr val="phClr">
+                <a:tint val="98000"/>
+                <a:satMod val="130000"/>
+                <a:shade val="90000"/>
+                <a:lumMod val="103000"/>
+              </a:schemeClr>
+            </a:gs>
+            <a:gs pos="100000">
+              <a:schemeClr val="phClr">
+                <a:shade val="63000"/>
+                <a:satMod val="120000"/>
+              </a:schemeClr>
+            </a:gs>
+          </a:gsLst>
+          <a:lin ang="5400000" scaled="0"/>
+        </a:gradFill>
+      </a:bgFillStyleLst>
+    </a:fmtScheme>
+  </a:themeElements>
+  <a:objectDefaults/>
+  <a:extraClrSchemeLst/>
+  <a:extLst>
+    <a:ext uri="{05A4C25C-085E-4340-85A3-A5531E510DB2}">
+      <thm15:themeFamily xmlns:thm15="http://schemas.microsoft.com/office/thememl/2012/main" name="Office Theme" id="{62F939B6-93AF-4DB8-9C6B-D6C7DFDC589F}" vid="{4A3C46E8-61CC-4603-A589-7422A47A8E4A}"/>
     </a:ext>
   </a:extLst>
 </a:theme>
